--- a/presentation/Visualizing Objects in Java.pptx
+++ b/presentation/Visualizing Objects in Java.pptx
@@ -5,7 +5,7 @@
     <p:sldMasterId id="2147483648" r:id="rId1"/>
   </p:sldMasterIdLst>
   <p:notesMasterIdLst>
-    <p:notesMasterId r:id="rId14"/>
+    <p:notesMasterId r:id="rId18"/>
   </p:notesMasterIdLst>
   <p:sldIdLst>
     <p:sldId id="256" r:id="rId2"/>
@@ -19,7 +19,11 @@
     <p:sldId id="262" r:id="rId10"/>
     <p:sldId id="269" r:id="rId11"/>
     <p:sldId id="270" r:id="rId12"/>
-    <p:sldId id="266" r:id="rId13"/>
+    <p:sldId id="271" r:id="rId13"/>
+    <p:sldId id="272" r:id="rId14"/>
+    <p:sldId id="273" r:id="rId15"/>
+    <p:sldId id="274" r:id="rId16"/>
+    <p:sldId id="266" r:id="rId17"/>
   </p:sldIdLst>
   <p:sldSz cx="9144000" cy="6858000" type="screen4x3"/>
   <p:notesSz cx="6858000" cy="9144000"/>
@@ -204,7 +208,7 @@
             <a:fld id="{E931869C-E73F-44A3-8111-9724D18AD708}" type="datetimeFigureOut">
               <a:rPr lang="de-CH" smtClean="0"/>
               <a:pPr/>
-              <a:t>08.06.2011</a:t>
+              <a:t>09.06.2011</a:t>
             </a:fld>
             <a:endParaRPr lang="de-CH"/>
           </a:p>
@@ -375,7 +379,7 @@
     </p:spTree>
     <p:extLst>
       <p:ext uri="{BB962C8B-B14F-4D97-AF65-F5344CB8AC3E}">
-        <p14:creationId xmlns:p14="http://schemas.microsoft.com/office/powerpoint/2010/main" xmlns="" val="1372044409"/>
+        <p14:creationId xmlns="" xmlns:p14="http://schemas.microsoft.com/office/powerpoint/2010/main" val="1372044409"/>
       </p:ext>
     </p:extLst>
   </p:cSld>
@@ -657,7 +661,7 @@
             <a:fld id="{0B9876C0-AAE7-474F-8265-493986A54767}" type="datetimeFigureOut">
               <a:rPr lang="de-CH" smtClean="0"/>
               <a:pPr/>
-              <a:t>08.06.2011</a:t>
+              <a:t>09.06.2011</a:t>
             </a:fld>
             <a:endParaRPr lang="de-CH"/>
           </a:p>
@@ -824,7 +828,7 @@
             <a:fld id="{0B9876C0-AAE7-474F-8265-493986A54767}" type="datetimeFigureOut">
               <a:rPr lang="de-CH" smtClean="0"/>
               <a:pPr/>
-              <a:t>08.06.2011</a:t>
+              <a:t>09.06.2011</a:t>
             </a:fld>
             <a:endParaRPr lang="de-CH"/>
           </a:p>
@@ -1001,7 +1005,7 @@
             <a:fld id="{0B9876C0-AAE7-474F-8265-493986A54767}" type="datetimeFigureOut">
               <a:rPr lang="de-CH" smtClean="0"/>
               <a:pPr/>
-              <a:t>08.06.2011</a:t>
+              <a:t>09.06.2011</a:t>
             </a:fld>
             <a:endParaRPr lang="de-CH"/>
           </a:p>
@@ -1168,7 +1172,7 @@
             <a:fld id="{0B9876C0-AAE7-474F-8265-493986A54767}" type="datetimeFigureOut">
               <a:rPr lang="de-CH" smtClean="0"/>
               <a:pPr/>
-              <a:t>08.06.2011</a:t>
+              <a:t>09.06.2011</a:t>
             </a:fld>
             <a:endParaRPr lang="de-CH"/>
           </a:p>
@@ -1411,7 +1415,7 @@
             <a:fld id="{0B9876C0-AAE7-474F-8265-493986A54767}" type="datetimeFigureOut">
               <a:rPr lang="de-CH" smtClean="0"/>
               <a:pPr/>
-              <a:t>08.06.2011</a:t>
+              <a:t>09.06.2011</a:t>
             </a:fld>
             <a:endParaRPr lang="de-CH"/>
           </a:p>
@@ -1696,7 +1700,7 @@
             <a:fld id="{0B9876C0-AAE7-474F-8265-493986A54767}" type="datetimeFigureOut">
               <a:rPr lang="de-CH" smtClean="0"/>
               <a:pPr/>
-              <a:t>08.06.2011</a:t>
+              <a:t>09.06.2011</a:t>
             </a:fld>
             <a:endParaRPr lang="de-CH"/>
           </a:p>
@@ -2115,7 +2119,7 @@
             <a:fld id="{0B9876C0-AAE7-474F-8265-493986A54767}" type="datetimeFigureOut">
               <a:rPr lang="de-CH" smtClean="0"/>
               <a:pPr/>
-              <a:t>08.06.2011</a:t>
+              <a:t>09.06.2011</a:t>
             </a:fld>
             <a:endParaRPr lang="de-CH"/>
           </a:p>
@@ -2230,7 +2234,7 @@
             <a:fld id="{0B9876C0-AAE7-474F-8265-493986A54767}" type="datetimeFigureOut">
               <a:rPr lang="de-CH" smtClean="0"/>
               <a:pPr/>
-              <a:t>08.06.2011</a:t>
+              <a:t>09.06.2011</a:t>
             </a:fld>
             <a:endParaRPr lang="de-CH"/>
           </a:p>
@@ -2322,7 +2326,7 @@
             <a:fld id="{0B9876C0-AAE7-474F-8265-493986A54767}" type="datetimeFigureOut">
               <a:rPr lang="de-CH" smtClean="0"/>
               <a:pPr/>
-              <a:t>08.06.2011</a:t>
+              <a:t>09.06.2011</a:t>
             </a:fld>
             <a:endParaRPr lang="de-CH"/>
           </a:p>
@@ -2596,7 +2600,7 @@
             <a:fld id="{0B9876C0-AAE7-474F-8265-493986A54767}" type="datetimeFigureOut">
               <a:rPr lang="de-CH" smtClean="0"/>
               <a:pPr/>
-              <a:t>08.06.2011</a:t>
+              <a:t>09.06.2011</a:t>
             </a:fld>
             <a:endParaRPr lang="de-CH"/>
           </a:p>
@@ -2846,7 +2850,7 @@
             <a:fld id="{0B9876C0-AAE7-474F-8265-493986A54767}" type="datetimeFigureOut">
               <a:rPr lang="de-CH" smtClean="0"/>
               <a:pPr/>
-              <a:t>08.06.2011</a:t>
+              <a:t>09.06.2011</a:t>
             </a:fld>
             <a:endParaRPr lang="de-CH"/>
           </a:p>
@@ -3056,7 +3060,7 @@
             <a:fld id="{0B9876C0-AAE7-474F-8265-493986A54767}" type="datetimeFigureOut">
               <a:rPr lang="de-CH" smtClean="0"/>
               <a:pPr/>
-              <a:t>08.06.2011</a:t>
+              <a:t>09.06.2011</a:t>
             </a:fld>
             <a:endParaRPr lang="de-CH"/>
           </a:p>
@@ -3608,7 +3612,7 @@
         </p:blipFill>
         <p:spPr bwMode="auto">
           <a:xfrm>
-            <a:off x="-468560" y="476672"/>
+            <a:off x="-468560" y="-27384"/>
             <a:ext cx="9794302" cy="6120680"/>
           </a:xfrm>
           <a:prstGeom prst="rect">
@@ -3704,7 +3708,7 @@
         </p:blipFill>
         <p:spPr bwMode="auto">
           <a:xfrm>
-            <a:off x="-108520" y="0"/>
+            <a:off x="-108520" y="-288032"/>
             <a:ext cx="10326618" cy="6453336"/>
           </a:xfrm>
           <a:prstGeom prst="rect">
@@ -3729,6 +3733,390 @@
 </file>
 
 <file path=ppt/slides/slide12.xml><?xml version="1.0" encoding="utf-8"?>
+<p:sld xmlns:a="http://schemas.openxmlformats.org/drawingml/2006/main" xmlns:r="http://schemas.openxmlformats.org/officeDocument/2006/relationships" xmlns:p="http://schemas.openxmlformats.org/presentationml/2006/main">
+  <p:cSld>
+    <p:spTree>
+      <p:nvGrpSpPr>
+        <p:cNvPr id="1" name=""/>
+        <p:cNvGrpSpPr/>
+        <p:nvPr/>
+      </p:nvGrpSpPr>
+      <p:grpSpPr>
+        <a:xfrm>
+          <a:off x="0" y="0"/>
+          <a:ext cx="0" cy="0"/>
+          <a:chOff x="0" y="0"/>
+          <a:chExt cx="0" cy="0"/>
+        </a:xfrm>
+      </p:grpSpPr>
+      <p:sp>
+        <p:nvSpPr>
+          <p:cNvPr id="2" name="Titel 1"/>
+          <p:cNvSpPr>
+            <a:spLocks noGrp="1"/>
+          </p:cNvSpPr>
+          <p:nvPr>
+            <p:ph type="title"/>
+          </p:nvPr>
+        </p:nvSpPr>
+        <p:spPr/>
+        <p:txBody>
+          <a:bodyPr/>
+          <a:lstStyle/>
+          <a:p>
+            <a:endParaRPr lang="de-CH"/>
+          </a:p>
+        </p:txBody>
+      </p:sp>
+      <p:sp>
+        <p:nvSpPr>
+          <p:cNvPr id="3" name="Inhaltsplatzhalter 2"/>
+          <p:cNvSpPr>
+            <a:spLocks noGrp="1"/>
+          </p:cNvSpPr>
+          <p:nvPr>
+            <p:ph idx="1"/>
+          </p:nvPr>
+        </p:nvSpPr>
+        <p:spPr/>
+        <p:txBody>
+          <a:bodyPr/>
+          <a:lstStyle/>
+          <a:p>
+            <a:endParaRPr lang="de-CH"/>
+          </a:p>
+        </p:txBody>
+      </p:sp>
+      <p:pic>
+        <p:nvPicPr>
+          <p:cNvPr id="1026" name="Picture 2" descr="C:\Users\Reichenbach Cedric\Dropbox\studium\ba\pics presentation\skizze visualization 2 Kopie.jpg"/>
+          <p:cNvPicPr>
+            <a:picLocks noChangeAspect="1" noChangeArrowheads="1"/>
+          </p:cNvPicPr>
+          <p:nvPr/>
+        </p:nvPicPr>
+        <p:blipFill>
+          <a:blip r:embed="rId2" cstate="print"/>
+          <a:srcRect/>
+          <a:stretch>
+            <a:fillRect/>
+          </a:stretch>
+        </p:blipFill>
+        <p:spPr bwMode="auto">
+          <a:xfrm>
+            <a:off x="-396552" y="-243408"/>
+            <a:ext cx="10326618" cy="6453336"/>
+          </a:xfrm>
+          <a:prstGeom prst="rect">
+            <a:avLst/>
+          </a:prstGeom>
+          <a:noFill/>
+        </p:spPr>
+      </p:pic>
+    </p:spTree>
+  </p:cSld>
+  <p:clrMapOvr>
+    <a:masterClrMapping/>
+  </p:clrMapOvr>
+  <p:timing>
+    <p:tnLst>
+      <p:par>
+        <p:cTn id="1" dur="indefinite" restart="never" nodeType="tmRoot"/>
+      </p:par>
+    </p:tnLst>
+  </p:timing>
+</p:sld>
+</file>
+
+<file path=ppt/slides/slide13.xml><?xml version="1.0" encoding="utf-8"?>
+<p:sld xmlns:a="http://schemas.openxmlformats.org/drawingml/2006/main" xmlns:r="http://schemas.openxmlformats.org/officeDocument/2006/relationships" xmlns:p="http://schemas.openxmlformats.org/presentationml/2006/main">
+  <p:cSld>
+    <p:spTree>
+      <p:nvGrpSpPr>
+        <p:cNvPr id="1" name=""/>
+        <p:cNvGrpSpPr/>
+        <p:nvPr/>
+      </p:nvGrpSpPr>
+      <p:grpSpPr>
+        <a:xfrm>
+          <a:off x="0" y="0"/>
+          <a:ext cx="0" cy="0"/>
+          <a:chOff x="0" y="0"/>
+          <a:chExt cx="0" cy="0"/>
+        </a:xfrm>
+      </p:grpSpPr>
+      <p:sp>
+        <p:nvSpPr>
+          <p:cNvPr id="2" name="Titel 1"/>
+          <p:cNvSpPr>
+            <a:spLocks noGrp="1"/>
+          </p:cNvSpPr>
+          <p:nvPr>
+            <p:ph type="title"/>
+          </p:nvPr>
+        </p:nvSpPr>
+        <p:spPr/>
+        <p:txBody>
+          <a:bodyPr/>
+          <a:lstStyle/>
+          <a:p>
+            <a:endParaRPr lang="de-CH"/>
+          </a:p>
+        </p:txBody>
+      </p:sp>
+      <p:sp>
+        <p:nvSpPr>
+          <p:cNvPr id="3" name="Inhaltsplatzhalter 2"/>
+          <p:cNvSpPr>
+            <a:spLocks noGrp="1"/>
+          </p:cNvSpPr>
+          <p:nvPr>
+            <p:ph idx="1"/>
+          </p:nvPr>
+        </p:nvSpPr>
+        <p:spPr/>
+        <p:txBody>
+          <a:bodyPr/>
+          <a:lstStyle/>
+          <a:p>
+            <a:endParaRPr lang="de-CH"/>
+          </a:p>
+        </p:txBody>
+      </p:sp>
+      <p:pic>
+        <p:nvPicPr>
+          <p:cNvPr id="2050" name="Picture 2" descr="C:\Users\Reichenbach Cedric\Dropbox\studium\ba\pics presentation\skizze visualization player zoomed 2 Kopie.jpg"/>
+          <p:cNvPicPr>
+            <a:picLocks noChangeAspect="1" noChangeArrowheads="1"/>
+          </p:cNvPicPr>
+          <p:nvPr/>
+        </p:nvPicPr>
+        <p:blipFill>
+          <a:blip r:embed="rId2" cstate="print"/>
+          <a:srcRect r="16458" b="5263"/>
+          <a:stretch>
+            <a:fillRect/>
+          </a:stretch>
+        </p:blipFill>
+        <p:spPr bwMode="auto">
+          <a:xfrm>
+            <a:off x="-324544" y="-603448"/>
+            <a:ext cx="9721080" cy="6888954"/>
+          </a:xfrm>
+          <a:prstGeom prst="rect">
+            <a:avLst/>
+          </a:prstGeom>
+          <a:noFill/>
+        </p:spPr>
+      </p:pic>
+    </p:spTree>
+  </p:cSld>
+  <p:clrMapOvr>
+    <a:masterClrMapping/>
+  </p:clrMapOvr>
+  <p:timing>
+    <p:tnLst>
+      <p:par>
+        <p:cTn id="1" dur="indefinite" restart="never" nodeType="tmRoot"/>
+      </p:par>
+    </p:tnLst>
+  </p:timing>
+</p:sld>
+</file>
+
+<file path=ppt/slides/slide14.xml><?xml version="1.0" encoding="utf-8"?>
+<p:sld xmlns:a="http://schemas.openxmlformats.org/drawingml/2006/main" xmlns:r="http://schemas.openxmlformats.org/officeDocument/2006/relationships" xmlns:p="http://schemas.openxmlformats.org/presentationml/2006/main">
+  <p:cSld>
+    <p:spTree>
+      <p:nvGrpSpPr>
+        <p:cNvPr id="1" name=""/>
+        <p:cNvGrpSpPr/>
+        <p:nvPr/>
+      </p:nvGrpSpPr>
+      <p:grpSpPr>
+        <a:xfrm>
+          <a:off x="0" y="0"/>
+          <a:ext cx="0" cy="0"/>
+          <a:chOff x="0" y="0"/>
+          <a:chExt cx="0" cy="0"/>
+        </a:xfrm>
+      </p:grpSpPr>
+      <p:sp>
+        <p:nvSpPr>
+          <p:cNvPr id="2" name="Titel 1"/>
+          <p:cNvSpPr>
+            <a:spLocks noGrp="1"/>
+          </p:cNvSpPr>
+          <p:nvPr>
+            <p:ph type="title"/>
+          </p:nvPr>
+        </p:nvSpPr>
+        <p:spPr/>
+        <p:txBody>
+          <a:bodyPr/>
+          <a:lstStyle/>
+          <a:p>
+            <a:endParaRPr lang="de-CH"/>
+          </a:p>
+        </p:txBody>
+      </p:sp>
+      <p:sp>
+        <p:nvSpPr>
+          <p:cNvPr id="3" name="Inhaltsplatzhalter 2"/>
+          <p:cNvSpPr>
+            <a:spLocks noGrp="1"/>
+          </p:cNvSpPr>
+          <p:nvPr>
+            <p:ph idx="1"/>
+          </p:nvPr>
+        </p:nvSpPr>
+        <p:spPr/>
+        <p:txBody>
+          <a:bodyPr/>
+          <a:lstStyle/>
+          <a:p>
+            <a:endParaRPr lang="de-CH"/>
+          </a:p>
+        </p:txBody>
+      </p:sp>
+      <p:pic>
+        <p:nvPicPr>
+          <p:cNvPr id="3074" name="Picture 2" descr="C:\Users\Reichenbach Cedric\Dropbox\studium\ba\pics presentation\skizze visualization 3 Kopie.jpg"/>
+          <p:cNvPicPr>
+            <a:picLocks noChangeAspect="1" noChangeArrowheads="1"/>
+          </p:cNvPicPr>
+          <p:nvPr/>
+        </p:nvPicPr>
+        <p:blipFill>
+          <a:blip r:embed="rId2" cstate="print"/>
+          <a:srcRect/>
+          <a:stretch>
+            <a:fillRect/>
+          </a:stretch>
+        </p:blipFill>
+        <p:spPr bwMode="auto">
+          <a:xfrm>
+            <a:off x="-252536" y="-171400"/>
+            <a:ext cx="10729192" cy="6704914"/>
+          </a:xfrm>
+          <a:prstGeom prst="rect">
+            <a:avLst/>
+          </a:prstGeom>
+          <a:noFill/>
+        </p:spPr>
+      </p:pic>
+    </p:spTree>
+  </p:cSld>
+  <p:clrMapOvr>
+    <a:masterClrMapping/>
+  </p:clrMapOvr>
+  <p:timing>
+    <p:tnLst>
+      <p:par>
+        <p:cTn id="1" dur="indefinite" restart="never" nodeType="tmRoot"/>
+      </p:par>
+    </p:tnLst>
+  </p:timing>
+</p:sld>
+</file>
+
+<file path=ppt/slides/slide15.xml><?xml version="1.0" encoding="utf-8"?>
+<p:sld xmlns:a="http://schemas.openxmlformats.org/drawingml/2006/main" xmlns:r="http://schemas.openxmlformats.org/officeDocument/2006/relationships" xmlns:p="http://schemas.openxmlformats.org/presentationml/2006/main">
+  <p:cSld>
+    <p:spTree>
+      <p:nvGrpSpPr>
+        <p:cNvPr id="1" name=""/>
+        <p:cNvGrpSpPr/>
+        <p:nvPr/>
+      </p:nvGrpSpPr>
+      <p:grpSpPr>
+        <a:xfrm>
+          <a:off x="0" y="0"/>
+          <a:ext cx="0" cy="0"/>
+          <a:chOff x="0" y="0"/>
+          <a:chExt cx="0" cy="0"/>
+        </a:xfrm>
+      </p:grpSpPr>
+      <p:sp>
+        <p:nvSpPr>
+          <p:cNvPr id="2" name="Titel 1"/>
+          <p:cNvSpPr>
+            <a:spLocks noGrp="1"/>
+          </p:cNvSpPr>
+          <p:nvPr>
+            <p:ph type="title"/>
+          </p:nvPr>
+        </p:nvSpPr>
+        <p:spPr/>
+        <p:txBody>
+          <a:bodyPr/>
+          <a:lstStyle/>
+          <a:p>
+            <a:endParaRPr lang="de-CH"/>
+          </a:p>
+        </p:txBody>
+      </p:sp>
+      <p:sp>
+        <p:nvSpPr>
+          <p:cNvPr id="3" name="Inhaltsplatzhalter 2"/>
+          <p:cNvSpPr>
+            <a:spLocks noGrp="1"/>
+          </p:cNvSpPr>
+          <p:nvPr>
+            <p:ph idx="1"/>
+          </p:nvPr>
+        </p:nvSpPr>
+        <p:spPr/>
+        <p:txBody>
+          <a:bodyPr/>
+          <a:lstStyle/>
+          <a:p>
+            <a:endParaRPr lang="de-CH"/>
+          </a:p>
+        </p:txBody>
+      </p:sp>
+      <p:pic>
+        <p:nvPicPr>
+          <p:cNvPr id="4099" name="Picture 3" descr="C:\Users\Reichenbach Cedric\Dropbox\studium\ba\pics presentation\skizze visualization player zoomed 3 Kopie.jpg"/>
+          <p:cNvPicPr>
+            <a:picLocks noChangeAspect="1" noChangeArrowheads="1"/>
+          </p:cNvPicPr>
+          <p:nvPr/>
+        </p:nvPicPr>
+        <p:blipFill>
+          <a:blip r:embed="rId2" cstate="print"/>
+          <a:srcRect/>
+          <a:stretch>
+            <a:fillRect/>
+          </a:stretch>
+        </p:blipFill>
+        <p:spPr bwMode="auto">
+          <a:xfrm>
+            <a:off x="-36513" y="-315416"/>
+            <a:ext cx="10600893" cy="6624736"/>
+          </a:xfrm>
+          <a:prstGeom prst="rect">
+            <a:avLst/>
+          </a:prstGeom>
+          <a:noFill/>
+        </p:spPr>
+      </p:pic>
+    </p:spTree>
+  </p:cSld>
+  <p:clrMapOvr>
+    <a:masterClrMapping/>
+  </p:clrMapOvr>
+  <p:timing>
+    <p:tnLst>
+      <p:par>
+        <p:cTn id="1" dur="indefinite" restart="never" nodeType="tmRoot"/>
+      </p:par>
+    </p:tnLst>
+  </p:timing>
+</p:sld>
+</file>
+
+<file path=ppt/slides/slide16.xml><?xml version="1.0" encoding="utf-8"?>
 <p:sld xmlns:a="http://schemas.openxmlformats.org/drawingml/2006/main" xmlns:r="http://schemas.openxmlformats.org/officeDocument/2006/relationships" xmlns:p="http://schemas.openxmlformats.org/presentationml/2006/main">
   <p:cSld>
     <p:spTree>
@@ -5321,7 +5709,7 @@
     </p:spTree>
     <p:extLst>
       <p:ext uri="{BB962C8B-B14F-4D97-AF65-F5344CB8AC3E}">
-        <p14:creationId xmlns:p14="http://schemas.microsoft.com/office/powerpoint/2010/main" xmlns="" val="668186958"/>
+        <p14:creationId xmlns="" xmlns:p14="http://schemas.microsoft.com/office/powerpoint/2010/main" val="668186958"/>
       </p:ext>
     </p:extLst>
   </p:cSld>
@@ -6594,7 +6982,7 @@
     </p:spTree>
     <p:extLst>
       <p:ext uri="{BB962C8B-B14F-4D97-AF65-F5344CB8AC3E}">
-        <p14:creationId xmlns:p14="http://schemas.microsoft.com/office/powerpoint/2010/main" xmlns="" val="323489840"/>
+        <p14:creationId xmlns="" xmlns:p14="http://schemas.microsoft.com/office/powerpoint/2010/main" val="323489840"/>
       </p:ext>
     </p:extLst>
   </p:cSld>

--- a/presentation/Visualizing Objects in Java.pptx
+++ b/presentation/Visualizing Objects in Java.pptx
@@ -5,7 +5,7 @@
     <p:sldMasterId id="2147483648" r:id="rId1"/>
   </p:sldMasterIdLst>
   <p:notesMasterIdLst>
-    <p:notesMasterId r:id="rId18"/>
+    <p:notesMasterId r:id="rId17"/>
   </p:notesMasterIdLst>
   <p:sldIdLst>
     <p:sldId id="256" r:id="rId2"/>
@@ -23,7 +23,6 @@
     <p:sldId id="272" r:id="rId14"/>
     <p:sldId id="273" r:id="rId15"/>
     <p:sldId id="274" r:id="rId16"/>
-    <p:sldId id="266" r:id="rId17"/>
   </p:sldIdLst>
   <p:sldSz cx="9144000" cy="6858000" type="screen4x3"/>
   <p:notesSz cx="6858000" cy="9144000"/>
@@ -208,7 +207,7 @@
             <a:fld id="{E931869C-E73F-44A3-8111-9724D18AD708}" type="datetimeFigureOut">
               <a:rPr lang="de-CH" smtClean="0"/>
               <a:pPr/>
-              <a:t>09.06.2011</a:t>
+              <a:t>13.06.2011</a:t>
             </a:fld>
             <a:endParaRPr lang="de-CH"/>
           </a:p>
@@ -379,7 +378,7 @@
     </p:spTree>
     <p:extLst>
       <p:ext uri="{BB962C8B-B14F-4D97-AF65-F5344CB8AC3E}">
-        <p14:creationId xmlns="" xmlns:p14="http://schemas.microsoft.com/office/powerpoint/2010/main" val="1372044409"/>
+        <p14:creationId xmlns:p14="http://schemas.microsoft.com/office/powerpoint/2010/main" xmlns="" val="1372044409"/>
       </p:ext>
     </p:extLst>
   </p:cSld>
@@ -661,7 +660,7 @@
             <a:fld id="{0B9876C0-AAE7-474F-8265-493986A54767}" type="datetimeFigureOut">
               <a:rPr lang="de-CH" smtClean="0"/>
               <a:pPr/>
-              <a:t>09.06.2011</a:t>
+              <a:t>13.06.2011</a:t>
             </a:fld>
             <a:endParaRPr lang="de-CH"/>
           </a:p>
@@ -828,7 +827,7 @@
             <a:fld id="{0B9876C0-AAE7-474F-8265-493986A54767}" type="datetimeFigureOut">
               <a:rPr lang="de-CH" smtClean="0"/>
               <a:pPr/>
-              <a:t>09.06.2011</a:t>
+              <a:t>13.06.2011</a:t>
             </a:fld>
             <a:endParaRPr lang="de-CH"/>
           </a:p>
@@ -1005,7 +1004,7 @@
             <a:fld id="{0B9876C0-AAE7-474F-8265-493986A54767}" type="datetimeFigureOut">
               <a:rPr lang="de-CH" smtClean="0"/>
               <a:pPr/>
-              <a:t>09.06.2011</a:t>
+              <a:t>13.06.2011</a:t>
             </a:fld>
             <a:endParaRPr lang="de-CH"/>
           </a:p>
@@ -1172,7 +1171,7 @@
             <a:fld id="{0B9876C0-AAE7-474F-8265-493986A54767}" type="datetimeFigureOut">
               <a:rPr lang="de-CH" smtClean="0"/>
               <a:pPr/>
-              <a:t>09.06.2011</a:t>
+              <a:t>13.06.2011</a:t>
             </a:fld>
             <a:endParaRPr lang="de-CH"/>
           </a:p>
@@ -1415,7 +1414,7 @@
             <a:fld id="{0B9876C0-AAE7-474F-8265-493986A54767}" type="datetimeFigureOut">
               <a:rPr lang="de-CH" smtClean="0"/>
               <a:pPr/>
-              <a:t>09.06.2011</a:t>
+              <a:t>13.06.2011</a:t>
             </a:fld>
             <a:endParaRPr lang="de-CH"/>
           </a:p>
@@ -1700,7 +1699,7 @@
             <a:fld id="{0B9876C0-AAE7-474F-8265-493986A54767}" type="datetimeFigureOut">
               <a:rPr lang="de-CH" smtClean="0"/>
               <a:pPr/>
-              <a:t>09.06.2011</a:t>
+              <a:t>13.06.2011</a:t>
             </a:fld>
             <a:endParaRPr lang="de-CH"/>
           </a:p>
@@ -2119,7 +2118,7 @@
             <a:fld id="{0B9876C0-AAE7-474F-8265-493986A54767}" type="datetimeFigureOut">
               <a:rPr lang="de-CH" smtClean="0"/>
               <a:pPr/>
-              <a:t>09.06.2011</a:t>
+              <a:t>13.06.2011</a:t>
             </a:fld>
             <a:endParaRPr lang="de-CH"/>
           </a:p>
@@ -2234,7 +2233,7 @@
             <a:fld id="{0B9876C0-AAE7-474F-8265-493986A54767}" type="datetimeFigureOut">
               <a:rPr lang="de-CH" smtClean="0"/>
               <a:pPr/>
-              <a:t>09.06.2011</a:t>
+              <a:t>13.06.2011</a:t>
             </a:fld>
             <a:endParaRPr lang="de-CH"/>
           </a:p>
@@ -2326,7 +2325,7 @@
             <a:fld id="{0B9876C0-AAE7-474F-8265-493986A54767}" type="datetimeFigureOut">
               <a:rPr lang="de-CH" smtClean="0"/>
               <a:pPr/>
-              <a:t>09.06.2011</a:t>
+              <a:t>13.06.2011</a:t>
             </a:fld>
             <a:endParaRPr lang="de-CH"/>
           </a:p>
@@ -2600,7 +2599,7 @@
             <a:fld id="{0B9876C0-AAE7-474F-8265-493986A54767}" type="datetimeFigureOut">
               <a:rPr lang="de-CH" smtClean="0"/>
               <a:pPr/>
-              <a:t>09.06.2011</a:t>
+              <a:t>13.06.2011</a:t>
             </a:fld>
             <a:endParaRPr lang="de-CH"/>
           </a:p>
@@ -2850,7 +2849,7 @@
             <a:fld id="{0B9876C0-AAE7-474F-8265-493986A54767}" type="datetimeFigureOut">
               <a:rPr lang="de-CH" smtClean="0"/>
               <a:pPr/>
-              <a:t>09.06.2011</a:t>
+              <a:t>13.06.2011</a:t>
             </a:fld>
             <a:endParaRPr lang="de-CH"/>
           </a:p>
@@ -3060,7 +3059,7 @@
             <a:fld id="{0B9876C0-AAE7-474F-8265-493986A54767}" type="datetimeFigureOut">
               <a:rPr lang="de-CH" smtClean="0"/>
               <a:pPr/>
-              <a:t>09.06.2011</a:t>
+              <a:t>13.06.2011</a:t>
             </a:fld>
             <a:endParaRPr lang="de-CH"/>
           </a:p>
@@ -3559,25 +3558,6 @@
       </p:grpSpPr>
       <p:sp>
         <p:nvSpPr>
-          <p:cNvPr id="2" name="Titel 1"/>
-          <p:cNvSpPr>
-            <a:spLocks noGrp="1"/>
-          </p:cNvSpPr>
-          <p:nvPr>
-            <p:ph type="title"/>
-          </p:nvPr>
-        </p:nvSpPr>
-        <p:spPr/>
-        <p:txBody>
-          <a:bodyPr/>
-          <a:lstStyle/>
-          <a:p>
-            <a:endParaRPr lang="de-CH" dirty="0"/>
-          </a:p>
-        </p:txBody>
-      </p:sp>
-      <p:sp>
-        <p:nvSpPr>
           <p:cNvPr id="3" name="Inhaltsplatzhalter 2"/>
           <p:cNvSpPr>
             <a:spLocks noGrp="1"/>
@@ -3591,7 +3571,7 @@
           <a:bodyPr/>
           <a:lstStyle/>
           <a:p>
-            <a:endParaRPr lang="de-CH"/>
+            <a:endParaRPr lang="de-CH" dirty="0"/>
           </a:p>
         </p:txBody>
       </p:sp>
@@ -3612,7 +3592,7 @@
         </p:blipFill>
         <p:spPr bwMode="auto">
           <a:xfrm>
-            <a:off x="-468560" y="-27384"/>
+            <a:off x="-468560" y="188640"/>
             <a:ext cx="9794302" cy="6120680"/>
           </a:xfrm>
           <a:prstGeom prst="rect">
@@ -3621,6 +3601,300 @@
           <a:noFill/>
         </p:spPr>
       </p:pic>
+      <p:sp>
+        <p:nvSpPr>
+          <p:cNvPr id="2" name="Titel 1"/>
+          <p:cNvSpPr>
+            <a:spLocks noGrp="1"/>
+          </p:cNvSpPr>
+          <p:nvPr>
+            <p:ph type="title"/>
+          </p:nvPr>
+        </p:nvSpPr>
+        <p:spPr>
+          <a:xfrm>
+            <a:off x="395536" y="0"/>
+            <a:ext cx="8229600" cy="764704"/>
+          </a:xfrm>
+        </p:spPr>
+        <p:txBody>
+          <a:bodyPr/>
+          <a:lstStyle/>
+          <a:p>
+            <a:r>
+              <a:rPr lang="de-CH" dirty="0" smtClean="0"/>
+              <a:t>Style 1</a:t>
+            </a:r>
+            <a:endParaRPr lang="de-CH" dirty="0"/>
+          </a:p>
+        </p:txBody>
+      </p:sp>
+      <p:sp>
+        <p:nvSpPr>
+          <p:cNvPr id="5" name="Rechteck 4"/>
+          <p:cNvSpPr/>
+          <p:nvPr/>
+        </p:nvSpPr>
+        <p:spPr>
+          <a:xfrm>
+            <a:off x="4932040" y="3917955"/>
+            <a:ext cx="3888432" cy="2031325"/>
+          </a:xfrm>
+          <a:prstGeom prst="rect">
+            <a:avLst/>
+          </a:prstGeom>
+        </p:spPr>
+        <p:style>
+          <a:lnRef idx="1">
+            <a:schemeClr val="accent5"/>
+          </a:lnRef>
+          <a:fillRef idx="2">
+            <a:schemeClr val="accent5"/>
+          </a:fillRef>
+          <a:effectRef idx="1">
+            <a:schemeClr val="accent5"/>
+          </a:effectRef>
+          <a:fontRef idx="minor">
+            <a:schemeClr val="dk1"/>
+          </a:fontRef>
+        </p:style>
+        <p:txBody>
+          <a:bodyPr wrap="square">
+            <a:spAutoFit/>
+          </a:bodyPr>
+          <a:lstStyle/>
+          <a:p>
+            <a:pPr>
+              <a:buNone/>
+            </a:pPr>
+            <a:r>
+              <a:rPr lang="de-CH" dirty="0" err="1" smtClean="0">
+                <a:latin typeface="Courier New" pitchFamily="49" charset="0"/>
+                <a:cs typeface="Courier New" pitchFamily="49" charset="0"/>
+              </a:rPr>
+              <a:t>public</a:t>
+            </a:r>
+            <a:r>
+              <a:rPr lang="de-CH" dirty="0" smtClean="0">
+                <a:latin typeface="Courier New" pitchFamily="49" charset="0"/>
+                <a:cs typeface="Courier New" pitchFamily="49" charset="0"/>
+              </a:rPr>
+              <a:t> </a:t>
+            </a:r>
+            <a:r>
+              <a:rPr lang="de-CH" dirty="0" err="1" smtClean="0">
+                <a:latin typeface="Courier New" pitchFamily="49" charset="0"/>
+                <a:cs typeface="Courier New" pitchFamily="49" charset="0"/>
+              </a:rPr>
+              <a:t>void</a:t>
+            </a:r>
+            <a:r>
+              <a:rPr lang="de-CH" dirty="0" smtClean="0">
+                <a:latin typeface="Courier New" pitchFamily="49" charset="0"/>
+                <a:cs typeface="Courier New" pitchFamily="49" charset="0"/>
+              </a:rPr>
+              <a:t> </a:t>
+            </a:r>
+            <a:r>
+              <a:rPr lang="de-CH" dirty="0" err="1" smtClean="0">
+                <a:latin typeface="Courier New" pitchFamily="49" charset="0"/>
+                <a:cs typeface="Courier New" pitchFamily="49" charset="0"/>
+              </a:rPr>
+              <a:t>draw</a:t>
+            </a:r>
+            <a:r>
+              <a:rPr lang="de-CH" dirty="0" smtClean="0">
+                <a:latin typeface="Courier New" pitchFamily="49" charset="0"/>
+                <a:cs typeface="Courier New" pitchFamily="49" charset="0"/>
+              </a:rPr>
+              <a:t>(</a:t>
+            </a:r>
+            <a:r>
+              <a:rPr lang="de-CH" dirty="0" err="1" smtClean="0">
+                <a:latin typeface="Courier New" pitchFamily="49" charset="0"/>
+                <a:cs typeface="Courier New" pitchFamily="49" charset="0"/>
+              </a:rPr>
+              <a:t>Doodler</a:t>
+            </a:r>
+            <a:r>
+              <a:rPr lang="de-CH" dirty="0" smtClean="0">
+                <a:latin typeface="Courier New" pitchFamily="49" charset="0"/>
+                <a:cs typeface="Courier New" pitchFamily="49" charset="0"/>
+              </a:rPr>
+              <a:t> d) {</a:t>
+            </a:r>
+          </a:p>
+          <a:p>
+            <a:pPr>
+              <a:buNone/>
+            </a:pPr>
+            <a:r>
+              <a:rPr lang="de-CH" dirty="0" smtClean="0">
+                <a:latin typeface="Courier New" pitchFamily="49" charset="0"/>
+                <a:cs typeface="Courier New" pitchFamily="49" charset="0"/>
+              </a:rPr>
+              <a:t>  </a:t>
+            </a:r>
+            <a:r>
+              <a:rPr lang="de-CH" dirty="0" err="1" smtClean="0">
+                <a:latin typeface="Courier New" pitchFamily="49" charset="0"/>
+                <a:cs typeface="Courier New" pitchFamily="49" charset="0"/>
+              </a:rPr>
+              <a:t>d.draw</a:t>
+            </a:r>
+            <a:r>
+              <a:rPr lang="de-CH" dirty="0" smtClean="0">
+                <a:latin typeface="Courier New" pitchFamily="49" charset="0"/>
+                <a:cs typeface="Courier New" pitchFamily="49" charset="0"/>
+              </a:rPr>
+              <a:t>(</a:t>
+            </a:r>
+            <a:r>
+              <a:rPr lang="de-CH" dirty="0" err="1" smtClean="0">
+                <a:latin typeface="Courier New" pitchFamily="49" charset="0"/>
+                <a:cs typeface="Courier New" pitchFamily="49" charset="0"/>
+              </a:rPr>
+              <a:t>players</a:t>
+            </a:r>
+            <a:r>
+              <a:rPr lang="de-CH" dirty="0" smtClean="0">
+                <a:latin typeface="Courier New" pitchFamily="49" charset="0"/>
+                <a:cs typeface="Courier New" pitchFamily="49" charset="0"/>
+              </a:rPr>
+              <a:t>);</a:t>
+            </a:r>
+          </a:p>
+          <a:p>
+            <a:pPr>
+              <a:buNone/>
+            </a:pPr>
+            <a:r>
+              <a:rPr lang="de-CH" dirty="0" smtClean="0">
+                <a:latin typeface="Courier New" pitchFamily="49" charset="0"/>
+                <a:cs typeface="Courier New" pitchFamily="49" charset="0"/>
+              </a:rPr>
+              <a:t>  </a:t>
+            </a:r>
+            <a:r>
+              <a:rPr lang="de-CH" dirty="0" err="1" smtClean="0">
+                <a:latin typeface="Courier New" pitchFamily="49" charset="0"/>
+                <a:cs typeface="Courier New" pitchFamily="49" charset="0"/>
+              </a:rPr>
+              <a:t>d.draw</a:t>
+            </a:r>
+            <a:r>
+              <a:rPr lang="de-CH" dirty="0" smtClean="0">
+                <a:latin typeface="Courier New" pitchFamily="49" charset="0"/>
+                <a:cs typeface="Courier New" pitchFamily="49" charset="0"/>
+              </a:rPr>
+              <a:t>(</a:t>
+            </a:r>
+            <a:r>
+              <a:rPr lang="de-CH" dirty="0" err="1" smtClean="0">
+                <a:latin typeface="Courier New" pitchFamily="49" charset="0"/>
+                <a:cs typeface="Courier New" pitchFamily="49" charset="0"/>
+              </a:rPr>
+              <a:t>scopeBoard</a:t>
+            </a:r>
+            <a:r>
+              <a:rPr lang="de-CH" dirty="0" smtClean="0">
+                <a:latin typeface="Courier New" pitchFamily="49" charset="0"/>
+                <a:cs typeface="Courier New" pitchFamily="49" charset="0"/>
+              </a:rPr>
+              <a:t>);</a:t>
+            </a:r>
+          </a:p>
+          <a:p>
+            <a:pPr>
+              <a:buNone/>
+            </a:pPr>
+            <a:r>
+              <a:rPr lang="de-CH" dirty="0" smtClean="0">
+                <a:latin typeface="Courier New" pitchFamily="49" charset="0"/>
+                <a:cs typeface="Courier New" pitchFamily="49" charset="0"/>
+              </a:rPr>
+              <a:t>  </a:t>
+            </a:r>
+            <a:r>
+              <a:rPr lang="de-CH" dirty="0" err="1" smtClean="0">
+                <a:latin typeface="Courier New" pitchFamily="49" charset="0"/>
+                <a:cs typeface="Courier New" pitchFamily="49" charset="0"/>
+              </a:rPr>
+              <a:t>d.drawSmall</a:t>
+            </a:r>
+            <a:r>
+              <a:rPr lang="de-CH" dirty="0" smtClean="0">
+                <a:latin typeface="Courier New" pitchFamily="49" charset="0"/>
+                <a:cs typeface="Courier New" pitchFamily="49" charset="0"/>
+              </a:rPr>
+              <a:t>(</a:t>
+            </a:r>
+            <a:r>
+              <a:rPr lang="de-CH" dirty="0" err="1" smtClean="0">
+                <a:latin typeface="Courier New" pitchFamily="49" charset="0"/>
+                <a:cs typeface="Courier New" pitchFamily="49" charset="0"/>
+              </a:rPr>
+              <a:t>curPlayer</a:t>
+            </a:r>
+            <a:r>
+              <a:rPr lang="de-CH" dirty="0" smtClean="0">
+                <a:latin typeface="Courier New" pitchFamily="49" charset="0"/>
+                <a:cs typeface="Courier New" pitchFamily="49" charset="0"/>
+              </a:rPr>
+              <a:t>);</a:t>
+            </a:r>
+          </a:p>
+          <a:p>
+            <a:pPr>
+              <a:buNone/>
+            </a:pPr>
+            <a:r>
+              <a:rPr lang="de-CH" dirty="0" smtClean="0">
+                <a:latin typeface="Courier New" pitchFamily="49" charset="0"/>
+                <a:cs typeface="Courier New" pitchFamily="49" charset="0"/>
+              </a:rPr>
+              <a:t>  </a:t>
+            </a:r>
+            <a:r>
+              <a:rPr lang="de-CH" dirty="0" err="1" smtClean="0">
+                <a:latin typeface="Courier New" pitchFamily="49" charset="0"/>
+                <a:cs typeface="Courier New" pitchFamily="49" charset="0"/>
+              </a:rPr>
+              <a:t>d.drawOuter</a:t>
+            </a:r>
+            <a:r>
+              <a:rPr lang="de-CH" dirty="0" smtClean="0">
+                <a:latin typeface="Courier New" pitchFamily="49" charset="0"/>
+                <a:cs typeface="Courier New" pitchFamily="49" charset="0"/>
+              </a:rPr>
+              <a:t>(die</a:t>
+            </a:r>
+            <a:r>
+              <a:rPr lang="de-CH" dirty="0" smtClean="0">
+                <a:latin typeface="Courier New" pitchFamily="49" charset="0"/>
+                <a:cs typeface="Courier New" pitchFamily="49" charset="0"/>
+              </a:rPr>
+              <a:t>);</a:t>
+            </a:r>
+          </a:p>
+          <a:p>
+            <a:pPr>
+              <a:buNone/>
+            </a:pPr>
+            <a:r>
+              <a:rPr lang="de-CH" dirty="0" smtClean="0">
+                <a:latin typeface="Courier New" pitchFamily="49" charset="0"/>
+                <a:cs typeface="Courier New" pitchFamily="49" charset="0"/>
+              </a:rPr>
+              <a:t>}</a:t>
+            </a:r>
+            <a:endParaRPr lang="de-CH" dirty="0">
+              <a:latin typeface="Courier New" pitchFamily="49" charset="0"/>
+              <a:cs typeface="Courier New" pitchFamily="49" charset="0"/>
+            </a:endParaRPr>
+          </a:p>
+        </p:txBody>
+      </p:sp>
     </p:spTree>
   </p:cSld>
   <p:clrMapOvr>
@@ -3708,7 +3982,7 @@
         </p:blipFill>
         <p:spPr bwMode="auto">
           <a:xfrm>
-            <a:off x="-108520" y="-288032"/>
+            <a:off x="-108520" y="-144016"/>
             <a:ext cx="10326618" cy="6453336"/>
           </a:xfrm>
           <a:prstGeom prst="rect">
@@ -3717,6 +3991,132 @@
           <a:noFill/>
         </p:spPr>
       </p:pic>
+      <p:sp>
+        <p:nvSpPr>
+          <p:cNvPr id="5" name="Rechteck 4"/>
+          <p:cNvSpPr/>
+          <p:nvPr/>
+        </p:nvSpPr>
+        <p:spPr>
+          <a:xfrm>
+            <a:off x="6012160" y="5085184"/>
+            <a:ext cx="2592288" cy="369332"/>
+          </a:xfrm>
+          <a:prstGeom prst="rect">
+            <a:avLst/>
+          </a:prstGeom>
+        </p:spPr>
+        <p:style>
+          <a:lnRef idx="1">
+            <a:schemeClr val="accent5"/>
+          </a:lnRef>
+          <a:fillRef idx="2">
+            <a:schemeClr val="accent5"/>
+          </a:fillRef>
+          <a:effectRef idx="1">
+            <a:schemeClr val="accent5"/>
+          </a:effectRef>
+          <a:fontRef idx="minor">
+            <a:schemeClr val="dk1"/>
+          </a:fontRef>
+        </p:style>
+        <p:txBody>
+          <a:bodyPr wrap="square">
+            <a:spAutoFit/>
+          </a:bodyPr>
+          <a:lstStyle/>
+          <a:p>
+            <a:pPr>
+              <a:buNone/>
+            </a:pPr>
+            <a:r>
+              <a:rPr lang="de-CH" dirty="0" smtClean="0">
+                <a:latin typeface="Courier New" pitchFamily="49" charset="0"/>
+                <a:cs typeface="Courier New" pitchFamily="49" charset="0"/>
+              </a:rPr>
+              <a:t>D.raw(p2);</a:t>
+            </a:r>
+            <a:endParaRPr lang="de-CH" dirty="0">
+              <a:latin typeface="Courier New" pitchFamily="49" charset="0"/>
+              <a:cs typeface="Courier New" pitchFamily="49" charset="0"/>
+            </a:endParaRPr>
+          </a:p>
+        </p:txBody>
+      </p:sp>
+      <p:sp>
+        <p:nvSpPr>
+          <p:cNvPr id="8" name="Titel 1"/>
+          <p:cNvSpPr txBox="1">
+            <a:spLocks/>
+          </p:cNvSpPr>
+          <p:nvPr/>
+        </p:nvSpPr>
+        <p:spPr>
+          <a:xfrm>
+            <a:off x="395536" y="0"/>
+            <a:ext cx="8229600" cy="764704"/>
+          </a:xfrm>
+          <a:prstGeom prst="rect">
+            <a:avLst/>
+          </a:prstGeom>
+        </p:spPr>
+        <p:txBody>
+          <a:bodyPr vert="horz" lIns="91440" tIns="45720" rIns="91440" bIns="45720" rtlCol="0" anchor="ctr">
+            <a:normAutofit/>
+          </a:bodyPr>
+          <a:lstStyle/>
+          <a:p>
+            <a:pPr marL="0" marR="0" lvl="0" indent="0" algn="ctr" defTabSz="914400" rtl="0" eaLnBrk="1" fontAlgn="auto" latinLnBrk="0" hangingPunct="1">
+              <a:lnSpc>
+                <a:spcPct val="100000"/>
+              </a:lnSpc>
+              <a:spcBef>
+                <a:spcPct val="0"/>
+              </a:spcBef>
+              <a:spcAft>
+                <a:spcPts val="0"/>
+              </a:spcAft>
+              <a:buClrTx/>
+              <a:buSzTx/>
+              <a:buFontTx/>
+              <a:buNone/>
+              <a:tabLst/>
+              <a:defRPr/>
+            </a:pPr>
+            <a:r>
+              <a:rPr kumimoji="0" lang="de-CH" sz="4400" b="0" i="0" u="none" strike="noStrike" kern="1200" cap="none" spc="0" normalizeH="0" baseline="0" noProof="0" smtClean="0">
+                <a:ln>
+                  <a:noFill/>
+                </a:ln>
+                <a:solidFill>
+                  <a:schemeClr val="tx1"/>
+                </a:solidFill>
+                <a:effectLst/>
+                <a:uLnTx/>
+                <a:uFillTx/>
+                <a:latin typeface="+mj-lt"/>
+                <a:ea typeface="+mj-ea"/>
+                <a:cs typeface="+mj-cs"/>
+              </a:rPr>
+              <a:t>Style 1</a:t>
+            </a:r>
+            <a:endParaRPr kumimoji="0" lang="de-CH" sz="4400" b="0" i="0" u="none" strike="noStrike" kern="1200" cap="none" spc="0" normalizeH="0" baseline="0" noProof="0" dirty="0">
+              <a:ln>
+                <a:noFill/>
+              </a:ln>
+              <a:solidFill>
+                <a:schemeClr val="tx1"/>
+              </a:solidFill>
+              <a:effectLst/>
+              <a:uLnTx/>
+              <a:uFillTx/>
+              <a:latin typeface="+mj-lt"/>
+              <a:ea typeface="+mj-ea"/>
+              <a:cs typeface="+mj-cs"/>
+            </a:endParaRPr>
+          </a:p>
+        </p:txBody>
+      </p:sp>
     </p:spTree>
   </p:cSld>
   <p:clrMapOvr>
@@ -3804,7 +4204,7 @@
         </p:blipFill>
         <p:spPr bwMode="auto">
           <a:xfrm>
-            <a:off x="-396552" y="-243408"/>
+            <a:off x="-396552" y="72008"/>
             <a:ext cx="10326618" cy="6453336"/>
           </a:xfrm>
           <a:prstGeom prst="rect">
@@ -3813,6 +4213,346 @@
           <a:noFill/>
         </p:spPr>
       </p:pic>
+      <p:sp>
+        <p:nvSpPr>
+          <p:cNvPr id="5" name="Rechteck 4"/>
+          <p:cNvSpPr/>
+          <p:nvPr/>
+        </p:nvSpPr>
+        <p:spPr>
+          <a:xfrm>
+            <a:off x="5004048" y="4061971"/>
+            <a:ext cx="3888432" cy="2031325"/>
+          </a:xfrm>
+          <a:prstGeom prst="rect">
+            <a:avLst/>
+          </a:prstGeom>
+        </p:spPr>
+        <p:style>
+          <a:lnRef idx="1">
+            <a:schemeClr val="accent5"/>
+          </a:lnRef>
+          <a:fillRef idx="2">
+            <a:schemeClr val="accent5"/>
+          </a:fillRef>
+          <a:effectRef idx="1">
+            <a:schemeClr val="accent5"/>
+          </a:effectRef>
+          <a:fontRef idx="minor">
+            <a:schemeClr val="dk1"/>
+          </a:fontRef>
+        </p:style>
+        <p:txBody>
+          <a:bodyPr wrap="square">
+            <a:spAutoFit/>
+          </a:bodyPr>
+          <a:lstStyle/>
+          <a:p>
+            <a:pPr>
+              <a:buNone/>
+            </a:pPr>
+            <a:r>
+              <a:rPr lang="de-CH" dirty="0" err="1" smtClean="0">
+                <a:latin typeface="Courier New" pitchFamily="49" charset="0"/>
+                <a:cs typeface="Courier New" pitchFamily="49" charset="0"/>
+              </a:rPr>
+              <a:t>public</a:t>
+            </a:r>
+            <a:r>
+              <a:rPr lang="de-CH" dirty="0" smtClean="0">
+                <a:latin typeface="Courier New" pitchFamily="49" charset="0"/>
+                <a:cs typeface="Courier New" pitchFamily="49" charset="0"/>
+              </a:rPr>
+              <a:t> </a:t>
+            </a:r>
+            <a:r>
+              <a:rPr lang="de-CH" dirty="0" err="1" smtClean="0">
+                <a:latin typeface="Courier New" pitchFamily="49" charset="0"/>
+                <a:cs typeface="Courier New" pitchFamily="49" charset="0"/>
+              </a:rPr>
+              <a:t>void</a:t>
+            </a:r>
+            <a:r>
+              <a:rPr lang="de-CH" dirty="0" smtClean="0">
+                <a:latin typeface="Courier New" pitchFamily="49" charset="0"/>
+                <a:cs typeface="Courier New" pitchFamily="49" charset="0"/>
+              </a:rPr>
+              <a:t> </a:t>
+            </a:r>
+            <a:r>
+              <a:rPr lang="de-CH" dirty="0" err="1" smtClean="0">
+                <a:latin typeface="Courier New" pitchFamily="49" charset="0"/>
+                <a:cs typeface="Courier New" pitchFamily="49" charset="0"/>
+              </a:rPr>
+              <a:t>draw</a:t>
+            </a:r>
+            <a:r>
+              <a:rPr lang="de-CH" dirty="0" smtClean="0">
+                <a:latin typeface="Courier New" pitchFamily="49" charset="0"/>
+                <a:cs typeface="Courier New" pitchFamily="49" charset="0"/>
+              </a:rPr>
+              <a:t>(</a:t>
+            </a:r>
+            <a:r>
+              <a:rPr lang="de-CH" dirty="0" err="1" smtClean="0">
+                <a:latin typeface="Courier New" pitchFamily="49" charset="0"/>
+                <a:cs typeface="Courier New" pitchFamily="49" charset="0"/>
+              </a:rPr>
+              <a:t>Doodler</a:t>
+            </a:r>
+            <a:r>
+              <a:rPr lang="de-CH" dirty="0" smtClean="0">
+                <a:latin typeface="Courier New" pitchFamily="49" charset="0"/>
+                <a:cs typeface="Courier New" pitchFamily="49" charset="0"/>
+              </a:rPr>
+              <a:t> d) {</a:t>
+            </a:r>
+          </a:p>
+          <a:p>
+            <a:pPr>
+              <a:buNone/>
+            </a:pPr>
+            <a:r>
+              <a:rPr lang="de-CH" dirty="0" smtClean="0">
+                <a:latin typeface="Courier New" pitchFamily="49" charset="0"/>
+                <a:cs typeface="Courier New" pitchFamily="49" charset="0"/>
+              </a:rPr>
+              <a:t>  </a:t>
+            </a:r>
+            <a:r>
+              <a:rPr lang="de-CH" dirty="0" err="1" smtClean="0">
+                <a:latin typeface="Courier New" pitchFamily="49" charset="0"/>
+                <a:cs typeface="Courier New" pitchFamily="49" charset="0"/>
+              </a:rPr>
+              <a:t>d.draw</a:t>
+            </a:r>
+            <a:r>
+              <a:rPr lang="de-CH" dirty="0" smtClean="0">
+                <a:latin typeface="Courier New" pitchFamily="49" charset="0"/>
+                <a:cs typeface="Courier New" pitchFamily="49" charset="0"/>
+              </a:rPr>
+              <a:t>(</a:t>
+            </a:r>
+            <a:r>
+              <a:rPr lang="de-CH" dirty="0" err="1" smtClean="0">
+                <a:latin typeface="Courier New" pitchFamily="49" charset="0"/>
+                <a:cs typeface="Courier New" pitchFamily="49" charset="0"/>
+              </a:rPr>
+              <a:t>players</a:t>
+            </a:r>
+            <a:r>
+              <a:rPr lang="de-CH" dirty="0" smtClean="0">
+                <a:latin typeface="Courier New" pitchFamily="49" charset="0"/>
+                <a:cs typeface="Courier New" pitchFamily="49" charset="0"/>
+              </a:rPr>
+              <a:t>);</a:t>
+            </a:r>
+          </a:p>
+          <a:p>
+            <a:pPr>
+              <a:buNone/>
+            </a:pPr>
+            <a:r>
+              <a:rPr lang="de-CH" dirty="0" smtClean="0">
+                <a:latin typeface="Courier New" pitchFamily="49" charset="0"/>
+                <a:cs typeface="Courier New" pitchFamily="49" charset="0"/>
+              </a:rPr>
+              <a:t>  </a:t>
+            </a:r>
+            <a:r>
+              <a:rPr lang="de-CH" dirty="0" err="1" smtClean="0">
+                <a:latin typeface="Courier New" pitchFamily="49" charset="0"/>
+                <a:cs typeface="Courier New" pitchFamily="49" charset="0"/>
+              </a:rPr>
+              <a:t>d.draw</a:t>
+            </a:r>
+            <a:r>
+              <a:rPr lang="de-CH" dirty="0" smtClean="0">
+                <a:latin typeface="Courier New" pitchFamily="49" charset="0"/>
+                <a:cs typeface="Courier New" pitchFamily="49" charset="0"/>
+              </a:rPr>
+              <a:t>(</a:t>
+            </a:r>
+            <a:r>
+              <a:rPr lang="de-CH" dirty="0" err="1" smtClean="0">
+                <a:latin typeface="Courier New" pitchFamily="49" charset="0"/>
+                <a:cs typeface="Courier New" pitchFamily="49" charset="0"/>
+              </a:rPr>
+              <a:t>scopeBoard</a:t>
+            </a:r>
+            <a:r>
+              <a:rPr lang="de-CH" dirty="0" smtClean="0">
+                <a:latin typeface="Courier New" pitchFamily="49" charset="0"/>
+                <a:cs typeface="Courier New" pitchFamily="49" charset="0"/>
+              </a:rPr>
+              <a:t>);</a:t>
+            </a:r>
+          </a:p>
+          <a:p>
+            <a:pPr>
+              <a:buNone/>
+            </a:pPr>
+            <a:r>
+              <a:rPr lang="de-CH" dirty="0" smtClean="0">
+                <a:latin typeface="Courier New" pitchFamily="49" charset="0"/>
+                <a:cs typeface="Courier New" pitchFamily="49" charset="0"/>
+              </a:rPr>
+              <a:t>  </a:t>
+            </a:r>
+            <a:r>
+              <a:rPr lang="de-CH" dirty="0" err="1" smtClean="0">
+                <a:latin typeface="Courier New" pitchFamily="49" charset="0"/>
+                <a:cs typeface="Courier New" pitchFamily="49" charset="0"/>
+              </a:rPr>
+              <a:t>d.drawSmall</a:t>
+            </a:r>
+            <a:r>
+              <a:rPr lang="de-CH" dirty="0" smtClean="0">
+                <a:latin typeface="Courier New" pitchFamily="49" charset="0"/>
+                <a:cs typeface="Courier New" pitchFamily="49" charset="0"/>
+              </a:rPr>
+              <a:t>(</a:t>
+            </a:r>
+            <a:r>
+              <a:rPr lang="de-CH" dirty="0" err="1" smtClean="0">
+                <a:latin typeface="Courier New" pitchFamily="49" charset="0"/>
+                <a:cs typeface="Courier New" pitchFamily="49" charset="0"/>
+              </a:rPr>
+              <a:t>curPlayer</a:t>
+            </a:r>
+            <a:r>
+              <a:rPr lang="de-CH" dirty="0" smtClean="0">
+                <a:latin typeface="Courier New" pitchFamily="49" charset="0"/>
+                <a:cs typeface="Courier New" pitchFamily="49" charset="0"/>
+              </a:rPr>
+              <a:t>);</a:t>
+            </a:r>
+          </a:p>
+          <a:p>
+            <a:pPr>
+              <a:buNone/>
+            </a:pPr>
+            <a:r>
+              <a:rPr lang="de-CH" dirty="0" smtClean="0">
+                <a:latin typeface="Courier New" pitchFamily="49" charset="0"/>
+                <a:cs typeface="Courier New" pitchFamily="49" charset="0"/>
+              </a:rPr>
+              <a:t>  </a:t>
+            </a:r>
+            <a:r>
+              <a:rPr lang="de-CH" dirty="0" err="1" smtClean="0">
+                <a:latin typeface="Courier New" pitchFamily="49" charset="0"/>
+                <a:cs typeface="Courier New" pitchFamily="49" charset="0"/>
+              </a:rPr>
+              <a:t>d.drawOuter</a:t>
+            </a:r>
+            <a:r>
+              <a:rPr lang="de-CH" dirty="0" smtClean="0">
+                <a:latin typeface="Courier New" pitchFamily="49" charset="0"/>
+                <a:cs typeface="Courier New" pitchFamily="49" charset="0"/>
+              </a:rPr>
+              <a:t>(die</a:t>
+            </a:r>
+            <a:r>
+              <a:rPr lang="de-CH" dirty="0" smtClean="0">
+                <a:latin typeface="Courier New" pitchFamily="49" charset="0"/>
+                <a:cs typeface="Courier New" pitchFamily="49" charset="0"/>
+              </a:rPr>
+              <a:t>);</a:t>
+            </a:r>
+          </a:p>
+          <a:p>
+            <a:pPr>
+              <a:buNone/>
+            </a:pPr>
+            <a:r>
+              <a:rPr lang="de-CH" dirty="0" smtClean="0">
+                <a:latin typeface="Courier New" pitchFamily="49" charset="0"/>
+                <a:cs typeface="Courier New" pitchFamily="49" charset="0"/>
+              </a:rPr>
+              <a:t>}</a:t>
+            </a:r>
+            <a:endParaRPr lang="de-CH" dirty="0">
+              <a:latin typeface="Courier New" pitchFamily="49" charset="0"/>
+              <a:cs typeface="Courier New" pitchFamily="49" charset="0"/>
+            </a:endParaRPr>
+          </a:p>
+        </p:txBody>
+      </p:sp>
+      <p:sp>
+        <p:nvSpPr>
+          <p:cNvPr id="6" name="Titel 1"/>
+          <p:cNvSpPr txBox="1">
+            <a:spLocks/>
+          </p:cNvSpPr>
+          <p:nvPr/>
+        </p:nvSpPr>
+        <p:spPr>
+          <a:xfrm>
+            <a:off x="395536" y="0"/>
+            <a:ext cx="8229600" cy="764704"/>
+          </a:xfrm>
+          <a:prstGeom prst="rect">
+            <a:avLst/>
+          </a:prstGeom>
+        </p:spPr>
+        <p:txBody>
+          <a:bodyPr vert="horz" lIns="91440" tIns="45720" rIns="91440" bIns="45720" rtlCol="0" anchor="ctr">
+            <a:normAutofit/>
+          </a:bodyPr>
+          <a:lstStyle/>
+          <a:p>
+            <a:pPr marL="0" marR="0" lvl="0" indent="0" algn="ctr" defTabSz="914400" rtl="0" eaLnBrk="1" fontAlgn="auto" latinLnBrk="0" hangingPunct="1">
+              <a:lnSpc>
+                <a:spcPct val="100000"/>
+              </a:lnSpc>
+              <a:spcBef>
+                <a:spcPct val="0"/>
+              </a:spcBef>
+              <a:spcAft>
+                <a:spcPts val="0"/>
+              </a:spcAft>
+              <a:buClrTx/>
+              <a:buSzTx/>
+              <a:buFontTx/>
+              <a:buNone/>
+              <a:tabLst/>
+              <a:defRPr/>
+            </a:pPr>
+            <a:r>
+              <a:rPr kumimoji="0" lang="de-CH" sz="4400" b="0" i="0" u="none" strike="noStrike" kern="1200" cap="none" spc="0" normalizeH="0" baseline="0" noProof="0" dirty="0" smtClean="0">
+                <a:ln>
+                  <a:noFill/>
+                </a:ln>
+                <a:solidFill>
+                  <a:schemeClr val="tx1"/>
+                </a:solidFill>
+                <a:effectLst/>
+                <a:uLnTx/>
+                <a:uFillTx/>
+                <a:latin typeface="+mj-lt"/>
+                <a:ea typeface="+mj-ea"/>
+                <a:cs typeface="+mj-cs"/>
+              </a:rPr>
+              <a:t>Style 2</a:t>
+            </a:r>
+            <a:endParaRPr kumimoji="0" lang="de-CH" sz="4400" b="0" i="0" u="none" strike="noStrike" kern="1200" cap="none" spc="0" normalizeH="0" baseline="0" noProof="0" dirty="0">
+              <a:ln>
+                <a:noFill/>
+              </a:ln>
+              <a:solidFill>
+                <a:schemeClr val="tx1"/>
+              </a:solidFill>
+              <a:effectLst/>
+              <a:uLnTx/>
+              <a:uFillTx/>
+              <a:latin typeface="+mj-lt"/>
+              <a:ea typeface="+mj-ea"/>
+              <a:cs typeface="+mj-cs"/>
+            </a:endParaRPr>
+          </a:p>
+        </p:txBody>
+      </p:sp>
     </p:spTree>
   </p:cSld>
   <p:clrMapOvr>
@@ -3900,7 +4640,7 @@
         </p:blipFill>
         <p:spPr bwMode="auto">
           <a:xfrm>
-            <a:off x="-324544" y="-603448"/>
+            <a:off x="-324544" y="-291602"/>
             <a:ext cx="9721080" cy="6888954"/>
           </a:xfrm>
           <a:prstGeom prst="rect">
@@ -3909,6 +4649,132 @@
           <a:noFill/>
         </p:spPr>
       </p:pic>
+      <p:sp>
+        <p:nvSpPr>
+          <p:cNvPr id="5" name="Rechteck 4"/>
+          <p:cNvSpPr/>
+          <p:nvPr/>
+        </p:nvSpPr>
+        <p:spPr>
+          <a:xfrm>
+            <a:off x="6012160" y="5579948"/>
+            <a:ext cx="2592288" cy="369332"/>
+          </a:xfrm>
+          <a:prstGeom prst="rect">
+            <a:avLst/>
+          </a:prstGeom>
+        </p:spPr>
+        <p:style>
+          <a:lnRef idx="1">
+            <a:schemeClr val="accent5"/>
+          </a:lnRef>
+          <a:fillRef idx="2">
+            <a:schemeClr val="accent5"/>
+          </a:fillRef>
+          <a:effectRef idx="1">
+            <a:schemeClr val="accent5"/>
+          </a:effectRef>
+          <a:fontRef idx="minor">
+            <a:schemeClr val="dk1"/>
+          </a:fontRef>
+        </p:style>
+        <p:txBody>
+          <a:bodyPr wrap="square">
+            <a:spAutoFit/>
+          </a:bodyPr>
+          <a:lstStyle/>
+          <a:p>
+            <a:pPr>
+              <a:buNone/>
+            </a:pPr>
+            <a:r>
+              <a:rPr lang="de-CH" dirty="0" smtClean="0">
+                <a:latin typeface="Courier New" pitchFamily="49" charset="0"/>
+                <a:cs typeface="Courier New" pitchFamily="49" charset="0"/>
+              </a:rPr>
+              <a:t>D.raw(p2);</a:t>
+            </a:r>
+            <a:endParaRPr lang="de-CH" dirty="0">
+              <a:latin typeface="Courier New" pitchFamily="49" charset="0"/>
+              <a:cs typeface="Courier New" pitchFamily="49" charset="0"/>
+            </a:endParaRPr>
+          </a:p>
+        </p:txBody>
+      </p:sp>
+      <p:sp>
+        <p:nvSpPr>
+          <p:cNvPr id="6" name="Titel 1"/>
+          <p:cNvSpPr txBox="1">
+            <a:spLocks/>
+          </p:cNvSpPr>
+          <p:nvPr/>
+        </p:nvSpPr>
+        <p:spPr>
+          <a:xfrm>
+            <a:off x="395536" y="0"/>
+            <a:ext cx="8229600" cy="764704"/>
+          </a:xfrm>
+          <a:prstGeom prst="rect">
+            <a:avLst/>
+          </a:prstGeom>
+        </p:spPr>
+        <p:txBody>
+          <a:bodyPr vert="horz" lIns="91440" tIns="45720" rIns="91440" bIns="45720" rtlCol="0" anchor="ctr">
+            <a:normAutofit/>
+          </a:bodyPr>
+          <a:lstStyle/>
+          <a:p>
+            <a:pPr marL="0" marR="0" lvl="0" indent="0" algn="ctr" defTabSz="914400" rtl="0" eaLnBrk="1" fontAlgn="auto" latinLnBrk="0" hangingPunct="1">
+              <a:lnSpc>
+                <a:spcPct val="100000"/>
+              </a:lnSpc>
+              <a:spcBef>
+                <a:spcPct val="0"/>
+              </a:spcBef>
+              <a:spcAft>
+                <a:spcPts val="0"/>
+              </a:spcAft>
+              <a:buClrTx/>
+              <a:buSzTx/>
+              <a:buFontTx/>
+              <a:buNone/>
+              <a:tabLst/>
+              <a:defRPr/>
+            </a:pPr>
+            <a:r>
+              <a:rPr kumimoji="0" lang="de-CH" sz="4400" b="0" i="0" u="none" strike="noStrike" kern="1200" cap="none" spc="0" normalizeH="0" baseline="0" noProof="0" dirty="0" smtClean="0">
+                <a:ln>
+                  <a:noFill/>
+                </a:ln>
+                <a:solidFill>
+                  <a:schemeClr val="tx1"/>
+                </a:solidFill>
+                <a:effectLst/>
+                <a:uLnTx/>
+                <a:uFillTx/>
+                <a:latin typeface="+mj-lt"/>
+                <a:ea typeface="+mj-ea"/>
+                <a:cs typeface="+mj-cs"/>
+              </a:rPr>
+              <a:t>Style 2</a:t>
+            </a:r>
+            <a:endParaRPr kumimoji="0" lang="de-CH" sz="4400" b="0" i="0" u="none" strike="noStrike" kern="1200" cap="none" spc="0" normalizeH="0" baseline="0" noProof="0" dirty="0">
+              <a:ln>
+                <a:noFill/>
+              </a:ln>
+              <a:solidFill>
+                <a:schemeClr val="tx1"/>
+              </a:solidFill>
+              <a:effectLst/>
+              <a:uLnTx/>
+              <a:uFillTx/>
+              <a:latin typeface="+mj-lt"/>
+              <a:ea typeface="+mj-ea"/>
+              <a:cs typeface="+mj-cs"/>
+            </a:endParaRPr>
+          </a:p>
+        </p:txBody>
+      </p:sp>
     </p:spTree>
   </p:cSld>
   <p:clrMapOvr>
@@ -3996,7 +4862,7 @@
         </p:blipFill>
         <p:spPr bwMode="auto">
           <a:xfrm>
-            <a:off x="-252536" y="-171400"/>
+            <a:off x="-252536" y="36454"/>
             <a:ext cx="10729192" cy="6704914"/>
           </a:xfrm>
           <a:prstGeom prst="rect">
@@ -4005,6 +4871,346 @@
           <a:noFill/>
         </p:spPr>
       </p:pic>
+      <p:sp>
+        <p:nvSpPr>
+          <p:cNvPr id="5" name="Rechteck 4"/>
+          <p:cNvSpPr/>
+          <p:nvPr/>
+        </p:nvSpPr>
+        <p:spPr>
+          <a:xfrm>
+            <a:off x="5004048" y="4422011"/>
+            <a:ext cx="3888432" cy="2031325"/>
+          </a:xfrm>
+          <a:prstGeom prst="rect">
+            <a:avLst/>
+          </a:prstGeom>
+        </p:spPr>
+        <p:style>
+          <a:lnRef idx="1">
+            <a:schemeClr val="accent5"/>
+          </a:lnRef>
+          <a:fillRef idx="2">
+            <a:schemeClr val="accent5"/>
+          </a:fillRef>
+          <a:effectRef idx="1">
+            <a:schemeClr val="accent5"/>
+          </a:effectRef>
+          <a:fontRef idx="minor">
+            <a:schemeClr val="dk1"/>
+          </a:fontRef>
+        </p:style>
+        <p:txBody>
+          <a:bodyPr wrap="square">
+            <a:spAutoFit/>
+          </a:bodyPr>
+          <a:lstStyle/>
+          <a:p>
+            <a:pPr>
+              <a:buNone/>
+            </a:pPr>
+            <a:r>
+              <a:rPr lang="de-CH" dirty="0" err="1" smtClean="0">
+                <a:latin typeface="Courier New" pitchFamily="49" charset="0"/>
+                <a:cs typeface="Courier New" pitchFamily="49" charset="0"/>
+              </a:rPr>
+              <a:t>public</a:t>
+            </a:r>
+            <a:r>
+              <a:rPr lang="de-CH" dirty="0" smtClean="0">
+                <a:latin typeface="Courier New" pitchFamily="49" charset="0"/>
+                <a:cs typeface="Courier New" pitchFamily="49" charset="0"/>
+              </a:rPr>
+              <a:t> </a:t>
+            </a:r>
+            <a:r>
+              <a:rPr lang="de-CH" dirty="0" err="1" smtClean="0">
+                <a:latin typeface="Courier New" pitchFamily="49" charset="0"/>
+                <a:cs typeface="Courier New" pitchFamily="49" charset="0"/>
+              </a:rPr>
+              <a:t>void</a:t>
+            </a:r>
+            <a:r>
+              <a:rPr lang="de-CH" dirty="0" smtClean="0">
+                <a:latin typeface="Courier New" pitchFamily="49" charset="0"/>
+                <a:cs typeface="Courier New" pitchFamily="49" charset="0"/>
+              </a:rPr>
+              <a:t> </a:t>
+            </a:r>
+            <a:r>
+              <a:rPr lang="de-CH" dirty="0" err="1" smtClean="0">
+                <a:latin typeface="Courier New" pitchFamily="49" charset="0"/>
+                <a:cs typeface="Courier New" pitchFamily="49" charset="0"/>
+              </a:rPr>
+              <a:t>draw</a:t>
+            </a:r>
+            <a:r>
+              <a:rPr lang="de-CH" dirty="0" smtClean="0">
+                <a:latin typeface="Courier New" pitchFamily="49" charset="0"/>
+                <a:cs typeface="Courier New" pitchFamily="49" charset="0"/>
+              </a:rPr>
+              <a:t>(</a:t>
+            </a:r>
+            <a:r>
+              <a:rPr lang="de-CH" dirty="0" err="1" smtClean="0">
+                <a:latin typeface="Courier New" pitchFamily="49" charset="0"/>
+                <a:cs typeface="Courier New" pitchFamily="49" charset="0"/>
+              </a:rPr>
+              <a:t>Doodler</a:t>
+            </a:r>
+            <a:r>
+              <a:rPr lang="de-CH" dirty="0" smtClean="0">
+                <a:latin typeface="Courier New" pitchFamily="49" charset="0"/>
+                <a:cs typeface="Courier New" pitchFamily="49" charset="0"/>
+              </a:rPr>
+              <a:t> d) {</a:t>
+            </a:r>
+          </a:p>
+          <a:p>
+            <a:pPr>
+              <a:buNone/>
+            </a:pPr>
+            <a:r>
+              <a:rPr lang="de-CH" dirty="0" smtClean="0">
+                <a:latin typeface="Courier New" pitchFamily="49" charset="0"/>
+                <a:cs typeface="Courier New" pitchFamily="49" charset="0"/>
+              </a:rPr>
+              <a:t>  </a:t>
+            </a:r>
+            <a:r>
+              <a:rPr lang="de-CH" dirty="0" err="1" smtClean="0">
+                <a:latin typeface="Courier New" pitchFamily="49" charset="0"/>
+                <a:cs typeface="Courier New" pitchFamily="49" charset="0"/>
+              </a:rPr>
+              <a:t>d.draw</a:t>
+            </a:r>
+            <a:r>
+              <a:rPr lang="de-CH" dirty="0" smtClean="0">
+                <a:latin typeface="Courier New" pitchFamily="49" charset="0"/>
+                <a:cs typeface="Courier New" pitchFamily="49" charset="0"/>
+              </a:rPr>
+              <a:t>(</a:t>
+            </a:r>
+            <a:r>
+              <a:rPr lang="de-CH" dirty="0" err="1" smtClean="0">
+                <a:latin typeface="Courier New" pitchFamily="49" charset="0"/>
+                <a:cs typeface="Courier New" pitchFamily="49" charset="0"/>
+              </a:rPr>
+              <a:t>players</a:t>
+            </a:r>
+            <a:r>
+              <a:rPr lang="de-CH" dirty="0" smtClean="0">
+                <a:latin typeface="Courier New" pitchFamily="49" charset="0"/>
+                <a:cs typeface="Courier New" pitchFamily="49" charset="0"/>
+              </a:rPr>
+              <a:t>);</a:t>
+            </a:r>
+          </a:p>
+          <a:p>
+            <a:pPr>
+              <a:buNone/>
+            </a:pPr>
+            <a:r>
+              <a:rPr lang="de-CH" dirty="0" smtClean="0">
+                <a:latin typeface="Courier New" pitchFamily="49" charset="0"/>
+                <a:cs typeface="Courier New" pitchFamily="49" charset="0"/>
+              </a:rPr>
+              <a:t>  </a:t>
+            </a:r>
+            <a:r>
+              <a:rPr lang="de-CH" dirty="0" err="1" smtClean="0">
+                <a:latin typeface="Courier New" pitchFamily="49" charset="0"/>
+                <a:cs typeface="Courier New" pitchFamily="49" charset="0"/>
+              </a:rPr>
+              <a:t>d.draw</a:t>
+            </a:r>
+            <a:r>
+              <a:rPr lang="de-CH" dirty="0" smtClean="0">
+                <a:latin typeface="Courier New" pitchFamily="49" charset="0"/>
+                <a:cs typeface="Courier New" pitchFamily="49" charset="0"/>
+              </a:rPr>
+              <a:t>(</a:t>
+            </a:r>
+            <a:r>
+              <a:rPr lang="de-CH" dirty="0" err="1" smtClean="0">
+                <a:latin typeface="Courier New" pitchFamily="49" charset="0"/>
+                <a:cs typeface="Courier New" pitchFamily="49" charset="0"/>
+              </a:rPr>
+              <a:t>scopeBoard</a:t>
+            </a:r>
+            <a:r>
+              <a:rPr lang="de-CH" dirty="0" smtClean="0">
+                <a:latin typeface="Courier New" pitchFamily="49" charset="0"/>
+                <a:cs typeface="Courier New" pitchFamily="49" charset="0"/>
+              </a:rPr>
+              <a:t>);</a:t>
+            </a:r>
+          </a:p>
+          <a:p>
+            <a:pPr>
+              <a:buNone/>
+            </a:pPr>
+            <a:r>
+              <a:rPr lang="de-CH" dirty="0" smtClean="0">
+                <a:latin typeface="Courier New" pitchFamily="49" charset="0"/>
+                <a:cs typeface="Courier New" pitchFamily="49" charset="0"/>
+              </a:rPr>
+              <a:t>  </a:t>
+            </a:r>
+            <a:r>
+              <a:rPr lang="de-CH" dirty="0" err="1" smtClean="0">
+                <a:latin typeface="Courier New" pitchFamily="49" charset="0"/>
+                <a:cs typeface="Courier New" pitchFamily="49" charset="0"/>
+              </a:rPr>
+              <a:t>d.drawSmall</a:t>
+            </a:r>
+            <a:r>
+              <a:rPr lang="de-CH" dirty="0" smtClean="0">
+                <a:latin typeface="Courier New" pitchFamily="49" charset="0"/>
+                <a:cs typeface="Courier New" pitchFamily="49" charset="0"/>
+              </a:rPr>
+              <a:t>(</a:t>
+            </a:r>
+            <a:r>
+              <a:rPr lang="de-CH" dirty="0" err="1" smtClean="0">
+                <a:latin typeface="Courier New" pitchFamily="49" charset="0"/>
+                <a:cs typeface="Courier New" pitchFamily="49" charset="0"/>
+              </a:rPr>
+              <a:t>curPlayer</a:t>
+            </a:r>
+            <a:r>
+              <a:rPr lang="de-CH" dirty="0" smtClean="0">
+                <a:latin typeface="Courier New" pitchFamily="49" charset="0"/>
+                <a:cs typeface="Courier New" pitchFamily="49" charset="0"/>
+              </a:rPr>
+              <a:t>);</a:t>
+            </a:r>
+          </a:p>
+          <a:p>
+            <a:pPr>
+              <a:buNone/>
+            </a:pPr>
+            <a:r>
+              <a:rPr lang="de-CH" dirty="0" smtClean="0">
+                <a:latin typeface="Courier New" pitchFamily="49" charset="0"/>
+                <a:cs typeface="Courier New" pitchFamily="49" charset="0"/>
+              </a:rPr>
+              <a:t>  </a:t>
+            </a:r>
+            <a:r>
+              <a:rPr lang="de-CH" dirty="0" err="1" smtClean="0">
+                <a:latin typeface="Courier New" pitchFamily="49" charset="0"/>
+                <a:cs typeface="Courier New" pitchFamily="49" charset="0"/>
+              </a:rPr>
+              <a:t>d.drawOuter</a:t>
+            </a:r>
+            <a:r>
+              <a:rPr lang="de-CH" dirty="0" smtClean="0">
+                <a:latin typeface="Courier New" pitchFamily="49" charset="0"/>
+                <a:cs typeface="Courier New" pitchFamily="49" charset="0"/>
+              </a:rPr>
+              <a:t>(die</a:t>
+            </a:r>
+            <a:r>
+              <a:rPr lang="de-CH" dirty="0" smtClean="0">
+                <a:latin typeface="Courier New" pitchFamily="49" charset="0"/>
+                <a:cs typeface="Courier New" pitchFamily="49" charset="0"/>
+              </a:rPr>
+              <a:t>);</a:t>
+            </a:r>
+          </a:p>
+          <a:p>
+            <a:pPr>
+              <a:buNone/>
+            </a:pPr>
+            <a:r>
+              <a:rPr lang="de-CH" dirty="0" smtClean="0">
+                <a:latin typeface="Courier New" pitchFamily="49" charset="0"/>
+                <a:cs typeface="Courier New" pitchFamily="49" charset="0"/>
+              </a:rPr>
+              <a:t>}</a:t>
+            </a:r>
+            <a:endParaRPr lang="de-CH" dirty="0">
+              <a:latin typeface="Courier New" pitchFamily="49" charset="0"/>
+              <a:cs typeface="Courier New" pitchFamily="49" charset="0"/>
+            </a:endParaRPr>
+          </a:p>
+        </p:txBody>
+      </p:sp>
+      <p:sp>
+        <p:nvSpPr>
+          <p:cNvPr id="6" name="Titel 1"/>
+          <p:cNvSpPr txBox="1">
+            <a:spLocks/>
+          </p:cNvSpPr>
+          <p:nvPr/>
+        </p:nvSpPr>
+        <p:spPr>
+          <a:xfrm>
+            <a:off x="395536" y="0"/>
+            <a:ext cx="8229600" cy="764704"/>
+          </a:xfrm>
+          <a:prstGeom prst="rect">
+            <a:avLst/>
+          </a:prstGeom>
+        </p:spPr>
+        <p:txBody>
+          <a:bodyPr vert="horz" lIns="91440" tIns="45720" rIns="91440" bIns="45720" rtlCol="0" anchor="ctr">
+            <a:normAutofit/>
+          </a:bodyPr>
+          <a:lstStyle/>
+          <a:p>
+            <a:pPr marL="0" marR="0" lvl="0" indent="0" algn="ctr" defTabSz="914400" rtl="0" eaLnBrk="1" fontAlgn="auto" latinLnBrk="0" hangingPunct="1">
+              <a:lnSpc>
+                <a:spcPct val="100000"/>
+              </a:lnSpc>
+              <a:spcBef>
+                <a:spcPct val="0"/>
+              </a:spcBef>
+              <a:spcAft>
+                <a:spcPts val="0"/>
+              </a:spcAft>
+              <a:buClrTx/>
+              <a:buSzTx/>
+              <a:buFontTx/>
+              <a:buNone/>
+              <a:tabLst/>
+              <a:defRPr/>
+            </a:pPr>
+            <a:r>
+              <a:rPr kumimoji="0" lang="de-CH" sz="4400" b="0" i="0" u="none" strike="noStrike" kern="1200" cap="none" spc="0" normalizeH="0" baseline="0" noProof="0" dirty="0" smtClean="0">
+                <a:ln>
+                  <a:noFill/>
+                </a:ln>
+                <a:solidFill>
+                  <a:schemeClr val="tx1"/>
+                </a:solidFill>
+                <a:effectLst/>
+                <a:uLnTx/>
+                <a:uFillTx/>
+                <a:latin typeface="+mj-lt"/>
+                <a:ea typeface="+mj-ea"/>
+                <a:cs typeface="+mj-cs"/>
+              </a:rPr>
+              <a:t>Style 3</a:t>
+            </a:r>
+            <a:endParaRPr kumimoji="0" lang="de-CH" sz="4400" b="0" i="0" u="none" strike="noStrike" kern="1200" cap="none" spc="0" normalizeH="0" baseline="0" noProof="0" dirty="0">
+              <a:ln>
+                <a:noFill/>
+              </a:ln>
+              <a:solidFill>
+                <a:schemeClr val="tx1"/>
+              </a:solidFill>
+              <a:effectLst/>
+              <a:uLnTx/>
+              <a:uFillTx/>
+              <a:latin typeface="+mj-lt"/>
+              <a:ea typeface="+mj-ea"/>
+              <a:cs typeface="+mj-cs"/>
+            </a:endParaRPr>
+          </a:p>
+        </p:txBody>
+      </p:sp>
     </p:spTree>
   </p:cSld>
   <p:clrMapOvr>
@@ -4092,7 +5298,7 @@
         </p:blipFill>
         <p:spPr bwMode="auto">
           <a:xfrm>
-            <a:off x="-36513" y="-315416"/>
+            <a:off x="-36513" y="-171400"/>
             <a:ext cx="10600893" cy="6624736"/>
           </a:xfrm>
           <a:prstGeom prst="rect">
@@ -4101,65 +5307,129 @@
           <a:noFill/>
         </p:spPr>
       </p:pic>
-    </p:spTree>
-  </p:cSld>
-  <p:clrMapOvr>
-    <a:masterClrMapping/>
-  </p:clrMapOvr>
-  <p:timing>
-    <p:tnLst>
-      <p:par>
-        <p:cTn id="1" dur="indefinite" restart="never" nodeType="tmRoot"/>
-      </p:par>
-    </p:tnLst>
-  </p:timing>
-</p:sld>
-</file>
-
-<file path=ppt/slides/slide16.xml><?xml version="1.0" encoding="utf-8"?>
-<p:sld xmlns:a="http://schemas.openxmlformats.org/drawingml/2006/main" xmlns:r="http://schemas.openxmlformats.org/officeDocument/2006/relationships" xmlns:p="http://schemas.openxmlformats.org/presentationml/2006/main">
-  <p:cSld>
-    <p:spTree>
-      <p:nvGrpSpPr>
-        <p:cNvPr id="1" name=""/>
-        <p:cNvGrpSpPr/>
-        <p:nvPr/>
-      </p:nvGrpSpPr>
-      <p:grpSpPr>
-        <a:xfrm>
-          <a:off x="0" y="0"/>
-          <a:ext cx="0" cy="0"/>
-          <a:chOff x="0" y="0"/>
-          <a:chExt cx="0" cy="0"/>
-        </a:xfrm>
-      </p:grpSpPr>
       <p:sp>
         <p:nvSpPr>
-          <p:cNvPr id="2" name="Titel 1"/>
-          <p:cNvSpPr>
-            <a:spLocks noGrp="1"/>
-          </p:cNvSpPr>
-          <p:nvPr>
-            <p:ph type="title"/>
-          </p:nvPr>
+          <p:cNvPr id="5" name="Rechteck 4"/>
+          <p:cNvSpPr/>
+          <p:nvPr/>
         </p:nvSpPr>
         <p:spPr>
           <a:xfrm>
-            <a:off x="457200" y="2348880"/>
-            <a:ext cx="8229600" cy="1143000"/>
+            <a:off x="6012160" y="5229200"/>
+            <a:ext cx="2592288" cy="369332"/>
           </a:xfrm>
+          <a:prstGeom prst="rect">
+            <a:avLst/>
+          </a:prstGeom>
+        </p:spPr>
+        <p:style>
+          <a:lnRef idx="1">
+            <a:schemeClr val="accent5"/>
+          </a:lnRef>
+          <a:fillRef idx="2">
+            <a:schemeClr val="accent5"/>
+          </a:fillRef>
+          <a:effectRef idx="1">
+            <a:schemeClr val="accent5"/>
+          </a:effectRef>
+          <a:fontRef idx="minor">
+            <a:schemeClr val="dk1"/>
+          </a:fontRef>
+        </p:style>
+        <p:txBody>
+          <a:bodyPr wrap="square">
+            <a:spAutoFit/>
+          </a:bodyPr>
+          <a:lstStyle/>
+          <a:p>
+            <a:pPr>
+              <a:buNone/>
+            </a:pPr>
+            <a:r>
+              <a:rPr lang="de-CH" dirty="0" smtClean="0">
+                <a:latin typeface="Courier New" pitchFamily="49" charset="0"/>
+                <a:cs typeface="Courier New" pitchFamily="49" charset="0"/>
+              </a:rPr>
+              <a:t>D.raw(p2);</a:t>
+            </a:r>
+            <a:endParaRPr lang="de-CH" dirty="0">
+              <a:latin typeface="Courier New" pitchFamily="49" charset="0"/>
+              <a:cs typeface="Courier New" pitchFamily="49" charset="0"/>
+            </a:endParaRPr>
+          </a:p>
+        </p:txBody>
+      </p:sp>
+      <p:sp>
+        <p:nvSpPr>
+          <p:cNvPr id="6" name="Titel 1"/>
+          <p:cNvSpPr txBox="1">
+            <a:spLocks/>
+          </p:cNvSpPr>
+          <p:nvPr/>
+        </p:nvSpPr>
+        <p:spPr>
+          <a:xfrm>
+            <a:off x="395536" y="0"/>
+            <a:ext cx="8229600" cy="764704"/>
+          </a:xfrm>
+          <a:prstGeom prst="rect">
+            <a:avLst/>
+          </a:prstGeom>
         </p:spPr>
         <p:txBody>
-          <a:bodyPr>
-            <a:noAutofit/>
+          <a:bodyPr vert="horz" lIns="91440" tIns="45720" rIns="91440" bIns="45720" rtlCol="0" anchor="ctr">
+            <a:normAutofit/>
           </a:bodyPr>
           <a:lstStyle/>
           <a:p>
-            <a:r>
-              <a:rPr lang="de-CH" sz="8000" dirty="0" smtClean="0"/>
-              <a:t>?</a:t>
-            </a:r>
-            <a:endParaRPr lang="de-CH" sz="8000" dirty="0"/>
+            <a:pPr marL="0" marR="0" lvl="0" indent="0" algn="ctr" defTabSz="914400" rtl="0" eaLnBrk="1" fontAlgn="auto" latinLnBrk="0" hangingPunct="1">
+              <a:lnSpc>
+                <a:spcPct val="100000"/>
+              </a:lnSpc>
+              <a:spcBef>
+                <a:spcPct val="0"/>
+              </a:spcBef>
+              <a:spcAft>
+                <a:spcPts val="0"/>
+              </a:spcAft>
+              <a:buClrTx/>
+              <a:buSzTx/>
+              <a:buFontTx/>
+              <a:buNone/>
+              <a:tabLst/>
+              <a:defRPr/>
+            </a:pPr>
+            <a:r>
+              <a:rPr kumimoji="0" lang="de-CH" sz="4400" b="0" i="0" u="none" strike="noStrike" kern="1200" cap="none" spc="0" normalizeH="0" baseline="0" noProof="0" dirty="0" smtClean="0">
+                <a:ln>
+                  <a:noFill/>
+                </a:ln>
+                <a:solidFill>
+                  <a:schemeClr val="tx1"/>
+                </a:solidFill>
+                <a:effectLst/>
+                <a:uLnTx/>
+                <a:uFillTx/>
+                <a:latin typeface="+mj-lt"/>
+                <a:ea typeface="+mj-ea"/>
+                <a:cs typeface="+mj-cs"/>
+              </a:rPr>
+              <a:t>Style 3</a:t>
+            </a:r>
+            <a:endParaRPr kumimoji="0" lang="de-CH" sz="4400" b="0" i="0" u="none" strike="noStrike" kern="1200" cap="none" spc="0" normalizeH="0" baseline="0" noProof="0" dirty="0">
+              <a:ln>
+                <a:noFill/>
+              </a:ln>
+              <a:solidFill>
+                <a:schemeClr val="tx1"/>
+              </a:solidFill>
+              <a:effectLst/>
+              <a:uLnTx/>
+              <a:uFillTx/>
+              <a:latin typeface="+mj-lt"/>
+              <a:ea typeface="+mj-ea"/>
+              <a:cs typeface="+mj-cs"/>
+            </a:endParaRPr>
           </a:p>
         </p:txBody>
       </p:sp>
@@ -4457,594 +5727,32 @@
           </a:p>
         </p:txBody>
       </p:sp>
-      <p:grpSp>
-        <p:nvGrpSpPr>
-          <p:cNvPr id="13" name="Gruppieren 12"/>
-          <p:cNvGrpSpPr/>
+      <p:pic>
+        <p:nvPicPr>
+          <p:cNvPr id="1026" name="Picture 2" descr="C:\Users\Reichenbach Cedric\Dropbox\studium\ba\pics presentation\skizze visualization al colors Kopie.jpg"/>
+          <p:cNvPicPr>
+            <a:picLocks noChangeAspect="1" noChangeArrowheads="1"/>
+          </p:cNvPicPr>
           <p:nvPr/>
-        </p:nvGrpSpPr>
-        <p:grpSpPr>
+        </p:nvPicPr>
+        <p:blipFill>
+          <a:blip r:embed="rId2" cstate="print"/>
+          <a:srcRect l="5046" t="20236" r="15746" b="54849"/>
+          <a:stretch>
+            <a:fillRect/>
+          </a:stretch>
+        </p:blipFill>
+        <p:spPr bwMode="auto">
           <a:xfrm>
-            <a:off x="611560" y="4509120"/>
-            <a:ext cx="6912768" cy="1249523"/>
-            <a:chOff x="611560" y="5013176"/>
-            <a:chExt cx="6912768" cy="1249523"/>
+            <a:off x="395536" y="4293096"/>
+            <a:ext cx="8424936" cy="1656184"/>
           </a:xfrm>
-        </p:grpSpPr>
-        <p:grpSp>
-          <p:nvGrpSpPr>
-            <p:cNvPr id="8" name="Gruppieren 7"/>
-            <p:cNvGrpSpPr/>
-            <p:nvPr/>
-          </p:nvGrpSpPr>
-          <p:grpSpPr>
-            <a:xfrm>
-              <a:off x="611560" y="5013176"/>
-              <a:ext cx="6839521" cy="1249523"/>
-              <a:chOff x="1331640" y="5301208"/>
-              <a:chExt cx="2088232" cy="740141"/>
-            </a:xfrm>
-          </p:grpSpPr>
-          <p:sp>
-            <p:nvSpPr>
-              <p:cNvPr id="4" name="Rechteck 3"/>
-              <p:cNvSpPr/>
-              <p:nvPr/>
-            </p:nvSpPr>
-            <p:spPr>
-              <a:xfrm>
-                <a:off x="1331640" y="5301208"/>
-                <a:ext cx="351766" cy="576064"/>
-              </a:xfrm>
-              <a:prstGeom prst="rect">
-                <a:avLst/>
-              </a:prstGeom>
-              <a:solidFill>
-                <a:srgbClr val="FF0000"/>
-              </a:solidFill>
-              <a:ln w="12700"/>
-            </p:spPr>
-            <p:style>
-              <a:lnRef idx="2">
-                <a:schemeClr val="dk1"/>
-              </a:lnRef>
-              <a:fillRef idx="1">
-                <a:schemeClr val="lt1"/>
-              </a:fillRef>
-              <a:effectRef idx="0">
-                <a:schemeClr val="dk1"/>
-              </a:effectRef>
-              <a:fontRef idx="minor">
-                <a:schemeClr val="dk1"/>
-              </a:fontRef>
-            </p:style>
-            <p:txBody>
-              <a:bodyPr rtlCol="0" anchor="ctr"/>
-              <a:lstStyle/>
-              <a:p>
-                <a:pPr algn="ctr"/>
-                <a:endParaRPr lang="de-CH" b="1">
-                  <a:ln w="10541" cmpd="sng">
-                    <a:solidFill>
-                      <a:srgbClr val="7D7D7D">
-                        <a:tint val="100000"/>
-                        <a:shade val="100000"/>
-                        <a:satMod val="110000"/>
-                      </a:srgbClr>
-                    </a:solidFill>
-                    <a:prstDash val="solid"/>
-                  </a:ln>
-                  <a:gradFill>
-                    <a:gsLst>
-                      <a:gs pos="0">
-                        <a:srgbClr val="FFFFFF">
-                          <a:tint val="40000"/>
-                          <a:satMod val="250000"/>
-                        </a:srgbClr>
-                      </a:gs>
-                      <a:gs pos="9000">
-                        <a:srgbClr val="FFFFFF">
-                          <a:tint val="52000"/>
-                          <a:satMod val="300000"/>
-                        </a:srgbClr>
-                      </a:gs>
-                      <a:gs pos="50000">
-                        <a:srgbClr val="FFFFFF">
-                          <a:shade val="20000"/>
-                          <a:satMod val="300000"/>
-                        </a:srgbClr>
-                      </a:gs>
-                      <a:gs pos="79000">
-                        <a:srgbClr val="FFFFFF">
-                          <a:tint val="52000"/>
-                          <a:satMod val="300000"/>
-                        </a:srgbClr>
-                      </a:gs>
-                      <a:gs pos="100000">
-                        <a:srgbClr val="FFFFFF">
-                          <a:tint val="40000"/>
-                          <a:satMod val="250000"/>
-                        </a:srgbClr>
-                      </a:gs>
-                    </a:gsLst>
-                    <a:lin ang="5400000"/>
-                  </a:gradFill>
-                </a:endParaRPr>
-              </a:p>
-            </p:txBody>
-          </p:sp>
-          <p:sp>
-            <p:nvSpPr>
-              <p:cNvPr id="5" name="Rechteck 4"/>
-              <p:cNvSpPr/>
-              <p:nvPr/>
-            </p:nvSpPr>
-            <p:spPr>
-              <a:xfrm>
-                <a:off x="1683406" y="5301208"/>
-                <a:ext cx="351766" cy="576064"/>
-              </a:xfrm>
-              <a:prstGeom prst="rect">
-                <a:avLst/>
-              </a:prstGeom>
-              <a:solidFill>
-                <a:srgbClr val="0000FF"/>
-              </a:solidFill>
-              <a:ln w="12700"/>
-            </p:spPr>
-            <p:style>
-              <a:lnRef idx="2">
-                <a:schemeClr val="dk1"/>
-              </a:lnRef>
-              <a:fillRef idx="1">
-                <a:schemeClr val="lt1"/>
-              </a:fillRef>
-              <a:effectRef idx="0">
-                <a:schemeClr val="dk1"/>
-              </a:effectRef>
-              <a:fontRef idx="minor">
-                <a:schemeClr val="dk1"/>
-              </a:fontRef>
-            </p:style>
-            <p:txBody>
-              <a:bodyPr rtlCol="0" anchor="ctr"/>
-              <a:lstStyle/>
-              <a:p>
-                <a:pPr algn="ctr"/>
-                <a:endParaRPr lang="de-CH" b="1">
-                  <a:ln w="10541" cmpd="sng">
-                    <a:solidFill>
-                      <a:srgbClr val="7D7D7D">
-                        <a:tint val="100000"/>
-                        <a:shade val="100000"/>
-                        <a:satMod val="110000"/>
-                      </a:srgbClr>
-                    </a:solidFill>
-                    <a:prstDash val="solid"/>
-                  </a:ln>
-                  <a:gradFill>
-                    <a:gsLst>
-                      <a:gs pos="0">
-                        <a:srgbClr val="FFFFFF">
-                          <a:tint val="40000"/>
-                          <a:satMod val="250000"/>
-                        </a:srgbClr>
-                      </a:gs>
-                      <a:gs pos="9000">
-                        <a:srgbClr val="FFFFFF">
-                          <a:tint val="52000"/>
-                          <a:satMod val="300000"/>
-                        </a:srgbClr>
-                      </a:gs>
-                      <a:gs pos="50000">
-                        <a:srgbClr val="FFFFFF">
-                          <a:shade val="20000"/>
-                          <a:satMod val="300000"/>
-                        </a:srgbClr>
-                      </a:gs>
-                      <a:gs pos="79000">
-                        <a:srgbClr val="FFFFFF">
-                          <a:tint val="52000"/>
-                          <a:satMod val="300000"/>
-                        </a:srgbClr>
-                      </a:gs>
-                      <a:gs pos="100000">
-                        <a:srgbClr val="FFFFFF">
-                          <a:tint val="40000"/>
-                          <a:satMod val="250000"/>
-                        </a:srgbClr>
-                      </a:gs>
-                    </a:gsLst>
-                    <a:lin ang="5400000"/>
-                  </a:gradFill>
-                </a:endParaRPr>
-              </a:p>
-            </p:txBody>
-          </p:sp>
-          <p:sp>
-            <p:nvSpPr>
-              <p:cNvPr id="6" name="Rechteck 5"/>
-              <p:cNvSpPr/>
-              <p:nvPr/>
-            </p:nvSpPr>
-            <p:spPr>
-              <a:xfrm>
-                <a:off x="2035172" y="5301208"/>
-                <a:ext cx="351766" cy="576064"/>
-              </a:xfrm>
-              <a:prstGeom prst="rect">
-                <a:avLst/>
-              </a:prstGeom>
-              <a:solidFill>
-                <a:srgbClr val="808080"/>
-              </a:solidFill>
-              <a:ln w="12700"/>
-            </p:spPr>
-            <p:style>
-              <a:lnRef idx="2">
-                <a:schemeClr val="dk1"/>
-              </a:lnRef>
-              <a:fillRef idx="1">
-                <a:schemeClr val="lt1"/>
-              </a:fillRef>
-              <a:effectRef idx="0">
-                <a:schemeClr val="dk1"/>
-              </a:effectRef>
-              <a:fontRef idx="minor">
-                <a:schemeClr val="dk1"/>
-              </a:fontRef>
-            </p:style>
-            <p:txBody>
-              <a:bodyPr rtlCol="0" anchor="ctr"/>
-              <a:lstStyle/>
-              <a:p>
-                <a:pPr algn="ctr"/>
-                <a:endParaRPr lang="de-CH" b="1">
-                  <a:ln w="10541" cmpd="sng">
-                    <a:solidFill>
-                      <a:srgbClr val="7D7D7D">
-                        <a:tint val="100000"/>
-                        <a:shade val="100000"/>
-                        <a:satMod val="110000"/>
-                      </a:srgbClr>
-                    </a:solidFill>
-                    <a:prstDash val="solid"/>
-                  </a:ln>
-                  <a:gradFill>
-                    <a:gsLst>
-                      <a:gs pos="0">
-                        <a:srgbClr val="FFFFFF">
-                          <a:tint val="40000"/>
-                          <a:satMod val="250000"/>
-                        </a:srgbClr>
-                      </a:gs>
-                      <a:gs pos="9000">
-                        <a:srgbClr val="FFFFFF">
-                          <a:tint val="52000"/>
-                          <a:satMod val="300000"/>
-                        </a:srgbClr>
-                      </a:gs>
-                      <a:gs pos="50000">
-                        <a:srgbClr val="FFFFFF">
-                          <a:shade val="20000"/>
-                          <a:satMod val="300000"/>
-                        </a:srgbClr>
-                      </a:gs>
-                      <a:gs pos="79000">
-                        <a:srgbClr val="FFFFFF">
-                          <a:tint val="52000"/>
-                          <a:satMod val="300000"/>
-                        </a:srgbClr>
-                      </a:gs>
-                      <a:gs pos="100000">
-                        <a:srgbClr val="FFFFFF">
-                          <a:tint val="40000"/>
-                          <a:satMod val="250000"/>
-                        </a:srgbClr>
-                      </a:gs>
-                    </a:gsLst>
-                    <a:lin ang="5400000"/>
-                  </a:gradFill>
-                </a:endParaRPr>
-              </a:p>
-            </p:txBody>
-          </p:sp>
-          <p:sp>
-            <p:nvSpPr>
-              <p:cNvPr id="7" name="Textfeld 6"/>
-              <p:cNvSpPr txBox="1"/>
-              <p:nvPr/>
-            </p:nvSpPr>
-            <p:spPr>
-              <a:xfrm>
-                <a:off x="1338417" y="5877272"/>
-                <a:ext cx="2081455" cy="164077"/>
-              </a:xfrm>
-              <a:prstGeom prst="rect">
-                <a:avLst/>
-              </a:prstGeom>
-              <a:noFill/>
-            </p:spPr>
-            <p:txBody>
-              <a:bodyPr wrap="square" rtlCol="0">
-                <a:spAutoFit/>
-              </a:bodyPr>
-              <a:lstStyle/>
-              <a:p>
-                <a:r>
-                  <a:rPr lang="de-CH" sz="1200" i="1" dirty="0" smtClean="0"/>
-                  <a:t>ArrayList</a:t>
-                </a:r>
-                <a:endParaRPr lang="de-CH" sz="1200" i="1" dirty="0"/>
-              </a:p>
-            </p:txBody>
-          </p:sp>
-        </p:grpSp>
-        <p:sp>
-          <p:nvSpPr>
-            <p:cNvPr id="10" name="Rechteck 9"/>
-            <p:cNvSpPr/>
-            <p:nvPr/>
-          </p:nvSpPr>
-          <p:spPr>
-            <a:xfrm>
-              <a:off x="4067944" y="5013176"/>
-              <a:ext cx="1152128" cy="972524"/>
-            </a:xfrm>
-            <a:prstGeom prst="rect">
-              <a:avLst/>
-            </a:prstGeom>
-            <a:solidFill>
-              <a:srgbClr val="00FF00"/>
-            </a:solidFill>
-            <a:ln w="12700"/>
-          </p:spPr>
-          <p:style>
-            <a:lnRef idx="2">
-              <a:schemeClr val="dk1"/>
-            </a:lnRef>
-            <a:fillRef idx="1">
-              <a:schemeClr val="lt1"/>
-            </a:fillRef>
-            <a:effectRef idx="0">
-              <a:schemeClr val="dk1"/>
-            </a:effectRef>
-            <a:fontRef idx="minor">
-              <a:schemeClr val="dk1"/>
-            </a:fontRef>
-          </p:style>
-          <p:txBody>
-            <a:bodyPr rtlCol="0" anchor="ctr"/>
-            <a:lstStyle/>
-            <a:p>
-              <a:pPr algn="ctr"/>
-              <a:endParaRPr lang="de-CH" b="1">
-                <a:ln w="10541" cmpd="sng">
-                  <a:solidFill>
-                    <a:srgbClr val="7D7D7D">
-                      <a:tint val="100000"/>
-                      <a:shade val="100000"/>
-                      <a:satMod val="110000"/>
-                    </a:srgbClr>
-                  </a:solidFill>
-                  <a:prstDash val="solid"/>
-                </a:ln>
-                <a:gradFill>
-                  <a:gsLst>
-                    <a:gs pos="0">
-                      <a:srgbClr val="FFFFFF">
-                        <a:tint val="40000"/>
-                        <a:satMod val="250000"/>
-                      </a:srgbClr>
-                    </a:gs>
-                    <a:gs pos="9000">
-                      <a:srgbClr val="FFFFFF">
-                        <a:tint val="52000"/>
-                        <a:satMod val="300000"/>
-                      </a:srgbClr>
-                    </a:gs>
-                    <a:gs pos="50000">
-                      <a:srgbClr val="FFFFFF">
-                        <a:shade val="20000"/>
-                        <a:satMod val="300000"/>
-                      </a:srgbClr>
-                    </a:gs>
-                    <a:gs pos="79000">
-                      <a:srgbClr val="FFFFFF">
-                        <a:tint val="52000"/>
-                        <a:satMod val="300000"/>
-                      </a:srgbClr>
-                    </a:gs>
-                    <a:gs pos="100000">
-                      <a:srgbClr val="FFFFFF">
-                        <a:tint val="40000"/>
-                        <a:satMod val="250000"/>
-                      </a:srgbClr>
-                    </a:gs>
-                  </a:gsLst>
-                  <a:lin ang="5400000"/>
-                </a:gradFill>
-              </a:endParaRPr>
-            </a:p>
-          </p:txBody>
-        </p:sp>
-        <p:sp>
-          <p:nvSpPr>
-            <p:cNvPr id="11" name="Rechteck 10"/>
-            <p:cNvSpPr/>
-            <p:nvPr/>
-          </p:nvSpPr>
-          <p:spPr>
-            <a:xfrm>
-              <a:off x="5220072" y="5013176"/>
-              <a:ext cx="1152128" cy="972524"/>
-            </a:xfrm>
-            <a:prstGeom prst="rect">
-              <a:avLst/>
-            </a:prstGeom>
-            <a:solidFill>
-              <a:srgbClr val="FFFF00"/>
-            </a:solidFill>
-            <a:ln w="12700"/>
-          </p:spPr>
-          <p:style>
-            <a:lnRef idx="2">
-              <a:schemeClr val="dk1"/>
-            </a:lnRef>
-            <a:fillRef idx="1">
-              <a:schemeClr val="lt1"/>
-            </a:fillRef>
-            <a:effectRef idx="0">
-              <a:schemeClr val="dk1"/>
-            </a:effectRef>
-            <a:fontRef idx="minor">
-              <a:schemeClr val="dk1"/>
-            </a:fontRef>
-          </p:style>
-          <p:txBody>
-            <a:bodyPr rtlCol="0" anchor="ctr"/>
-            <a:lstStyle/>
-            <a:p>
-              <a:pPr algn="ctr"/>
-              <a:endParaRPr lang="de-CH" b="1">
-                <a:ln w="10541" cmpd="sng">
-                  <a:solidFill>
-                    <a:srgbClr val="7D7D7D">
-                      <a:tint val="100000"/>
-                      <a:shade val="100000"/>
-                      <a:satMod val="110000"/>
-                    </a:srgbClr>
-                  </a:solidFill>
-                  <a:prstDash val="solid"/>
-                </a:ln>
-                <a:gradFill>
-                  <a:gsLst>
-                    <a:gs pos="0">
-                      <a:srgbClr val="FFFFFF">
-                        <a:tint val="40000"/>
-                        <a:satMod val="250000"/>
-                      </a:srgbClr>
-                    </a:gs>
-                    <a:gs pos="9000">
-                      <a:srgbClr val="FFFFFF">
-                        <a:tint val="52000"/>
-                        <a:satMod val="300000"/>
-                      </a:srgbClr>
-                    </a:gs>
-                    <a:gs pos="50000">
-                      <a:srgbClr val="FFFFFF">
-                        <a:shade val="20000"/>
-                        <a:satMod val="300000"/>
-                      </a:srgbClr>
-                    </a:gs>
-                    <a:gs pos="79000">
-                      <a:srgbClr val="FFFFFF">
-                        <a:tint val="52000"/>
-                        <a:satMod val="300000"/>
-                      </a:srgbClr>
-                    </a:gs>
-                    <a:gs pos="100000">
-                      <a:srgbClr val="FFFFFF">
-                        <a:tint val="40000"/>
-                        <a:satMod val="250000"/>
-                      </a:srgbClr>
-                    </a:gs>
-                  </a:gsLst>
-                  <a:lin ang="5400000"/>
-                </a:gradFill>
-              </a:endParaRPr>
-            </a:p>
-          </p:txBody>
-        </p:sp>
-        <p:sp>
-          <p:nvSpPr>
-            <p:cNvPr id="12" name="Rechteck 11"/>
-            <p:cNvSpPr/>
-            <p:nvPr/>
-          </p:nvSpPr>
-          <p:spPr>
-            <a:xfrm>
-              <a:off x="6372200" y="5013176"/>
-              <a:ext cx="1152128" cy="972524"/>
-            </a:xfrm>
-            <a:prstGeom prst="rect">
-              <a:avLst/>
-            </a:prstGeom>
-            <a:solidFill>
-              <a:srgbClr val="0000FF"/>
-            </a:solidFill>
-            <a:ln w="12700"/>
-          </p:spPr>
-          <p:style>
-            <a:lnRef idx="2">
-              <a:schemeClr val="dk1"/>
-            </a:lnRef>
-            <a:fillRef idx="1">
-              <a:schemeClr val="lt1"/>
-            </a:fillRef>
-            <a:effectRef idx="0">
-              <a:schemeClr val="dk1"/>
-            </a:effectRef>
-            <a:fontRef idx="minor">
-              <a:schemeClr val="dk1"/>
-            </a:fontRef>
-          </p:style>
-          <p:txBody>
-            <a:bodyPr rtlCol="0" anchor="ctr"/>
-            <a:lstStyle/>
-            <a:p>
-              <a:pPr algn="ctr"/>
-              <a:endParaRPr lang="de-CH" b="1">
-                <a:ln w="10541" cmpd="sng">
-                  <a:solidFill>
-                    <a:srgbClr val="7D7D7D">
-                      <a:tint val="100000"/>
-                      <a:shade val="100000"/>
-                      <a:satMod val="110000"/>
-                    </a:srgbClr>
-                  </a:solidFill>
-                  <a:prstDash val="solid"/>
-                </a:ln>
-                <a:gradFill>
-                  <a:gsLst>
-                    <a:gs pos="0">
-                      <a:srgbClr val="FFFFFF">
-                        <a:tint val="40000"/>
-                        <a:satMod val="250000"/>
-                      </a:srgbClr>
-                    </a:gs>
-                    <a:gs pos="9000">
-                      <a:srgbClr val="FFFFFF">
-                        <a:tint val="52000"/>
-                        <a:satMod val="300000"/>
-                      </a:srgbClr>
-                    </a:gs>
-                    <a:gs pos="50000">
-                      <a:srgbClr val="FFFFFF">
-                        <a:shade val="20000"/>
-                        <a:satMod val="300000"/>
-                      </a:srgbClr>
-                    </a:gs>
-                    <a:gs pos="79000">
-                      <a:srgbClr val="FFFFFF">
-                        <a:tint val="52000"/>
-                        <a:satMod val="300000"/>
-                      </a:srgbClr>
-                    </a:gs>
-                    <a:gs pos="100000">
-                      <a:srgbClr val="FFFFFF">
-                        <a:tint val="40000"/>
-                        <a:satMod val="250000"/>
-                      </a:srgbClr>
-                    </a:gs>
-                  </a:gsLst>
-                  <a:lin ang="5400000"/>
-                </a:gradFill>
-              </a:endParaRPr>
-            </a:p>
-          </p:txBody>
-        </p:sp>
-      </p:grpSp>
+          <a:prstGeom prst="rect">
+            <a:avLst/>
+          </a:prstGeom>
+          <a:noFill/>
+        </p:spPr>
+      </p:pic>
     </p:spTree>
   </p:cSld>
   <p:clrMapOvr>
@@ -5254,51 +5962,6 @@
                       </p:childTnLst>
                     </p:cTn>
                   </p:par>
-                  <p:par>
-                    <p:cTn id="19" fill="hold">
-                      <p:stCondLst>
-                        <p:cond delay="indefinite"/>
-                      </p:stCondLst>
-                      <p:childTnLst>
-                        <p:par>
-                          <p:cTn id="20" fill="hold">
-                            <p:stCondLst>
-                              <p:cond delay="0"/>
-                            </p:stCondLst>
-                            <p:childTnLst>
-                              <p:par>
-                                <p:cTn id="21" presetID="1" presetClass="entr" presetSubtype="0" fill="hold" nodeType="clickEffect">
-                                  <p:stCondLst>
-                                    <p:cond delay="0"/>
-                                  </p:stCondLst>
-                                  <p:childTnLst>
-                                    <p:set>
-                                      <p:cBhvr>
-                                        <p:cTn id="22" dur="1" fill="hold">
-                                          <p:stCondLst>
-                                            <p:cond delay="0"/>
-                                          </p:stCondLst>
-                                        </p:cTn>
-                                        <p:tgtEl>
-                                          <p:spTgt spid="13"/>
-                                        </p:tgtEl>
-                                        <p:attrNameLst>
-                                          <p:attrName>style.visibility</p:attrName>
-                                        </p:attrNameLst>
-                                      </p:cBhvr>
-                                      <p:to>
-                                        <p:strVal val="visible"/>
-                                      </p:to>
-                                    </p:set>
-                                  </p:childTnLst>
-                                </p:cTn>
-                              </p:par>
-                            </p:childTnLst>
-                          </p:cTn>
-                        </p:par>
-                      </p:childTnLst>
-                    </p:cTn>
-                  </p:par>
                 </p:childTnLst>
               </p:cTn>
               <p:prevCondLst>
@@ -5709,7 +6372,7 @@
     </p:spTree>
     <p:extLst>
       <p:ext uri="{BB962C8B-B14F-4D97-AF65-F5344CB8AC3E}">
-        <p14:creationId xmlns="" xmlns:p14="http://schemas.microsoft.com/office/powerpoint/2010/main" val="668186958"/>
+        <p14:creationId xmlns:p14="http://schemas.microsoft.com/office/powerpoint/2010/main" xmlns="" val="668186958"/>
       </p:ext>
     </p:extLst>
   </p:cSld>
@@ -5803,1186 +6466,62 @@
           </a:p>
         </p:txBody>
       </p:sp>
-      <p:grpSp>
-        <p:nvGrpSpPr>
-          <p:cNvPr id="4" name="Gruppieren 3"/>
-          <p:cNvGrpSpPr/>
+      <p:pic>
+        <p:nvPicPr>
+          <p:cNvPr id="2050" name="Picture 2" descr="C:\Users\Reichenbach Cedric\Dropbox\studium\ba\pics presentation\skizze visualization al colors 2 Kopie.jpg"/>
+          <p:cNvPicPr>
+            <a:picLocks noChangeAspect="1" noChangeArrowheads="1"/>
+          </p:cNvPicPr>
           <p:nvPr/>
-        </p:nvGrpSpPr>
-        <p:grpSpPr>
+        </p:nvPicPr>
+        <p:blipFill>
+          <a:blip r:embed="rId2" cstate="print"/>
+          <a:srcRect l="4921" t="21375" r="15637" b="55000"/>
+          <a:stretch>
+            <a:fillRect/>
+          </a:stretch>
+        </p:blipFill>
+        <p:spPr bwMode="auto">
           <a:xfrm>
-            <a:off x="611560" y="2276872"/>
-            <a:ext cx="6912768" cy="1249523"/>
-            <a:chOff x="611560" y="5013176"/>
-            <a:chExt cx="6912768" cy="1249523"/>
+            <a:off x="395536" y="3861048"/>
+            <a:ext cx="8136904" cy="1512168"/>
           </a:xfrm>
-        </p:grpSpPr>
-        <p:grpSp>
-          <p:nvGrpSpPr>
-            <p:cNvPr id="5" name="Gruppieren 4"/>
-            <p:cNvGrpSpPr/>
-            <p:nvPr/>
-          </p:nvGrpSpPr>
-          <p:grpSpPr>
-            <a:xfrm>
-              <a:off x="611560" y="5013176"/>
-              <a:ext cx="6839521" cy="1249523"/>
-              <a:chOff x="1331640" y="5301208"/>
-              <a:chExt cx="2088232" cy="740141"/>
-            </a:xfrm>
-          </p:grpSpPr>
-          <p:sp>
-            <p:nvSpPr>
-              <p:cNvPr id="9" name="Rechteck 8"/>
-              <p:cNvSpPr/>
-              <p:nvPr/>
-            </p:nvSpPr>
-            <p:spPr>
-              <a:xfrm>
-                <a:off x="1331640" y="5301208"/>
-                <a:ext cx="351766" cy="576064"/>
-              </a:xfrm>
-              <a:prstGeom prst="rect">
-                <a:avLst/>
-              </a:prstGeom>
-              <a:solidFill>
-                <a:srgbClr val="FF0000"/>
-              </a:solidFill>
-              <a:ln w="12700"/>
-            </p:spPr>
-            <p:style>
-              <a:lnRef idx="2">
-                <a:schemeClr val="dk1"/>
-              </a:lnRef>
-              <a:fillRef idx="1">
-                <a:schemeClr val="lt1"/>
-              </a:fillRef>
-              <a:effectRef idx="0">
-                <a:schemeClr val="dk1"/>
-              </a:effectRef>
-              <a:fontRef idx="minor">
-                <a:schemeClr val="dk1"/>
-              </a:fontRef>
-            </p:style>
-            <p:txBody>
-              <a:bodyPr rtlCol="0" anchor="ctr"/>
-              <a:lstStyle/>
-              <a:p>
-                <a:pPr algn="ctr"/>
-                <a:endParaRPr lang="de-CH" b="1">
-                  <a:ln w="10541" cmpd="sng">
-                    <a:solidFill>
-                      <a:srgbClr val="7D7D7D">
-                        <a:tint val="100000"/>
-                        <a:shade val="100000"/>
-                        <a:satMod val="110000"/>
-                      </a:srgbClr>
-                    </a:solidFill>
-                    <a:prstDash val="solid"/>
-                  </a:ln>
-                  <a:gradFill>
-                    <a:gsLst>
-                      <a:gs pos="0">
-                        <a:srgbClr val="FFFFFF">
-                          <a:tint val="40000"/>
-                          <a:satMod val="250000"/>
-                        </a:srgbClr>
-                      </a:gs>
-                      <a:gs pos="9000">
-                        <a:srgbClr val="FFFFFF">
-                          <a:tint val="52000"/>
-                          <a:satMod val="300000"/>
-                        </a:srgbClr>
-                      </a:gs>
-                      <a:gs pos="50000">
-                        <a:srgbClr val="FFFFFF">
-                          <a:shade val="20000"/>
-                          <a:satMod val="300000"/>
-                        </a:srgbClr>
-                      </a:gs>
-                      <a:gs pos="79000">
-                        <a:srgbClr val="FFFFFF">
-                          <a:tint val="52000"/>
-                          <a:satMod val="300000"/>
-                        </a:srgbClr>
-                      </a:gs>
-                      <a:gs pos="100000">
-                        <a:srgbClr val="FFFFFF">
-                          <a:tint val="40000"/>
-                          <a:satMod val="250000"/>
-                        </a:srgbClr>
-                      </a:gs>
-                    </a:gsLst>
-                    <a:lin ang="5400000"/>
-                  </a:gradFill>
-                </a:endParaRPr>
-              </a:p>
-            </p:txBody>
-          </p:sp>
-          <p:sp>
-            <p:nvSpPr>
-              <p:cNvPr id="10" name="Rechteck 9"/>
-              <p:cNvSpPr/>
-              <p:nvPr/>
-            </p:nvSpPr>
-            <p:spPr>
-              <a:xfrm>
-                <a:off x="1683406" y="5301208"/>
-                <a:ext cx="351766" cy="576064"/>
-              </a:xfrm>
-              <a:prstGeom prst="rect">
-                <a:avLst/>
-              </a:prstGeom>
-              <a:solidFill>
-                <a:srgbClr val="0000FF"/>
-              </a:solidFill>
-              <a:ln w="12700"/>
-            </p:spPr>
-            <p:style>
-              <a:lnRef idx="2">
-                <a:schemeClr val="dk1"/>
-              </a:lnRef>
-              <a:fillRef idx="1">
-                <a:schemeClr val="lt1"/>
-              </a:fillRef>
-              <a:effectRef idx="0">
-                <a:schemeClr val="dk1"/>
-              </a:effectRef>
-              <a:fontRef idx="minor">
-                <a:schemeClr val="dk1"/>
-              </a:fontRef>
-            </p:style>
-            <p:txBody>
-              <a:bodyPr rtlCol="0" anchor="ctr"/>
-              <a:lstStyle/>
-              <a:p>
-                <a:pPr algn="ctr"/>
-                <a:endParaRPr lang="de-CH" b="1">
-                  <a:ln w="10541" cmpd="sng">
-                    <a:solidFill>
-                      <a:srgbClr val="7D7D7D">
-                        <a:tint val="100000"/>
-                        <a:shade val="100000"/>
-                        <a:satMod val="110000"/>
-                      </a:srgbClr>
-                    </a:solidFill>
-                    <a:prstDash val="solid"/>
-                  </a:ln>
-                  <a:gradFill>
-                    <a:gsLst>
-                      <a:gs pos="0">
-                        <a:srgbClr val="FFFFFF">
-                          <a:tint val="40000"/>
-                          <a:satMod val="250000"/>
-                        </a:srgbClr>
-                      </a:gs>
-                      <a:gs pos="9000">
-                        <a:srgbClr val="FFFFFF">
-                          <a:tint val="52000"/>
-                          <a:satMod val="300000"/>
-                        </a:srgbClr>
-                      </a:gs>
-                      <a:gs pos="50000">
-                        <a:srgbClr val="FFFFFF">
-                          <a:shade val="20000"/>
-                          <a:satMod val="300000"/>
-                        </a:srgbClr>
-                      </a:gs>
-                      <a:gs pos="79000">
-                        <a:srgbClr val="FFFFFF">
-                          <a:tint val="52000"/>
-                          <a:satMod val="300000"/>
-                        </a:srgbClr>
-                      </a:gs>
-                      <a:gs pos="100000">
-                        <a:srgbClr val="FFFFFF">
-                          <a:tint val="40000"/>
-                          <a:satMod val="250000"/>
-                        </a:srgbClr>
-                      </a:gs>
-                    </a:gsLst>
-                    <a:lin ang="5400000"/>
-                  </a:gradFill>
-                </a:endParaRPr>
-              </a:p>
-            </p:txBody>
-          </p:sp>
-          <p:sp>
-            <p:nvSpPr>
-              <p:cNvPr id="11" name="Rechteck 10"/>
-              <p:cNvSpPr/>
-              <p:nvPr/>
-            </p:nvSpPr>
-            <p:spPr>
-              <a:xfrm>
-                <a:off x="2035172" y="5301208"/>
-                <a:ext cx="351766" cy="576064"/>
-              </a:xfrm>
-              <a:prstGeom prst="rect">
-                <a:avLst/>
-              </a:prstGeom>
-              <a:solidFill>
-                <a:srgbClr val="808080"/>
-              </a:solidFill>
-              <a:ln w="12700"/>
-            </p:spPr>
-            <p:style>
-              <a:lnRef idx="2">
-                <a:schemeClr val="dk1"/>
-              </a:lnRef>
-              <a:fillRef idx="1">
-                <a:schemeClr val="lt1"/>
-              </a:fillRef>
-              <a:effectRef idx="0">
-                <a:schemeClr val="dk1"/>
-              </a:effectRef>
-              <a:fontRef idx="minor">
-                <a:schemeClr val="dk1"/>
-              </a:fontRef>
-            </p:style>
-            <p:txBody>
-              <a:bodyPr rtlCol="0" anchor="ctr"/>
-              <a:lstStyle/>
-              <a:p>
-                <a:pPr algn="ctr"/>
-                <a:endParaRPr lang="de-CH" b="1">
-                  <a:ln w="10541" cmpd="sng">
-                    <a:solidFill>
-                      <a:srgbClr val="7D7D7D">
-                        <a:tint val="100000"/>
-                        <a:shade val="100000"/>
-                        <a:satMod val="110000"/>
-                      </a:srgbClr>
-                    </a:solidFill>
-                    <a:prstDash val="solid"/>
-                  </a:ln>
-                  <a:gradFill>
-                    <a:gsLst>
-                      <a:gs pos="0">
-                        <a:srgbClr val="FFFFFF">
-                          <a:tint val="40000"/>
-                          <a:satMod val="250000"/>
-                        </a:srgbClr>
-                      </a:gs>
-                      <a:gs pos="9000">
-                        <a:srgbClr val="FFFFFF">
-                          <a:tint val="52000"/>
-                          <a:satMod val="300000"/>
-                        </a:srgbClr>
-                      </a:gs>
-                      <a:gs pos="50000">
-                        <a:srgbClr val="FFFFFF">
-                          <a:shade val="20000"/>
-                          <a:satMod val="300000"/>
-                        </a:srgbClr>
-                      </a:gs>
-                      <a:gs pos="79000">
-                        <a:srgbClr val="FFFFFF">
-                          <a:tint val="52000"/>
-                          <a:satMod val="300000"/>
-                        </a:srgbClr>
-                      </a:gs>
-                      <a:gs pos="100000">
-                        <a:srgbClr val="FFFFFF">
-                          <a:tint val="40000"/>
-                          <a:satMod val="250000"/>
-                        </a:srgbClr>
-                      </a:gs>
-                    </a:gsLst>
-                    <a:lin ang="5400000"/>
-                  </a:gradFill>
-                </a:endParaRPr>
-              </a:p>
-            </p:txBody>
-          </p:sp>
-          <p:sp>
-            <p:nvSpPr>
-              <p:cNvPr id="12" name="Textfeld 11"/>
-              <p:cNvSpPr txBox="1"/>
-              <p:nvPr/>
-            </p:nvSpPr>
-            <p:spPr>
-              <a:xfrm>
-                <a:off x="1338417" y="5877272"/>
-                <a:ext cx="2081455" cy="164077"/>
-              </a:xfrm>
-              <a:prstGeom prst="rect">
-                <a:avLst/>
-              </a:prstGeom>
-              <a:noFill/>
-            </p:spPr>
-            <p:txBody>
-              <a:bodyPr wrap="square" rtlCol="0">
-                <a:spAutoFit/>
-              </a:bodyPr>
-              <a:lstStyle/>
-              <a:p>
-                <a:r>
-                  <a:rPr lang="de-CH" sz="1200" i="1" dirty="0" smtClean="0"/>
-                  <a:t>ArrayList</a:t>
-                </a:r>
-                <a:endParaRPr lang="de-CH" sz="1200" i="1" dirty="0"/>
-              </a:p>
-            </p:txBody>
-          </p:sp>
-        </p:grpSp>
-        <p:sp>
-          <p:nvSpPr>
-            <p:cNvPr id="6" name="Rechteck 5"/>
-            <p:cNvSpPr/>
-            <p:nvPr/>
-          </p:nvSpPr>
-          <p:spPr>
-            <a:xfrm>
-              <a:off x="4067944" y="5013176"/>
-              <a:ext cx="1152128" cy="972524"/>
-            </a:xfrm>
-            <a:prstGeom prst="rect">
-              <a:avLst/>
-            </a:prstGeom>
-            <a:solidFill>
-              <a:srgbClr val="00FF00"/>
-            </a:solidFill>
-            <a:ln w="12700"/>
-          </p:spPr>
-          <p:style>
-            <a:lnRef idx="2">
-              <a:schemeClr val="dk1"/>
-            </a:lnRef>
-            <a:fillRef idx="1">
-              <a:schemeClr val="lt1"/>
-            </a:fillRef>
-            <a:effectRef idx="0">
-              <a:schemeClr val="dk1"/>
-            </a:effectRef>
-            <a:fontRef idx="minor">
-              <a:schemeClr val="dk1"/>
-            </a:fontRef>
-          </p:style>
-          <p:txBody>
-            <a:bodyPr rtlCol="0" anchor="ctr"/>
-            <a:lstStyle/>
-            <a:p>
-              <a:pPr algn="ctr"/>
-              <a:endParaRPr lang="de-CH" b="1">
-                <a:ln w="10541" cmpd="sng">
-                  <a:solidFill>
-                    <a:srgbClr val="7D7D7D">
-                      <a:tint val="100000"/>
-                      <a:shade val="100000"/>
-                      <a:satMod val="110000"/>
-                    </a:srgbClr>
-                  </a:solidFill>
-                  <a:prstDash val="solid"/>
-                </a:ln>
-                <a:gradFill>
-                  <a:gsLst>
-                    <a:gs pos="0">
-                      <a:srgbClr val="FFFFFF">
-                        <a:tint val="40000"/>
-                        <a:satMod val="250000"/>
-                      </a:srgbClr>
-                    </a:gs>
-                    <a:gs pos="9000">
-                      <a:srgbClr val="FFFFFF">
-                        <a:tint val="52000"/>
-                        <a:satMod val="300000"/>
-                      </a:srgbClr>
-                    </a:gs>
-                    <a:gs pos="50000">
-                      <a:srgbClr val="FFFFFF">
-                        <a:shade val="20000"/>
-                        <a:satMod val="300000"/>
-                      </a:srgbClr>
-                    </a:gs>
-                    <a:gs pos="79000">
-                      <a:srgbClr val="FFFFFF">
-                        <a:tint val="52000"/>
-                        <a:satMod val="300000"/>
-                      </a:srgbClr>
-                    </a:gs>
-                    <a:gs pos="100000">
-                      <a:srgbClr val="FFFFFF">
-                        <a:tint val="40000"/>
-                        <a:satMod val="250000"/>
-                      </a:srgbClr>
-                    </a:gs>
-                  </a:gsLst>
-                  <a:lin ang="5400000"/>
-                </a:gradFill>
-              </a:endParaRPr>
-            </a:p>
-          </p:txBody>
-        </p:sp>
-        <p:sp>
-          <p:nvSpPr>
-            <p:cNvPr id="7" name="Rechteck 6"/>
-            <p:cNvSpPr/>
-            <p:nvPr/>
-          </p:nvSpPr>
-          <p:spPr>
-            <a:xfrm>
-              <a:off x="5220072" y="5013176"/>
-              <a:ext cx="1152128" cy="972524"/>
-            </a:xfrm>
-            <a:prstGeom prst="rect">
-              <a:avLst/>
-            </a:prstGeom>
-            <a:solidFill>
-              <a:srgbClr val="FFFF00"/>
-            </a:solidFill>
-            <a:ln w="12700"/>
-          </p:spPr>
-          <p:style>
-            <a:lnRef idx="2">
-              <a:schemeClr val="dk1"/>
-            </a:lnRef>
-            <a:fillRef idx="1">
-              <a:schemeClr val="lt1"/>
-            </a:fillRef>
-            <a:effectRef idx="0">
-              <a:schemeClr val="dk1"/>
-            </a:effectRef>
-            <a:fontRef idx="minor">
-              <a:schemeClr val="dk1"/>
-            </a:fontRef>
-          </p:style>
-          <p:txBody>
-            <a:bodyPr rtlCol="0" anchor="ctr"/>
-            <a:lstStyle/>
-            <a:p>
-              <a:pPr algn="ctr"/>
-              <a:endParaRPr lang="de-CH" b="1">
-                <a:ln w="10541" cmpd="sng">
-                  <a:solidFill>
-                    <a:srgbClr val="7D7D7D">
-                      <a:tint val="100000"/>
-                      <a:shade val="100000"/>
-                      <a:satMod val="110000"/>
-                    </a:srgbClr>
-                  </a:solidFill>
-                  <a:prstDash val="solid"/>
-                </a:ln>
-                <a:gradFill>
-                  <a:gsLst>
-                    <a:gs pos="0">
-                      <a:srgbClr val="FFFFFF">
-                        <a:tint val="40000"/>
-                        <a:satMod val="250000"/>
-                      </a:srgbClr>
-                    </a:gs>
-                    <a:gs pos="9000">
-                      <a:srgbClr val="FFFFFF">
-                        <a:tint val="52000"/>
-                        <a:satMod val="300000"/>
-                      </a:srgbClr>
-                    </a:gs>
-                    <a:gs pos="50000">
-                      <a:srgbClr val="FFFFFF">
-                        <a:shade val="20000"/>
-                        <a:satMod val="300000"/>
-                      </a:srgbClr>
-                    </a:gs>
-                    <a:gs pos="79000">
-                      <a:srgbClr val="FFFFFF">
-                        <a:tint val="52000"/>
-                        <a:satMod val="300000"/>
-                      </a:srgbClr>
-                    </a:gs>
-                    <a:gs pos="100000">
-                      <a:srgbClr val="FFFFFF">
-                        <a:tint val="40000"/>
-                        <a:satMod val="250000"/>
-                      </a:srgbClr>
-                    </a:gs>
-                  </a:gsLst>
-                  <a:lin ang="5400000"/>
-                </a:gradFill>
-              </a:endParaRPr>
-            </a:p>
-          </p:txBody>
-        </p:sp>
-        <p:sp>
-          <p:nvSpPr>
-            <p:cNvPr id="8" name="Rechteck 7"/>
-            <p:cNvSpPr/>
-            <p:nvPr/>
-          </p:nvSpPr>
-          <p:spPr>
-            <a:xfrm>
-              <a:off x="6372200" y="5013176"/>
-              <a:ext cx="1152128" cy="972524"/>
-            </a:xfrm>
-            <a:prstGeom prst="rect">
-              <a:avLst/>
-            </a:prstGeom>
-            <a:solidFill>
-              <a:srgbClr val="0000FF"/>
-            </a:solidFill>
-            <a:ln w="12700"/>
-          </p:spPr>
-          <p:style>
-            <a:lnRef idx="2">
-              <a:schemeClr val="dk1"/>
-            </a:lnRef>
-            <a:fillRef idx="1">
-              <a:schemeClr val="lt1"/>
-            </a:fillRef>
-            <a:effectRef idx="0">
-              <a:schemeClr val="dk1"/>
-            </a:effectRef>
-            <a:fontRef idx="minor">
-              <a:schemeClr val="dk1"/>
-            </a:fontRef>
-          </p:style>
-          <p:txBody>
-            <a:bodyPr rtlCol="0" anchor="ctr"/>
-            <a:lstStyle/>
-            <a:p>
-              <a:pPr algn="ctr"/>
-              <a:endParaRPr lang="de-CH" b="1">
-                <a:ln w="10541" cmpd="sng">
-                  <a:solidFill>
-                    <a:srgbClr val="7D7D7D">
-                      <a:tint val="100000"/>
-                      <a:shade val="100000"/>
-                      <a:satMod val="110000"/>
-                    </a:srgbClr>
-                  </a:solidFill>
-                  <a:prstDash val="solid"/>
-                </a:ln>
-                <a:gradFill>
-                  <a:gsLst>
-                    <a:gs pos="0">
-                      <a:srgbClr val="FFFFFF">
-                        <a:tint val="40000"/>
-                        <a:satMod val="250000"/>
-                      </a:srgbClr>
-                    </a:gs>
-                    <a:gs pos="9000">
-                      <a:srgbClr val="FFFFFF">
-                        <a:tint val="52000"/>
-                        <a:satMod val="300000"/>
-                      </a:srgbClr>
-                    </a:gs>
-                    <a:gs pos="50000">
-                      <a:srgbClr val="FFFFFF">
-                        <a:shade val="20000"/>
-                        <a:satMod val="300000"/>
-                      </a:srgbClr>
-                    </a:gs>
-                    <a:gs pos="79000">
-                      <a:srgbClr val="FFFFFF">
-                        <a:tint val="52000"/>
-                        <a:satMod val="300000"/>
-                      </a:srgbClr>
-                    </a:gs>
-                    <a:gs pos="100000">
-                      <a:srgbClr val="FFFFFF">
-                        <a:tint val="40000"/>
-                        <a:satMod val="250000"/>
-                      </a:srgbClr>
-                    </a:gs>
-                  </a:gsLst>
-                  <a:lin ang="5400000"/>
-                </a:gradFill>
-              </a:endParaRPr>
-            </a:p>
-          </p:txBody>
-        </p:sp>
-      </p:grpSp>
-      <p:grpSp>
-        <p:nvGrpSpPr>
-          <p:cNvPr id="13" name="Gruppieren 12"/>
-          <p:cNvGrpSpPr/>
+          <a:prstGeom prst="rect">
+            <a:avLst/>
+          </a:prstGeom>
+          <a:noFill/>
+        </p:spPr>
+      </p:pic>
+      <p:pic>
+        <p:nvPicPr>
+          <p:cNvPr id="2051" name="Picture 3" descr="C:\Users\Reichenbach Cedric\Dropbox\studium\ba\pics presentation\skizze visualization al colors Kopie.jpg"/>
+          <p:cNvPicPr>
+            <a:picLocks noChangeAspect="1" noChangeArrowheads="1"/>
+          </p:cNvPicPr>
           <p:nvPr/>
-        </p:nvGrpSpPr>
-        <p:grpSpPr>
+        </p:nvPicPr>
+        <p:blipFill>
+          <a:blip r:embed="rId3" cstate="print"/>
+          <a:srcRect l="5005" t="20790" r="15468" b="55271"/>
+          <a:stretch>
+            <a:fillRect/>
+          </a:stretch>
+        </p:blipFill>
+        <p:spPr bwMode="auto">
           <a:xfrm>
-            <a:off x="611560" y="3763653"/>
-            <a:ext cx="6912768" cy="1249523"/>
-            <a:chOff x="611560" y="5013176"/>
-            <a:chExt cx="6912768" cy="1249523"/>
+            <a:off x="395535" y="2276872"/>
+            <a:ext cx="8038367" cy="1512168"/>
           </a:xfrm>
-        </p:grpSpPr>
-        <p:grpSp>
-          <p:nvGrpSpPr>
-            <p:cNvPr id="14" name="Gruppieren 13"/>
-            <p:cNvGrpSpPr/>
-            <p:nvPr/>
-          </p:nvGrpSpPr>
-          <p:grpSpPr>
-            <a:xfrm>
-              <a:off x="611560" y="5013176"/>
-              <a:ext cx="6839521" cy="1249523"/>
-              <a:chOff x="1331640" y="5301208"/>
-              <a:chExt cx="2088232" cy="740141"/>
-            </a:xfrm>
-          </p:grpSpPr>
-          <p:sp>
-            <p:nvSpPr>
-              <p:cNvPr id="18" name="Rechteck 17"/>
-              <p:cNvSpPr/>
-              <p:nvPr/>
-            </p:nvSpPr>
-            <p:spPr>
-              <a:xfrm>
-                <a:off x="1331640" y="5301208"/>
-                <a:ext cx="351766" cy="576064"/>
-              </a:xfrm>
-              <a:prstGeom prst="rect">
-                <a:avLst/>
-              </a:prstGeom>
-              <a:solidFill>
-                <a:srgbClr val="FF0000"/>
-              </a:solidFill>
-              <a:ln w="12700"/>
-            </p:spPr>
-            <p:style>
-              <a:lnRef idx="2">
-                <a:schemeClr val="dk1"/>
-              </a:lnRef>
-              <a:fillRef idx="1">
-                <a:schemeClr val="lt1"/>
-              </a:fillRef>
-              <a:effectRef idx="0">
-                <a:schemeClr val="dk1"/>
-              </a:effectRef>
-              <a:fontRef idx="minor">
-                <a:schemeClr val="dk1"/>
-              </a:fontRef>
-            </p:style>
-            <p:txBody>
-              <a:bodyPr rtlCol="0" anchor="ctr"/>
-              <a:lstStyle/>
-              <a:p>
-                <a:pPr algn="ctr"/>
-                <a:endParaRPr lang="de-CH" b="1">
-                  <a:ln w="10541" cmpd="sng">
-                    <a:solidFill>
-                      <a:srgbClr val="7D7D7D">
-                        <a:tint val="100000"/>
-                        <a:shade val="100000"/>
-                        <a:satMod val="110000"/>
-                      </a:srgbClr>
-                    </a:solidFill>
-                    <a:prstDash val="solid"/>
-                  </a:ln>
-                  <a:gradFill>
-                    <a:gsLst>
-                      <a:gs pos="0">
-                        <a:srgbClr val="FFFFFF">
-                          <a:tint val="40000"/>
-                          <a:satMod val="250000"/>
-                        </a:srgbClr>
-                      </a:gs>
-                      <a:gs pos="9000">
-                        <a:srgbClr val="FFFFFF">
-                          <a:tint val="52000"/>
-                          <a:satMod val="300000"/>
-                        </a:srgbClr>
-                      </a:gs>
-                      <a:gs pos="50000">
-                        <a:srgbClr val="FFFFFF">
-                          <a:shade val="20000"/>
-                          <a:satMod val="300000"/>
-                        </a:srgbClr>
-                      </a:gs>
-                      <a:gs pos="79000">
-                        <a:srgbClr val="FFFFFF">
-                          <a:tint val="52000"/>
-                          <a:satMod val="300000"/>
-                        </a:srgbClr>
-                      </a:gs>
-                      <a:gs pos="100000">
-                        <a:srgbClr val="FFFFFF">
-                          <a:tint val="40000"/>
-                          <a:satMod val="250000"/>
-                        </a:srgbClr>
-                      </a:gs>
-                    </a:gsLst>
-                    <a:lin ang="5400000"/>
-                  </a:gradFill>
-                </a:endParaRPr>
-              </a:p>
-            </p:txBody>
-          </p:sp>
-          <p:sp>
-            <p:nvSpPr>
-              <p:cNvPr id="19" name="Rechteck 18"/>
-              <p:cNvSpPr/>
-              <p:nvPr/>
-            </p:nvSpPr>
-            <p:spPr>
-              <a:xfrm>
-                <a:off x="1683406" y="5301208"/>
-                <a:ext cx="351766" cy="576064"/>
-              </a:xfrm>
-              <a:prstGeom prst="rect">
-                <a:avLst/>
-              </a:prstGeom>
-              <a:solidFill>
-                <a:srgbClr val="FF00FF"/>
-              </a:solidFill>
-              <a:ln w="12700"/>
-            </p:spPr>
-            <p:style>
-              <a:lnRef idx="2">
-                <a:schemeClr val="dk1"/>
-              </a:lnRef>
-              <a:fillRef idx="1">
-                <a:schemeClr val="lt1"/>
-              </a:fillRef>
-              <a:effectRef idx="0">
-                <a:schemeClr val="dk1"/>
-              </a:effectRef>
-              <a:fontRef idx="minor">
-                <a:schemeClr val="dk1"/>
-              </a:fontRef>
-            </p:style>
-            <p:txBody>
-              <a:bodyPr rtlCol="0" anchor="ctr"/>
-              <a:lstStyle/>
-              <a:p>
-                <a:pPr algn="ctr"/>
-                <a:endParaRPr lang="de-CH" b="1">
-                  <a:ln w="10541" cmpd="sng">
-                    <a:solidFill>
-                      <a:srgbClr val="7D7D7D">
-                        <a:tint val="100000"/>
-                        <a:shade val="100000"/>
-                        <a:satMod val="110000"/>
-                      </a:srgbClr>
-                    </a:solidFill>
-                    <a:prstDash val="solid"/>
-                  </a:ln>
-                  <a:gradFill>
-                    <a:gsLst>
-                      <a:gs pos="0">
-                        <a:srgbClr val="FFFFFF">
-                          <a:tint val="40000"/>
-                          <a:satMod val="250000"/>
-                        </a:srgbClr>
-                      </a:gs>
-                      <a:gs pos="9000">
-                        <a:srgbClr val="FFFFFF">
-                          <a:tint val="52000"/>
-                          <a:satMod val="300000"/>
-                        </a:srgbClr>
-                      </a:gs>
-                      <a:gs pos="50000">
-                        <a:srgbClr val="FFFFFF">
-                          <a:shade val="20000"/>
-                          <a:satMod val="300000"/>
-                        </a:srgbClr>
-                      </a:gs>
-                      <a:gs pos="79000">
-                        <a:srgbClr val="FFFFFF">
-                          <a:tint val="52000"/>
-                          <a:satMod val="300000"/>
-                        </a:srgbClr>
-                      </a:gs>
-                      <a:gs pos="100000">
-                        <a:srgbClr val="FFFFFF">
-                          <a:tint val="40000"/>
-                          <a:satMod val="250000"/>
-                        </a:srgbClr>
-                      </a:gs>
-                    </a:gsLst>
-                    <a:lin ang="5400000"/>
-                  </a:gradFill>
-                </a:endParaRPr>
-              </a:p>
-            </p:txBody>
-          </p:sp>
-          <p:sp>
-            <p:nvSpPr>
-              <p:cNvPr id="20" name="Rechteck 19"/>
-              <p:cNvSpPr/>
-              <p:nvPr/>
-            </p:nvSpPr>
-            <p:spPr>
-              <a:xfrm>
-                <a:off x="2035172" y="5301208"/>
-                <a:ext cx="351766" cy="576064"/>
-              </a:xfrm>
-              <a:prstGeom prst="rect">
-                <a:avLst/>
-              </a:prstGeom>
-              <a:solidFill>
-                <a:srgbClr val="808080"/>
-              </a:solidFill>
-              <a:ln w="12700"/>
-            </p:spPr>
-            <p:style>
-              <a:lnRef idx="2">
-                <a:schemeClr val="dk1"/>
-              </a:lnRef>
-              <a:fillRef idx="1">
-                <a:schemeClr val="lt1"/>
-              </a:fillRef>
-              <a:effectRef idx="0">
-                <a:schemeClr val="dk1"/>
-              </a:effectRef>
-              <a:fontRef idx="minor">
-                <a:schemeClr val="dk1"/>
-              </a:fontRef>
-            </p:style>
-            <p:txBody>
-              <a:bodyPr rtlCol="0" anchor="ctr"/>
-              <a:lstStyle/>
-              <a:p>
-                <a:pPr algn="ctr"/>
-                <a:endParaRPr lang="de-CH" b="1">
-                  <a:ln w="10541" cmpd="sng">
-                    <a:solidFill>
-                      <a:srgbClr val="7D7D7D">
-                        <a:tint val="100000"/>
-                        <a:shade val="100000"/>
-                        <a:satMod val="110000"/>
-                      </a:srgbClr>
-                    </a:solidFill>
-                    <a:prstDash val="solid"/>
-                  </a:ln>
-                  <a:gradFill>
-                    <a:gsLst>
-                      <a:gs pos="0">
-                        <a:srgbClr val="FFFFFF">
-                          <a:tint val="40000"/>
-                          <a:satMod val="250000"/>
-                        </a:srgbClr>
-                      </a:gs>
-                      <a:gs pos="9000">
-                        <a:srgbClr val="FFFFFF">
-                          <a:tint val="52000"/>
-                          <a:satMod val="300000"/>
-                        </a:srgbClr>
-                      </a:gs>
-                      <a:gs pos="50000">
-                        <a:srgbClr val="FFFFFF">
-                          <a:shade val="20000"/>
-                          <a:satMod val="300000"/>
-                        </a:srgbClr>
-                      </a:gs>
-                      <a:gs pos="79000">
-                        <a:srgbClr val="FFFFFF">
-                          <a:tint val="52000"/>
-                          <a:satMod val="300000"/>
-                        </a:srgbClr>
-                      </a:gs>
-                      <a:gs pos="100000">
-                        <a:srgbClr val="FFFFFF">
-                          <a:tint val="40000"/>
-                          <a:satMod val="250000"/>
-                        </a:srgbClr>
-                      </a:gs>
-                    </a:gsLst>
-                    <a:lin ang="5400000"/>
-                  </a:gradFill>
-                </a:endParaRPr>
-              </a:p>
-            </p:txBody>
-          </p:sp>
-          <p:sp>
-            <p:nvSpPr>
-              <p:cNvPr id="21" name="Textfeld 20"/>
-              <p:cNvSpPr txBox="1"/>
-              <p:nvPr/>
-            </p:nvSpPr>
-            <p:spPr>
-              <a:xfrm>
-                <a:off x="1338417" y="5877272"/>
-                <a:ext cx="2081455" cy="164077"/>
-              </a:xfrm>
-              <a:prstGeom prst="rect">
-                <a:avLst/>
-              </a:prstGeom>
-              <a:noFill/>
-            </p:spPr>
-            <p:txBody>
-              <a:bodyPr wrap="square" rtlCol="0">
-                <a:spAutoFit/>
-              </a:bodyPr>
-              <a:lstStyle/>
-              <a:p>
-                <a:r>
-                  <a:rPr lang="de-CH" sz="1200" i="1" dirty="0" smtClean="0"/>
-                  <a:t>ArrayList</a:t>
-                </a:r>
-                <a:endParaRPr lang="de-CH" sz="1200" i="1" dirty="0"/>
-              </a:p>
-            </p:txBody>
-          </p:sp>
-        </p:grpSp>
-        <p:sp>
-          <p:nvSpPr>
-            <p:cNvPr id="15" name="Rechteck 14"/>
-            <p:cNvSpPr/>
-            <p:nvPr/>
-          </p:nvSpPr>
-          <p:spPr>
-            <a:xfrm>
-              <a:off x="4067944" y="5013176"/>
-              <a:ext cx="1152128" cy="972524"/>
-            </a:xfrm>
-            <a:prstGeom prst="rect">
-              <a:avLst/>
-            </a:prstGeom>
-            <a:solidFill>
-              <a:srgbClr val="00FF00"/>
-            </a:solidFill>
-            <a:ln w="12700"/>
-          </p:spPr>
-          <p:style>
-            <a:lnRef idx="2">
-              <a:schemeClr val="dk1"/>
-            </a:lnRef>
-            <a:fillRef idx="1">
-              <a:schemeClr val="lt1"/>
-            </a:fillRef>
-            <a:effectRef idx="0">
-              <a:schemeClr val="dk1"/>
-            </a:effectRef>
-            <a:fontRef idx="minor">
-              <a:schemeClr val="dk1"/>
-            </a:fontRef>
-          </p:style>
-          <p:txBody>
-            <a:bodyPr rtlCol="0" anchor="ctr"/>
-            <a:lstStyle/>
-            <a:p>
-              <a:pPr algn="ctr"/>
-              <a:endParaRPr lang="de-CH" b="1">
-                <a:ln w="10541" cmpd="sng">
-                  <a:solidFill>
-                    <a:srgbClr val="7D7D7D">
-                      <a:tint val="100000"/>
-                      <a:shade val="100000"/>
-                      <a:satMod val="110000"/>
-                    </a:srgbClr>
-                  </a:solidFill>
-                  <a:prstDash val="solid"/>
-                </a:ln>
-                <a:gradFill>
-                  <a:gsLst>
-                    <a:gs pos="0">
-                      <a:srgbClr val="FFFFFF">
-                        <a:tint val="40000"/>
-                        <a:satMod val="250000"/>
-                      </a:srgbClr>
-                    </a:gs>
-                    <a:gs pos="9000">
-                      <a:srgbClr val="FFFFFF">
-                        <a:tint val="52000"/>
-                        <a:satMod val="300000"/>
-                      </a:srgbClr>
-                    </a:gs>
-                    <a:gs pos="50000">
-                      <a:srgbClr val="FFFFFF">
-                        <a:shade val="20000"/>
-                        <a:satMod val="300000"/>
-                      </a:srgbClr>
-                    </a:gs>
-                    <a:gs pos="79000">
-                      <a:srgbClr val="FFFFFF">
-                        <a:tint val="52000"/>
-                        <a:satMod val="300000"/>
-                      </a:srgbClr>
-                    </a:gs>
-                    <a:gs pos="100000">
-                      <a:srgbClr val="FFFFFF">
-                        <a:tint val="40000"/>
-                        <a:satMod val="250000"/>
-                      </a:srgbClr>
-                    </a:gs>
-                  </a:gsLst>
-                  <a:lin ang="5400000"/>
-                </a:gradFill>
-              </a:endParaRPr>
-            </a:p>
-          </p:txBody>
-        </p:sp>
-        <p:sp>
-          <p:nvSpPr>
-            <p:cNvPr id="16" name="Rechteck 15"/>
-            <p:cNvSpPr/>
-            <p:nvPr/>
-          </p:nvSpPr>
-          <p:spPr>
-            <a:xfrm>
-              <a:off x="5220072" y="5013176"/>
-              <a:ext cx="1152128" cy="972524"/>
-            </a:xfrm>
-            <a:prstGeom prst="rect">
-              <a:avLst/>
-            </a:prstGeom>
-            <a:solidFill>
-              <a:srgbClr val="FFFF00"/>
-            </a:solidFill>
-            <a:ln w="12700"/>
-          </p:spPr>
-          <p:style>
-            <a:lnRef idx="2">
-              <a:schemeClr val="dk1"/>
-            </a:lnRef>
-            <a:fillRef idx="1">
-              <a:schemeClr val="lt1"/>
-            </a:fillRef>
-            <a:effectRef idx="0">
-              <a:schemeClr val="dk1"/>
-            </a:effectRef>
-            <a:fontRef idx="minor">
-              <a:schemeClr val="dk1"/>
-            </a:fontRef>
-          </p:style>
-          <p:txBody>
-            <a:bodyPr rtlCol="0" anchor="ctr"/>
-            <a:lstStyle/>
-            <a:p>
-              <a:pPr algn="ctr"/>
-              <a:endParaRPr lang="de-CH" b="1">
-                <a:ln w="10541" cmpd="sng">
-                  <a:solidFill>
-                    <a:srgbClr val="7D7D7D">
-                      <a:tint val="100000"/>
-                      <a:shade val="100000"/>
-                      <a:satMod val="110000"/>
-                    </a:srgbClr>
-                  </a:solidFill>
-                  <a:prstDash val="solid"/>
-                </a:ln>
-                <a:gradFill>
-                  <a:gsLst>
-                    <a:gs pos="0">
-                      <a:srgbClr val="FFFFFF">
-                        <a:tint val="40000"/>
-                        <a:satMod val="250000"/>
-                      </a:srgbClr>
-                    </a:gs>
-                    <a:gs pos="9000">
-                      <a:srgbClr val="FFFFFF">
-                        <a:tint val="52000"/>
-                        <a:satMod val="300000"/>
-                      </a:srgbClr>
-                    </a:gs>
-                    <a:gs pos="50000">
-                      <a:srgbClr val="FFFFFF">
-                        <a:shade val="20000"/>
-                        <a:satMod val="300000"/>
-                      </a:srgbClr>
-                    </a:gs>
-                    <a:gs pos="79000">
-                      <a:srgbClr val="FFFFFF">
-                        <a:tint val="52000"/>
-                        <a:satMod val="300000"/>
-                      </a:srgbClr>
-                    </a:gs>
-                    <a:gs pos="100000">
-                      <a:srgbClr val="FFFFFF">
-                        <a:tint val="40000"/>
-                        <a:satMod val="250000"/>
-                      </a:srgbClr>
-                    </a:gs>
-                  </a:gsLst>
-                  <a:lin ang="5400000"/>
-                </a:gradFill>
-              </a:endParaRPr>
-            </a:p>
-          </p:txBody>
-        </p:sp>
-        <p:sp>
-          <p:nvSpPr>
-            <p:cNvPr id="17" name="Rechteck 16"/>
-            <p:cNvSpPr/>
-            <p:nvPr/>
-          </p:nvSpPr>
-          <p:spPr>
-            <a:xfrm>
-              <a:off x="6372200" y="5013176"/>
-              <a:ext cx="1152128" cy="972524"/>
-            </a:xfrm>
-            <a:prstGeom prst="rect">
-              <a:avLst/>
-            </a:prstGeom>
-            <a:solidFill>
-              <a:srgbClr val="0000FF"/>
-            </a:solidFill>
-            <a:ln w="12700"/>
-          </p:spPr>
-          <p:style>
-            <a:lnRef idx="2">
-              <a:schemeClr val="dk1"/>
-            </a:lnRef>
-            <a:fillRef idx="1">
-              <a:schemeClr val="lt1"/>
-            </a:fillRef>
-            <a:effectRef idx="0">
-              <a:schemeClr val="dk1"/>
-            </a:effectRef>
-            <a:fontRef idx="minor">
-              <a:schemeClr val="dk1"/>
-            </a:fontRef>
-          </p:style>
-          <p:txBody>
-            <a:bodyPr rtlCol="0" anchor="ctr"/>
-            <a:lstStyle/>
-            <a:p>
-              <a:pPr algn="ctr"/>
-              <a:endParaRPr lang="de-CH" b="1">
-                <a:ln w="10541" cmpd="sng">
-                  <a:solidFill>
-                    <a:srgbClr val="7D7D7D">
-                      <a:tint val="100000"/>
-                      <a:shade val="100000"/>
-                      <a:satMod val="110000"/>
-                    </a:srgbClr>
-                  </a:solidFill>
-                  <a:prstDash val="solid"/>
-                </a:ln>
-                <a:gradFill>
-                  <a:gsLst>
-                    <a:gs pos="0">
-                      <a:srgbClr val="FFFFFF">
-                        <a:tint val="40000"/>
-                        <a:satMod val="250000"/>
-                      </a:srgbClr>
-                    </a:gs>
-                    <a:gs pos="9000">
-                      <a:srgbClr val="FFFFFF">
-                        <a:tint val="52000"/>
-                        <a:satMod val="300000"/>
-                      </a:srgbClr>
-                    </a:gs>
-                    <a:gs pos="50000">
-                      <a:srgbClr val="FFFFFF">
-                        <a:shade val="20000"/>
-                        <a:satMod val="300000"/>
-                      </a:srgbClr>
-                    </a:gs>
-                    <a:gs pos="79000">
-                      <a:srgbClr val="FFFFFF">
-                        <a:tint val="52000"/>
-                        <a:satMod val="300000"/>
-                      </a:srgbClr>
-                    </a:gs>
-                    <a:gs pos="100000">
-                      <a:srgbClr val="FFFFFF">
-                        <a:tint val="40000"/>
-                        <a:satMod val="250000"/>
-                      </a:srgbClr>
-                    </a:gs>
-                  </a:gsLst>
-                  <a:lin ang="5400000"/>
-                </a:gradFill>
-              </a:endParaRPr>
-            </a:p>
-          </p:txBody>
-        </p:sp>
-      </p:grpSp>
+          <a:prstGeom prst="rect">
+            <a:avLst/>
+          </a:prstGeom>
+          <a:noFill/>
+        </p:spPr>
+      </p:pic>
     </p:spTree>
     <p:extLst>
       <p:ext uri="{BB962C8B-B14F-4D97-AF65-F5344CB8AC3E}">
-        <p14:creationId xmlns="" xmlns:p14="http://schemas.microsoft.com/office/powerpoint/2010/main" val="323489840"/>
+        <p14:creationId xmlns:p14="http://schemas.microsoft.com/office/powerpoint/2010/main" xmlns="" val="323489840"/>
       </p:ext>
     </p:extLst>
   </p:cSld>

--- a/presentation/Visualizing Objects in Java.pptx
+++ b/presentation/Visualizing Objects in Java.pptx
@@ -5,7 +5,7 @@
     <p:sldMasterId id="2147483648" r:id="rId1"/>
   </p:sldMasterIdLst>
   <p:notesMasterIdLst>
-    <p:notesMasterId r:id="rId18"/>
+    <p:notesMasterId r:id="rId17"/>
   </p:notesMasterIdLst>
   <p:sldIdLst>
     <p:sldId id="256" r:id="rId2"/>
@@ -23,7 +23,6 @@
     <p:sldId id="272" r:id="rId14"/>
     <p:sldId id="273" r:id="rId15"/>
     <p:sldId id="274" r:id="rId16"/>
-    <p:sldId id="266" r:id="rId17"/>
   </p:sldIdLst>
   <p:sldSz cx="9144000" cy="6858000" type="screen4x3"/>
   <p:notesSz cx="6858000" cy="9144000"/>
@@ -208,7 +207,7 @@
             <a:fld id="{E931869C-E73F-44A3-8111-9724D18AD708}" type="datetimeFigureOut">
               <a:rPr lang="de-CH" smtClean="0"/>
               <a:pPr/>
-              <a:t>09.06.2011</a:t>
+              <a:t>13.06.2011</a:t>
             </a:fld>
             <a:endParaRPr lang="de-CH"/>
           </a:p>
@@ -379,7 +378,7 @@
     </p:spTree>
     <p:extLst>
       <p:ext uri="{BB962C8B-B14F-4D97-AF65-F5344CB8AC3E}">
-        <p14:creationId xmlns="" xmlns:p14="http://schemas.microsoft.com/office/powerpoint/2010/main" val="1372044409"/>
+        <p14:creationId xmlns:p14="http://schemas.microsoft.com/office/powerpoint/2010/main" xmlns="" val="1372044409"/>
       </p:ext>
     </p:extLst>
   </p:cSld>
@@ -661,7 +660,7 @@
             <a:fld id="{0B9876C0-AAE7-474F-8265-493986A54767}" type="datetimeFigureOut">
               <a:rPr lang="de-CH" smtClean="0"/>
               <a:pPr/>
-              <a:t>09.06.2011</a:t>
+              <a:t>13.06.2011</a:t>
             </a:fld>
             <a:endParaRPr lang="de-CH"/>
           </a:p>
@@ -828,7 +827,7 @@
             <a:fld id="{0B9876C0-AAE7-474F-8265-493986A54767}" type="datetimeFigureOut">
               <a:rPr lang="de-CH" smtClean="0"/>
               <a:pPr/>
-              <a:t>09.06.2011</a:t>
+              <a:t>13.06.2011</a:t>
             </a:fld>
             <a:endParaRPr lang="de-CH"/>
           </a:p>
@@ -1005,7 +1004,7 @@
             <a:fld id="{0B9876C0-AAE7-474F-8265-493986A54767}" type="datetimeFigureOut">
               <a:rPr lang="de-CH" smtClean="0"/>
               <a:pPr/>
-              <a:t>09.06.2011</a:t>
+              <a:t>13.06.2011</a:t>
             </a:fld>
             <a:endParaRPr lang="de-CH"/>
           </a:p>
@@ -1172,7 +1171,7 @@
             <a:fld id="{0B9876C0-AAE7-474F-8265-493986A54767}" type="datetimeFigureOut">
               <a:rPr lang="de-CH" smtClean="0"/>
               <a:pPr/>
-              <a:t>09.06.2011</a:t>
+              <a:t>13.06.2011</a:t>
             </a:fld>
             <a:endParaRPr lang="de-CH"/>
           </a:p>
@@ -1415,7 +1414,7 @@
             <a:fld id="{0B9876C0-AAE7-474F-8265-493986A54767}" type="datetimeFigureOut">
               <a:rPr lang="de-CH" smtClean="0"/>
               <a:pPr/>
-              <a:t>09.06.2011</a:t>
+              <a:t>13.06.2011</a:t>
             </a:fld>
             <a:endParaRPr lang="de-CH"/>
           </a:p>
@@ -1700,7 +1699,7 @@
             <a:fld id="{0B9876C0-AAE7-474F-8265-493986A54767}" type="datetimeFigureOut">
               <a:rPr lang="de-CH" smtClean="0"/>
               <a:pPr/>
-              <a:t>09.06.2011</a:t>
+              <a:t>13.06.2011</a:t>
             </a:fld>
             <a:endParaRPr lang="de-CH"/>
           </a:p>
@@ -2119,7 +2118,7 @@
             <a:fld id="{0B9876C0-AAE7-474F-8265-493986A54767}" type="datetimeFigureOut">
               <a:rPr lang="de-CH" smtClean="0"/>
               <a:pPr/>
-              <a:t>09.06.2011</a:t>
+              <a:t>13.06.2011</a:t>
             </a:fld>
             <a:endParaRPr lang="de-CH"/>
           </a:p>
@@ -2234,7 +2233,7 @@
             <a:fld id="{0B9876C0-AAE7-474F-8265-493986A54767}" type="datetimeFigureOut">
               <a:rPr lang="de-CH" smtClean="0"/>
               <a:pPr/>
-              <a:t>09.06.2011</a:t>
+              <a:t>13.06.2011</a:t>
             </a:fld>
             <a:endParaRPr lang="de-CH"/>
           </a:p>
@@ -2326,7 +2325,7 @@
             <a:fld id="{0B9876C0-AAE7-474F-8265-493986A54767}" type="datetimeFigureOut">
               <a:rPr lang="de-CH" smtClean="0"/>
               <a:pPr/>
-              <a:t>09.06.2011</a:t>
+              <a:t>13.06.2011</a:t>
             </a:fld>
             <a:endParaRPr lang="de-CH"/>
           </a:p>
@@ -2600,7 +2599,7 @@
             <a:fld id="{0B9876C0-AAE7-474F-8265-493986A54767}" type="datetimeFigureOut">
               <a:rPr lang="de-CH" smtClean="0"/>
               <a:pPr/>
-              <a:t>09.06.2011</a:t>
+              <a:t>13.06.2011</a:t>
             </a:fld>
             <a:endParaRPr lang="de-CH"/>
           </a:p>
@@ -2850,7 +2849,7 @@
             <a:fld id="{0B9876C0-AAE7-474F-8265-493986A54767}" type="datetimeFigureOut">
               <a:rPr lang="de-CH" smtClean="0"/>
               <a:pPr/>
-              <a:t>09.06.2011</a:t>
+              <a:t>13.06.2011</a:t>
             </a:fld>
             <a:endParaRPr lang="de-CH"/>
           </a:p>
@@ -3060,7 +3059,7 @@
             <a:fld id="{0B9876C0-AAE7-474F-8265-493986A54767}" type="datetimeFigureOut">
               <a:rPr lang="de-CH" smtClean="0"/>
               <a:pPr/>
-              <a:t>09.06.2011</a:t>
+              <a:t>13.06.2011</a:t>
             </a:fld>
             <a:endParaRPr lang="de-CH"/>
           </a:p>
@@ -3559,25 +3558,6 @@
       </p:grpSpPr>
       <p:sp>
         <p:nvSpPr>
-          <p:cNvPr id="2" name="Titel 1"/>
-          <p:cNvSpPr>
-            <a:spLocks noGrp="1"/>
-          </p:cNvSpPr>
-          <p:nvPr>
-            <p:ph type="title"/>
-          </p:nvPr>
-        </p:nvSpPr>
-        <p:spPr/>
-        <p:txBody>
-          <a:bodyPr/>
-          <a:lstStyle/>
-          <a:p>
-            <a:endParaRPr lang="de-CH" dirty="0"/>
-          </a:p>
-        </p:txBody>
-      </p:sp>
-      <p:sp>
-        <p:nvSpPr>
           <p:cNvPr id="3" name="Inhaltsplatzhalter 2"/>
           <p:cNvSpPr>
             <a:spLocks noGrp="1"/>
@@ -3591,7 +3571,7 @@
           <a:bodyPr/>
           <a:lstStyle/>
           <a:p>
-            <a:endParaRPr lang="de-CH"/>
+            <a:endParaRPr lang="de-CH" dirty="0"/>
           </a:p>
         </p:txBody>
       </p:sp>
@@ -3612,7 +3592,7 @@
         </p:blipFill>
         <p:spPr bwMode="auto">
           <a:xfrm>
-            <a:off x="-468560" y="-27384"/>
+            <a:off x="-468560" y="188640"/>
             <a:ext cx="9794302" cy="6120680"/>
           </a:xfrm>
           <a:prstGeom prst="rect">
@@ -3621,6 +3601,300 @@
           <a:noFill/>
         </p:spPr>
       </p:pic>
+      <p:sp>
+        <p:nvSpPr>
+          <p:cNvPr id="2" name="Titel 1"/>
+          <p:cNvSpPr>
+            <a:spLocks noGrp="1"/>
+          </p:cNvSpPr>
+          <p:nvPr>
+            <p:ph type="title"/>
+          </p:nvPr>
+        </p:nvSpPr>
+        <p:spPr>
+          <a:xfrm>
+            <a:off x="395536" y="0"/>
+            <a:ext cx="8229600" cy="764704"/>
+          </a:xfrm>
+        </p:spPr>
+        <p:txBody>
+          <a:bodyPr/>
+          <a:lstStyle/>
+          <a:p>
+            <a:r>
+              <a:rPr lang="de-CH" dirty="0" smtClean="0"/>
+              <a:t>Style 1</a:t>
+            </a:r>
+            <a:endParaRPr lang="de-CH" dirty="0"/>
+          </a:p>
+        </p:txBody>
+      </p:sp>
+      <p:sp>
+        <p:nvSpPr>
+          <p:cNvPr id="5" name="Rechteck 4"/>
+          <p:cNvSpPr/>
+          <p:nvPr/>
+        </p:nvSpPr>
+        <p:spPr>
+          <a:xfrm>
+            <a:off x="4932040" y="3917955"/>
+            <a:ext cx="3888432" cy="2031325"/>
+          </a:xfrm>
+          <a:prstGeom prst="rect">
+            <a:avLst/>
+          </a:prstGeom>
+        </p:spPr>
+        <p:style>
+          <a:lnRef idx="1">
+            <a:schemeClr val="accent5"/>
+          </a:lnRef>
+          <a:fillRef idx="2">
+            <a:schemeClr val="accent5"/>
+          </a:fillRef>
+          <a:effectRef idx="1">
+            <a:schemeClr val="accent5"/>
+          </a:effectRef>
+          <a:fontRef idx="minor">
+            <a:schemeClr val="dk1"/>
+          </a:fontRef>
+        </p:style>
+        <p:txBody>
+          <a:bodyPr wrap="square">
+            <a:spAutoFit/>
+          </a:bodyPr>
+          <a:lstStyle/>
+          <a:p>
+            <a:pPr>
+              <a:buNone/>
+            </a:pPr>
+            <a:r>
+              <a:rPr lang="de-CH" dirty="0" err="1" smtClean="0">
+                <a:latin typeface="Courier New" pitchFamily="49" charset="0"/>
+                <a:cs typeface="Courier New" pitchFamily="49" charset="0"/>
+              </a:rPr>
+              <a:t>public</a:t>
+            </a:r>
+            <a:r>
+              <a:rPr lang="de-CH" dirty="0" smtClean="0">
+                <a:latin typeface="Courier New" pitchFamily="49" charset="0"/>
+                <a:cs typeface="Courier New" pitchFamily="49" charset="0"/>
+              </a:rPr>
+              <a:t> </a:t>
+            </a:r>
+            <a:r>
+              <a:rPr lang="de-CH" dirty="0" err="1" smtClean="0">
+                <a:latin typeface="Courier New" pitchFamily="49" charset="0"/>
+                <a:cs typeface="Courier New" pitchFamily="49" charset="0"/>
+              </a:rPr>
+              <a:t>void</a:t>
+            </a:r>
+            <a:r>
+              <a:rPr lang="de-CH" dirty="0" smtClean="0">
+                <a:latin typeface="Courier New" pitchFamily="49" charset="0"/>
+                <a:cs typeface="Courier New" pitchFamily="49" charset="0"/>
+              </a:rPr>
+              <a:t> </a:t>
+            </a:r>
+            <a:r>
+              <a:rPr lang="de-CH" dirty="0" err="1" smtClean="0">
+                <a:latin typeface="Courier New" pitchFamily="49" charset="0"/>
+                <a:cs typeface="Courier New" pitchFamily="49" charset="0"/>
+              </a:rPr>
+              <a:t>draw</a:t>
+            </a:r>
+            <a:r>
+              <a:rPr lang="de-CH" dirty="0" smtClean="0">
+                <a:latin typeface="Courier New" pitchFamily="49" charset="0"/>
+                <a:cs typeface="Courier New" pitchFamily="49" charset="0"/>
+              </a:rPr>
+              <a:t>(</a:t>
+            </a:r>
+            <a:r>
+              <a:rPr lang="de-CH" dirty="0" err="1" smtClean="0">
+                <a:latin typeface="Courier New" pitchFamily="49" charset="0"/>
+                <a:cs typeface="Courier New" pitchFamily="49" charset="0"/>
+              </a:rPr>
+              <a:t>Doodler</a:t>
+            </a:r>
+            <a:r>
+              <a:rPr lang="de-CH" dirty="0" smtClean="0">
+                <a:latin typeface="Courier New" pitchFamily="49" charset="0"/>
+                <a:cs typeface="Courier New" pitchFamily="49" charset="0"/>
+              </a:rPr>
+              <a:t> d) {</a:t>
+            </a:r>
+          </a:p>
+          <a:p>
+            <a:pPr>
+              <a:buNone/>
+            </a:pPr>
+            <a:r>
+              <a:rPr lang="de-CH" dirty="0" smtClean="0">
+                <a:latin typeface="Courier New" pitchFamily="49" charset="0"/>
+                <a:cs typeface="Courier New" pitchFamily="49" charset="0"/>
+              </a:rPr>
+              <a:t>  </a:t>
+            </a:r>
+            <a:r>
+              <a:rPr lang="de-CH" dirty="0" err="1" smtClean="0">
+                <a:latin typeface="Courier New" pitchFamily="49" charset="0"/>
+                <a:cs typeface="Courier New" pitchFamily="49" charset="0"/>
+              </a:rPr>
+              <a:t>d.draw</a:t>
+            </a:r>
+            <a:r>
+              <a:rPr lang="de-CH" dirty="0" smtClean="0">
+                <a:latin typeface="Courier New" pitchFamily="49" charset="0"/>
+                <a:cs typeface="Courier New" pitchFamily="49" charset="0"/>
+              </a:rPr>
+              <a:t>(</a:t>
+            </a:r>
+            <a:r>
+              <a:rPr lang="de-CH" dirty="0" err="1" smtClean="0">
+                <a:latin typeface="Courier New" pitchFamily="49" charset="0"/>
+                <a:cs typeface="Courier New" pitchFamily="49" charset="0"/>
+              </a:rPr>
+              <a:t>players</a:t>
+            </a:r>
+            <a:r>
+              <a:rPr lang="de-CH" dirty="0" smtClean="0">
+                <a:latin typeface="Courier New" pitchFamily="49" charset="0"/>
+                <a:cs typeface="Courier New" pitchFamily="49" charset="0"/>
+              </a:rPr>
+              <a:t>);</a:t>
+            </a:r>
+          </a:p>
+          <a:p>
+            <a:pPr>
+              <a:buNone/>
+            </a:pPr>
+            <a:r>
+              <a:rPr lang="de-CH" dirty="0" smtClean="0">
+                <a:latin typeface="Courier New" pitchFamily="49" charset="0"/>
+                <a:cs typeface="Courier New" pitchFamily="49" charset="0"/>
+              </a:rPr>
+              <a:t>  </a:t>
+            </a:r>
+            <a:r>
+              <a:rPr lang="de-CH" dirty="0" err="1" smtClean="0">
+                <a:latin typeface="Courier New" pitchFamily="49" charset="0"/>
+                <a:cs typeface="Courier New" pitchFamily="49" charset="0"/>
+              </a:rPr>
+              <a:t>d.draw</a:t>
+            </a:r>
+            <a:r>
+              <a:rPr lang="de-CH" dirty="0" smtClean="0">
+                <a:latin typeface="Courier New" pitchFamily="49" charset="0"/>
+                <a:cs typeface="Courier New" pitchFamily="49" charset="0"/>
+              </a:rPr>
+              <a:t>(</a:t>
+            </a:r>
+            <a:r>
+              <a:rPr lang="de-CH" dirty="0" err="1" smtClean="0">
+                <a:latin typeface="Courier New" pitchFamily="49" charset="0"/>
+                <a:cs typeface="Courier New" pitchFamily="49" charset="0"/>
+              </a:rPr>
+              <a:t>scopeBoard</a:t>
+            </a:r>
+            <a:r>
+              <a:rPr lang="de-CH" dirty="0" smtClean="0">
+                <a:latin typeface="Courier New" pitchFamily="49" charset="0"/>
+                <a:cs typeface="Courier New" pitchFamily="49" charset="0"/>
+              </a:rPr>
+              <a:t>);</a:t>
+            </a:r>
+          </a:p>
+          <a:p>
+            <a:pPr>
+              <a:buNone/>
+            </a:pPr>
+            <a:r>
+              <a:rPr lang="de-CH" dirty="0" smtClean="0">
+                <a:latin typeface="Courier New" pitchFamily="49" charset="0"/>
+                <a:cs typeface="Courier New" pitchFamily="49" charset="0"/>
+              </a:rPr>
+              <a:t>  </a:t>
+            </a:r>
+            <a:r>
+              <a:rPr lang="de-CH" dirty="0" err="1" smtClean="0">
+                <a:latin typeface="Courier New" pitchFamily="49" charset="0"/>
+                <a:cs typeface="Courier New" pitchFamily="49" charset="0"/>
+              </a:rPr>
+              <a:t>d.drawSmall</a:t>
+            </a:r>
+            <a:r>
+              <a:rPr lang="de-CH" dirty="0" smtClean="0">
+                <a:latin typeface="Courier New" pitchFamily="49" charset="0"/>
+                <a:cs typeface="Courier New" pitchFamily="49" charset="0"/>
+              </a:rPr>
+              <a:t>(</a:t>
+            </a:r>
+            <a:r>
+              <a:rPr lang="de-CH" dirty="0" err="1" smtClean="0">
+                <a:latin typeface="Courier New" pitchFamily="49" charset="0"/>
+                <a:cs typeface="Courier New" pitchFamily="49" charset="0"/>
+              </a:rPr>
+              <a:t>curPlayer</a:t>
+            </a:r>
+            <a:r>
+              <a:rPr lang="de-CH" dirty="0" smtClean="0">
+                <a:latin typeface="Courier New" pitchFamily="49" charset="0"/>
+                <a:cs typeface="Courier New" pitchFamily="49" charset="0"/>
+              </a:rPr>
+              <a:t>);</a:t>
+            </a:r>
+          </a:p>
+          <a:p>
+            <a:pPr>
+              <a:buNone/>
+            </a:pPr>
+            <a:r>
+              <a:rPr lang="de-CH" dirty="0" smtClean="0">
+                <a:latin typeface="Courier New" pitchFamily="49" charset="0"/>
+                <a:cs typeface="Courier New" pitchFamily="49" charset="0"/>
+              </a:rPr>
+              <a:t>  </a:t>
+            </a:r>
+            <a:r>
+              <a:rPr lang="de-CH" dirty="0" err="1" smtClean="0">
+                <a:latin typeface="Courier New" pitchFamily="49" charset="0"/>
+                <a:cs typeface="Courier New" pitchFamily="49" charset="0"/>
+              </a:rPr>
+              <a:t>d.drawOuter</a:t>
+            </a:r>
+            <a:r>
+              <a:rPr lang="de-CH" dirty="0" smtClean="0">
+                <a:latin typeface="Courier New" pitchFamily="49" charset="0"/>
+                <a:cs typeface="Courier New" pitchFamily="49" charset="0"/>
+              </a:rPr>
+              <a:t>(die</a:t>
+            </a:r>
+            <a:r>
+              <a:rPr lang="de-CH" dirty="0" smtClean="0">
+                <a:latin typeface="Courier New" pitchFamily="49" charset="0"/>
+                <a:cs typeface="Courier New" pitchFamily="49" charset="0"/>
+              </a:rPr>
+              <a:t>);</a:t>
+            </a:r>
+          </a:p>
+          <a:p>
+            <a:pPr>
+              <a:buNone/>
+            </a:pPr>
+            <a:r>
+              <a:rPr lang="de-CH" dirty="0" smtClean="0">
+                <a:latin typeface="Courier New" pitchFamily="49" charset="0"/>
+                <a:cs typeface="Courier New" pitchFamily="49" charset="0"/>
+              </a:rPr>
+              <a:t>}</a:t>
+            </a:r>
+            <a:endParaRPr lang="de-CH" dirty="0">
+              <a:latin typeface="Courier New" pitchFamily="49" charset="0"/>
+              <a:cs typeface="Courier New" pitchFamily="49" charset="0"/>
+            </a:endParaRPr>
+          </a:p>
+        </p:txBody>
+      </p:sp>
     </p:spTree>
   </p:cSld>
   <p:clrMapOvr>
@@ -3708,7 +3982,7 @@
         </p:blipFill>
         <p:spPr bwMode="auto">
           <a:xfrm>
-            <a:off x="-108520" y="-288032"/>
+            <a:off x="-108520" y="-144016"/>
             <a:ext cx="10326618" cy="6453336"/>
           </a:xfrm>
           <a:prstGeom prst="rect">
@@ -3717,6 +3991,132 @@
           <a:noFill/>
         </p:spPr>
       </p:pic>
+      <p:sp>
+        <p:nvSpPr>
+          <p:cNvPr id="5" name="Rechteck 4"/>
+          <p:cNvSpPr/>
+          <p:nvPr/>
+        </p:nvSpPr>
+        <p:spPr>
+          <a:xfrm>
+            <a:off x="6012160" y="5085184"/>
+            <a:ext cx="2592288" cy="369332"/>
+          </a:xfrm>
+          <a:prstGeom prst="rect">
+            <a:avLst/>
+          </a:prstGeom>
+        </p:spPr>
+        <p:style>
+          <a:lnRef idx="1">
+            <a:schemeClr val="accent5"/>
+          </a:lnRef>
+          <a:fillRef idx="2">
+            <a:schemeClr val="accent5"/>
+          </a:fillRef>
+          <a:effectRef idx="1">
+            <a:schemeClr val="accent5"/>
+          </a:effectRef>
+          <a:fontRef idx="minor">
+            <a:schemeClr val="dk1"/>
+          </a:fontRef>
+        </p:style>
+        <p:txBody>
+          <a:bodyPr wrap="square">
+            <a:spAutoFit/>
+          </a:bodyPr>
+          <a:lstStyle/>
+          <a:p>
+            <a:pPr>
+              <a:buNone/>
+            </a:pPr>
+            <a:r>
+              <a:rPr lang="de-CH" dirty="0" smtClean="0">
+                <a:latin typeface="Courier New" pitchFamily="49" charset="0"/>
+                <a:cs typeface="Courier New" pitchFamily="49" charset="0"/>
+              </a:rPr>
+              <a:t>D.raw(p2);</a:t>
+            </a:r>
+            <a:endParaRPr lang="de-CH" dirty="0">
+              <a:latin typeface="Courier New" pitchFamily="49" charset="0"/>
+              <a:cs typeface="Courier New" pitchFamily="49" charset="0"/>
+            </a:endParaRPr>
+          </a:p>
+        </p:txBody>
+      </p:sp>
+      <p:sp>
+        <p:nvSpPr>
+          <p:cNvPr id="8" name="Titel 1"/>
+          <p:cNvSpPr txBox="1">
+            <a:spLocks/>
+          </p:cNvSpPr>
+          <p:nvPr/>
+        </p:nvSpPr>
+        <p:spPr>
+          <a:xfrm>
+            <a:off x="395536" y="0"/>
+            <a:ext cx="8229600" cy="764704"/>
+          </a:xfrm>
+          <a:prstGeom prst="rect">
+            <a:avLst/>
+          </a:prstGeom>
+        </p:spPr>
+        <p:txBody>
+          <a:bodyPr vert="horz" lIns="91440" tIns="45720" rIns="91440" bIns="45720" rtlCol="0" anchor="ctr">
+            <a:normAutofit/>
+          </a:bodyPr>
+          <a:lstStyle/>
+          <a:p>
+            <a:pPr marL="0" marR="0" lvl="0" indent="0" algn="ctr" defTabSz="914400" rtl="0" eaLnBrk="1" fontAlgn="auto" latinLnBrk="0" hangingPunct="1">
+              <a:lnSpc>
+                <a:spcPct val="100000"/>
+              </a:lnSpc>
+              <a:spcBef>
+                <a:spcPct val="0"/>
+              </a:spcBef>
+              <a:spcAft>
+                <a:spcPts val="0"/>
+              </a:spcAft>
+              <a:buClrTx/>
+              <a:buSzTx/>
+              <a:buFontTx/>
+              <a:buNone/>
+              <a:tabLst/>
+              <a:defRPr/>
+            </a:pPr>
+            <a:r>
+              <a:rPr kumimoji="0" lang="de-CH" sz="4400" b="0" i="0" u="none" strike="noStrike" kern="1200" cap="none" spc="0" normalizeH="0" baseline="0" noProof="0" smtClean="0">
+                <a:ln>
+                  <a:noFill/>
+                </a:ln>
+                <a:solidFill>
+                  <a:schemeClr val="tx1"/>
+                </a:solidFill>
+                <a:effectLst/>
+                <a:uLnTx/>
+                <a:uFillTx/>
+                <a:latin typeface="+mj-lt"/>
+                <a:ea typeface="+mj-ea"/>
+                <a:cs typeface="+mj-cs"/>
+              </a:rPr>
+              <a:t>Style 1</a:t>
+            </a:r>
+            <a:endParaRPr kumimoji="0" lang="de-CH" sz="4400" b="0" i="0" u="none" strike="noStrike" kern="1200" cap="none" spc="0" normalizeH="0" baseline="0" noProof="0" dirty="0">
+              <a:ln>
+                <a:noFill/>
+              </a:ln>
+              <a:solidFill>
+                <a:schemeClr val="tx1"/>
+              </a:solidFill>
+              <a:effectLst/>
+              <a:uLnTx/>
+              <a:uFillTx/>
+              <a:latin typeface="+mj-lt"/>
+              <a:ea typeface="+mj-ea"/>
+              <a:cs typeface="+mj-cs"/>
+            </a:endParaRPr>
+          </a:p>
+        </p:txBody>
+      </p:sp>
     </p:spTree>
   </p:cSld>
   <p:clrMapOvr>
@@ -3804,7 +4204,7 @@
         </p:blipFill>
         <p:spPr bwMode="auto">
           <a:xfrm>
-            <a:off x="-396552" y="-243408"/>
+            <a:off x="-396552" y="72008"/>
             <a:ext cx="10326618" cy="6453336"/>
           </a:xfrm>
           <a:prstGeom prst="rect">
@@ -3813,6 +4213,346 @@
           <a:noFill/>
         </p:spPr>
       </p:pic>
+      <p:sp>
+        <p:nvSpPr>
+          <p:cNvPr id="5" name="Rechteck 4"/>
+          <p:cNvSpPr/>
+          <p:nvPr/>
+        </p:nvSpPr>
+        <p:spPr>
+          <a:xfrm>
+            <a:off x="5004048" y="4061971"/>
+            <a:ext cx="3888432" cy="2031325"/>
+          </a:xfrm>
+          <a:prstGeom prst="rect">
+            <a:avLst/>
+          </a:prstGeom>
+        </p:spPr>
+        <p:style>
+          <a:lnRef idx="1">
+            <a:schemeClr val="accent5"/>
+          </a:lnRef>
+          <a:fillRef idx="2">
+            <a:schemeClr val="accent5"/>
+          </a:fillRef>
+          <a:effectRef idx="1">
+            <a:schemeClr val="accent5"/>
+          </a:effectRef>
+          <a:fontRef idx="minor">
+            <a:schemeClr val="dk1"/>
+          </a:fontRef>
+        </p:style>
+        <p:txBody>
+          <a:bodyPr wrap="square">
+            <a:spAutoFit/>
+          </a:bodyPr>
+          <a:lstStyle/>
+          <a:p>
+            <a:pPr>
+              <a:buNone/>
+            </a:pPr>
+            <a:r>
+              <a:rPr lang="de-CH" dirty="0" err="1" smtClean="0">
+                <a:latin typeface="Courier New" pitchFamily="49" charset="0"/>
+                <a:cs typeface="Courier New" pitchFamily="49" charset="0"/>
+              </a:rPr>
+              <a:t>public</a:t>
+            </a:r>
+            <a:r>
+              <a:rPr lang="de-CH" dirty="0" smtClean="0">
+                <a:latin typeface="Courier New" pitchFamily="49" charset="0"/>
+                <a:cs typeface="Courier New" pitchFamily="49" charset="0"/>
+              </a:rPr>
+              <a:t> </a:t>
+            </a:r>
+            <a:r>
+              <a:rPr lang="de-CH" dirty="0" err="1" smtClean="0">
+                <a:latin typeface="Courier New" pitchFamily="49" charset="0"/>
+                <a:cs typeface="Courier New" pitchFamily="49" charset="0"/>
+              </a:rPr>
+              <a:t>void</a:t>
+            </a:r>
+            <a:r>
+              <a:rPr lang="de-CH" dirty="0" smtClean="0">
+                <a:latin typeface="Courier New" pitchFamily="49" charset="0"/>
+                <a:cs typeface="Courier New" pitchFamily="49" charset="0"/>
+              </a:rPr>
+              <a:t> </a:t>
+            </a:r>
+            <a:r>
+              <a:rPr lang="de-CH" dirty="0" err="1" smtClean="0">
+                <a:latin typeface="Courier New" pitchFamily="49" charset="0"/>
+                <a:cs typeface="Courier New" pitchFamily="49" charset="0"/>
+              </a:rPr>
+              <a:t>draw</a:t>
+            </a:r>
+            <a:r>
+              <a:rPr lang="de-CH" dirty="0" smtClean="0">
+                <a:latin typeface="Courier New" pitchFamily="49" charset="0"/>
+                <a:cs typeface="Courier New" pitchFamily="49" charset="0"/>
+              </a:rPr>
+              <a:t>(</a:t>
+            </a:r>
+            <a:r>
+              <a:rPr lang="de-CH" dirty="0" err="1" smtClean="0">
+                <a:latin typeface="Courier New" pitchFamily="49" charset="0"/>
+                <a:cs typeface="Courier New" pitchFamily="49" charset="0"/>
+              </a:rPr>
+              <a:t>Doodler</a:t>
+            </a:r>
+            <a:r>
+              <a:rPr lang="de-CH" dirty="0" smtClean="0">
+                <a:latin typeface="Courier New" pitchFamily="49" charset="0"/>
+                <a:cs typeface="Courier New" pitchFamily="49" charset="0"/>
+              </a:rPr>
+              <a:t> d) {</a:t>
+            </a:r>
+          </a:p>
+          <a:p>
+            <a:pPr>
+              <a:buNone/>
+            </a:pPr>
+            <a:r>
+              <a:rPr lang="de-CH" dirty="0" smtClean="0">
+                <a:latin typeface="Courier New" pitchFamily="49" charset="0"/>
+                <a:cs typeface="Courier New" pitchFamily="49" charset="0"/>
+              </a:rPr>
+              <a:t>  </a:t>
+            </a:r>
+            <a:r>
+              <a:rPr lang="de-CH" dirty="0" err="1" smtClean="0">
+                <a:latin typeface="Courier New" pitchFamily="49" charset="0"/>
+                <a:cs typeface="Courier New" pitchFamily="49" charset="0"/>
+              </a:rPr>
+              <a:t>d.draw</a:t>
+            </a:r>
+            <a:r>
+              <a:rPr lang="de-CH" dirty="0" smtClean="0">
+                <a:latin typeface="Courier New" pitchFamily="49" charset="0"/>
+                <a:cs typeface="Courier New" pitchFamily="49" charset="0"/>
+              </a:rPr>
+              <a:t>(</a:t>
+            </a:r>
+            <a:r>
+              <a:rPr lang="de-CH" dirty="0" err="1" smtClean="0">
+                <a:latin typeface="Courier New" pitchFamily="49" charset="0"/>
+                <a:cs typeface="Courier New" pitchFamily="49" charset="0"/>
+              </a:rPr>
+              <a:t>players</a:t>
+            </a:r>
+            <a:r>
+              <a:rPr lang="de-CH" dirty="0" smtClean="0">
+                <a:latin typeface="Courier New" pitchFamily="49" charset="0"/>
+                <a:cs typeface="Courier New" pitchFamily="49" charset="0"/>
+              </a:rPr>
+              <a:t>);</a:t>
+            </a:r>
+          </a:p>
+          <a:p>
+            <a:pPr>
+              <a:buNone/>
+            </a:pPr>
+            <a:r>
+              <a:rPr lang="de-CH" dirty="0" smtClean="0">
+                <a:latin typeface="Courier New" pitchFamily="49" charset="0"/>
+                <a:cs typeface="Courier New" pitchFamily="49" charset="0"/>
+              </a:rPr>
+              <a:t>  </a:t>
+            </a:r>
+            <a:r>
+              <a:rPr lang="de-CH" dirty="0" err="1" smtClean="0">
+                <a:latin typeface="Courier New" pitchFamily="49" charset="0"/>
+                <a:cs typeface="Courier New" pitchFamily="49" charset="0"/>
+              </a:rPr>
+              <a:t>d.draw</a:t>
+            </a:r>
+            <a:r>
+              <a:rPr lang="de-CH" dirty="0" smtClean="0">
+                <a:latin typeface="Courier New" pitchFamily="49" charset="0"/>
+                <a:cs typeface="Courier New" pitchFamily="49" charset="0"/>
+              </a:rPr>
+              <a:t>(</a:t>
+            </a:r>
+            <a:r>
+              <a:rPr lang="de-CH" dirty="0" err="1" smtClean="0">
+                <a:latin typeface="Courier New" pitchFamily="49" charset="0"/>
+                <a:cs typeface="Courier New" pitchFamily="49" charset="0"/>
+              </a:rPr>
+              <a:t>scopeBoard</a:t>
+            </a:r>
+            <a:r>
+              <a:rPr lang="de-CH" dirty="0" smtClean="0">
+                <a:latin typeface="Courier New" pitchFamily="49" charset="0"/>
+                <a:cs typeface="Courier New" pitchFamily="49" charset="0"/>
+              </a:rPr>
+              <a:t>);</a:t>
+            </a:r>
+          </a:p>
+          <a:p>
+            <a:pPr>
+              <a:buNone/>
+            </a:pPr>
+            <a:r>
+              <a:rPr lang="de-CH" dirty="0" smtClean="0">
+                <a:latin typeface="Courier New" pitchFamily="49" charset="0"/>
+                <a:cs typeface="Courier New" pitchFamily="49" charset="0"/>
+              </a:rPr>
+              <a:t>  </a:t>
+            </a:r>
+            <a:r>
+              <a:rPr lang="de-CH" dirty="0" err="1" smtClean="0">
+                <a:latin typeface="Courier New" pitchFamily="49" charset="0"/>
+                <a:cs typeface="Courier New" pitchFamily="49" charset="0"/>
+              </a:rPr>
+              <a:t>d.drawSmall</a:t>
+            </a:r>
+            <a:r>
+              <a:rPr lang="de-CH" dirty="0" smtClean="0">
+                <a:latin typeface="Courier New" pitchFamily="49" charset="0"/>
+                <a:cs typeface="Courier New" pitchFamily="49" charset="0"/>
+              </a:rPr>
+              <a:t>(</a:t>
+            </a:r>
+            <a:r>
+              <a:rPr lang="de-CH" dirty="0" err="1" smtClean="0">
+                <a:latin typeface="Courier New" pitchFamily="49" charset="0"/>
+                <a:cs typeface="Courier New" pitchFamily="49" charset="0"/>
+              </a:rPr>
+              <a:t>curPlayer</a:t>
+            </a:r>
+            <a:r>
+              <a:rPr lang="de-CH" dirty="0" smtClean="0">
+                <a:latin typeface="Courier New" pitchFamily="49" charset="0"/>
+                <a:cs typeface="Courier New" pitchFamily="49" charset="0"/>
+              </a:rPr>
+              <a:t>);</a:t>
+            </a:r>
+          </a:p>
+          <a:p>
+            <a:pPr>
+              <a:buNone/>
+            </a:pPr>
+            <a:r>
+              <a:rPr lang="de-CH" dirty="0" smtClean="0">
+                <a:latin typeface="Courier New" pitchFamily="49" charset="0"/>
+                <a:cs typeface="Courier New" pitchFamily="49" charset="0"/>
+              </a:rPr>
+              <a:t>  </a:t>
+            </a:r>
+            <a:r>
+              <a:rPr lang="de-CH" dirty="0" err="1" smtClean="0">
+                <a:latin typeface="Courier New" pitchFamily="49" charset="0"/>
+                <a:cs typeface="Courier New" pitchFamily="49" charset="0"/>
+              </a:rPr>
+              <a:t>d.drawOuter</a:t>
+            </a:r>
+            <a:r>
+              <a:rPr lang="de-CH" dirty="0" smtClean="0">
+                <a:latin typeface="Courier New" pitchFamily="49" charset="0"/>
+                <a:cs typeface="Courier New" pitchFamily="49" charset="0"/>
+              </a:rPr>
+              <a:t>(die</a:t>
+            </a:r>
+            <a:r>
+              <a:rPr lang="de-CH" dirty="0" smtClean="0">
+                <a:latin typeface="Courier New" pitchFamily="49" charset="0"/>
+                <a:cs typeface="Courier New" pitchFamily="49" charset="0"/>
+              </a:rPr>
+              <a:t>);</a:t>
+            </a:r>
+          </a:p>
+          <a:p>
+            <a:pPr>
+              <a:buNone/>
+            </a:pPr>
+            <a:r>
+              <a:rPr lang="de-CH" dirty="0" smtClean="0">
+                <a:latin typeface="Courier New" pitchFamily="49" charset="0"/>
+                <a:cs typeface="Courier New" pitchFamily="49" charset="0"/>
+              </a:rPr>
+              <a:t>}</a:t>
+            </a:r>
+            <a:endParaRPr lang="de-CH" dirty="0">
+              <a:latin typeface="Courier New" pitchFamily="49" charset="0"/>
+              <a:cs typeface="Courier New" pitchFamily="49" charset="0"/>
+            </a:endParaRPr>
+          </a:p>
+        </p:txBody>
+      </p:sp>
+      <p:sp>
+        <p:nvSpPr>
+          <p:cNvPr id="6" name="Titel 1"/>
+          <p:cNvSpPr txBox="1">
+            <a:spLocks/>
+          </p:cNvSpPr>
+          <p:nvPr/>
+        </p:nvSpPr>
+        <p:spPr>
+          <a:xfrm>
+            <a:off x="395536" y="0"/>
+            <a:ext cx="8229600" cy="764704"/>
+          </a:xfrm>
+          <a:prstGeom prst="rect">
+            <a:avLst/>
+          </a:prstGeom>
+        </p:spPr>
+        <p:txBody>
+          <a:bodyPr vert="horz" lIns="91440" tIns="45720" rIns="91440" bIns="45720" rtlCol="0" anchor="ctr">
+            <a:normAutofit/>
+          </a:bodyPr>
+          <a:lstStyle/>
+          <a:p>
+            <a:pPr marL="0" marR="0" lvl="0" indent="0" algn="ctr" defTabSz="914400" rtl="0" eaLnBrk="1" fontAlgn="auto" latinLnBrk="0" hangingPunct="1">
+              <a:lnSpc>
+                <a:spcPct val="100000"/>
+              </a:lnSpc>
+              <a:spcBef>
+                <a:spcPct val="0"/>
+              </a:spcBef>
+              <a:spcAft>
+                <a:spcPts val="0"/>
+              </a:spcAft>
+              <a:buClrTx/>
+              <a:buSzTx/>
+              <a:buFontTx/>
+              <a:buNone/>
+              <a:tabLst/>
+              <a:defRPr/>
+            </a:pPr>
+            <a:r>
+              <a:rPr kumimoji="0" lang="de-CH" sz="4400" b="0" i="0" u="none" strike="noStrike" kern="1200" cap="none" spc="0" normalizeH="0" baseline="0" noProof="0" dirty="0" smtClean="0">
+                <a:ln>
+                  <a:noFill/>
+                </a:ln>
+                <a:solidFill>
+                  <a:schemeClr val="tx1"/>
+                </a:solidFill>
+                <a:effectLst/>
+                <a:uLnTx/>
+                <a:uFillTx/>
+                <a:latin typeface="+mj-lt"/>
+                <a:ea typeface="+mj-ea"/>
+                <a:cs typeface="+mj-cs"/>
+              </a:rPr>
+              <a:t>Style 2</a:t>
+            </a:r>
+            <a:endParaRPr kumimoji="0" lang="de-CH" sz="4400" b="0" i="0" u="none" strike="noStrike" kern="1200" cap="none" spc="0" normalizeH="0" baseline="0" noProof="0" dirty="0">
+              <a:ln>
+                <a:noFill/>
+              </a:ln>
+              <a:solidFill>
+                <a:schemeClr val="tx1"/>
+              </a:solidFill>
+              <a:effectLst/>
+              <a:uLnTx/>
+              <a:uFillTx/>
+              <a:latin typeface="+mj-lt"/>
+              <a:ea typeface="+mj-ea"/>
+              <a:cs typeface="+mj-cs"/>
+            </a:endParaRPr>
+          </a:p>
+        </p:txBody>
+      </p:sp>
     </p:spTree>
   </p:cSld>
   <p:clrMapOvr>
@@ -3900,7 +4640,7 @@
         </p:blipFill>
         <p:spPr bwMode="auto">
           <a:xfrm>
-            <a:off x="-324544" y="-603448"/>
+            <a:off x="-324544" y="-291602"/>
             <a:ext cx="9721080" cy="6888954"/>
           </a:xfrm>
           <a:prstGeom prst="rect">
@@ -3909,6 +4649,132 @@
           <a:noFill/>
         </p:spPr>
       </p:pic>
+      <p:sp>
+        <p:nvSpPr>
+          <p:cNvPr id="5" name="Rechteck 4"/>
+          <p:cNvSpPr/>
+          <p:nvPr/>
+        </p:nvSpPr>
+        <p:spPr>
+          <a:xfrm>
+            <a:off x="6012160" y="5579948"/>
+            <a:ext cx="2592288" cy="369332"/>
+          </a:xfrm>
+          <a:prstGeom prst="rect">
+            <a:avLst/>
+          </a:prstGeom>
+        </p:spPr>
+        <p:style>
+          <a:lnRef idx="1">
+            <a:schemeClr val="accent5"/>
+          </a:lnRef>
+          <a:fillRef idx="2">
+            <a:schemeClr val="accent5"/>
+          </a:fillRef>
+          <a:effectRef idx="1">
+            <a:schemeClr val="accent5"/>
+          </a:effectRef>
+          <a:fontRef idx="minor">
+            <a:schemeClr val="dk1"/>
+          </a:fontRef>
+        </p:style>
+        <p:txBody>
+          <a:bodyPr wrap="square">
+            <a:spAutoFit/>
+          </a:bodyPr>
+          <a:lstStyle/>
+          <a:p>
+            <a:pPr>
+              <a:buNone/>
+            </a:pPr>
+            <a:r>
+              <a:rPr lang="de-CH" dirty="0" smtClean="0">
+                <a:latin typeface="Courier New" pitchFamily="49" charset="0"/>
+                <a:cs typeface="Courier New" pitchFamily="49" charset="0"/>
+              </a:rPr>
+              <a:t>D.raw(p2);</a:t>
+            </a:r>
+            <a:endParaRPr lang="de-CH" dirty="0">
+              <a:latin typeface="Courier New" pitchFamily="49" charset="0"/>
+              <a:cs typeface="Courier New" pitchFamily="49" charset="0"/>
+            </a:endParaRPr>
+          </a:p>
+        </p:txBody>
+      </p:sp>
+      <p:sp>
+        <p:nvSpPr>
+          <p:cNvPr id="6" name="Titel 1"/>
+          <p:cNvSpPr txBox="1">
+            <a:spLocks/>
+          </p:cNvSpPr>
+          <p:nvPr/>
+        </p:nvSpPr>
+        <p:spPr>
+          <a:xfrm>
+            <a:off x="395536" y="0"/>
+            <a:ext cx="8229600" cy="764704"/>
+          </a:xfrm>
+          <a:prstGeom prst="rect">
+            <a:avLst/>
+          </a:prstGeom>
+        </p:spPr>
+        <p:txBody>
+          <a:bodyPr vert="horz" lIns="91440" tIns="45720" rIns="91440" bIns="45720" rtlCol="0" anchor="ctr">
+            <a:normAutofit/>
+          </a:bodyPr>
+          <a:lstStyle/>
+          <a:p>
+            <a:pPr marL="0" marR="0" lvl="0" indent="0" algn="ctr" defTabSz="914400" rtl="0" eaLnBrk="1" fontAlgn="auto" latinLnBrk="0" hangingPunct="1">
+              <a:lnSpc>
+                <a:spcPct val="100000"/>
+              </a:lnSpc>
+              <a:spcBef>
+                <a:spcPct val="0"/>
+              </a:spcBef>
+              <a:spcAft>
+                <a:spcPts val="0"/>
+              </a:spcAft>
+              <a:buClrTx/>
+              <a:buSzTx/>
+              <a:buFontTx/>
+              <a:buNone/>
+              <a:tabLst/>
+              <a:defRPr/>
+            </a:pPr>
+            <a:r>
+              <a:rPr kumimoji="0" lang="de-CH" sz="4400" b="0" i="0" u="none" strike="noStrike" kern="1200" cap="none" spc="0" normalizeH="0" baseline="0" noProof="0" dirty="0" smtClean="0">
+                <a:ln>
+                  <a:noFill/>
+                </a:ln>
+                <a:solidFill>
+                  <a:schemeClr val="tx1"/>
+                </a:solidFill>
+                <a:effectLst/>
+                <a:uLnTx/>
+                <a:uFillTx/>
+                <a:latin typeface="+mj-lt"/>
+                <a:ea typeface="+mj-ea"/>
+                <a:cs typeface="+mj-cs"/>
+              </a:rPr>
+              <a:t>Style 2</a:t>
+            </a:r>
+            <a:endParaRPr kumimoji="0" lang="de-CH" sz="4400" b="0" i="0" u="none" strike="noStrike" kern="1200" cap="none" spc="0" normalizeH="0" baseline="0" noProof="0" dirty="0">
+              <a:ln>
+                <a:noFill/>
+              </a:ln>
+              <a:solidFill>
+                <a:schemeClr val="tx1"/>
+              </a:solidFill>
+              <a:effectLst/>
+              <a:uLnTx/>
+              <a:uFillTx/>
+              <a:latin typeface="+mj-lt"/>
+              <a:ea typeface="+mj-ea"/>
+              <a:cs typeface="+mj-cs"/>
+            </a:endParaRPr>
+          </a:p>
+        </p:txBody>
+      </p:sp>
     </p:spTree>
   </p:cSld>
   <p:clrMapOvr>
@@ -3996,7 +4862,7 @@
         </p:blipFill>
         <p:spPr bwMode="auto">
           <a:xfrm>
-            <a:off x="-252536" y="-171400"/>
+            <a:off x="-252536" y="36454"/>
             <a:ext cx="10729192" cy="6704914"/>
           </a:xfrm>
           <a:prstGeom prst="rect">
@@ -4005,6 +4871,346 @@
           <a:noFill/>
         </p:spPr>
       </p:pic>
+      <p:sp>
+        <p:nvSpPr>
+          <p:cNvPr id="5" name="Rechteck 4"/>
+          <p:cNvSpPr/>
+          <p:nvPr/>
+        </p:nvSpPr>
+        <p:spPr>
+          <a:xfrm>
+            <a:off x="5004048" y="4422011"/>
+            <a:ext cx="3888432" cy="2031325"/>
+          </a:xfrm>
+          <a:prstGeom prst="rect">
+            <a:avLst/>
+          </a:prstGeom>
+        </p:spPr>
+        <p:style>
+          <a:lnRef idx="1">
+            <a:schemeClr val="accent5"/>
+          </a:lnRef>
+          <a:fillRef idx="2">
+            <a:schemeClr val="accent5"/>
+          </a:fillRef>
+          <a:effectRef idx="1">
+            <a:schemeClr val="accent5"/>
+          </a:effectRef>
+          <a:fontRef idx="minor">
+            <a:schemeClr val="dk1"/>
+          </a:fontRef>
+        </p:style>
+        <p:txBody>
+          <a:bodyPr wrap="square">
+            <a:spAutoFit/>
+          </a:bodyPr>
+          <a:lstStyle/>
+          <a:p>
+            <a:pPr>
+              <a:buNone/>
+            </a:pPr>
+            <a:r>
+              <a:rPr lang="de-CH" dirty="0" err="1" smtClean="0">
+                <a:latin typeface="Courier New" pitchFamily="49" charset="0"/>
+                <a:cs typeface="Courier New" pitchFamily="49" charset="0"/>
+              </a:rPr>
+              <a:t>public</a:t>
+            </a:r>
+            <a:r>
+              <a:rPr lang="de-CH" dirty="0" smtClean="0">
+                <a:latin typeface="Courier New" pitchFamily="49" charset="0"/>
+                <a:cs typeface="Courier New" pitchFamily="49" charset="0"/>
+              </a:rPr>
+              <a:t> </a:t>
+            </a:r>
+            <a:r>
+              <a:rPr lang="de-CH" dirty="0" err="1" smtClean="0">
+                <a:latin typeface="Courier New" pitchFamily="49" charset="0"/>
+                <a:cs typeface="Courier New" pitchFamily="49" charset="0"/>
+              </a:rPr>
+              <a:t>void</a:t>
+            </a:r>
+            <a:r>
+              <a:rPr lang="de-CH" dirty="0" smtClean="0">
+                <a:latin typeface="Courier New" pitchFamily="49" charset="0"/>
+                <a:cs typeface="Courier New" pitchFamily="49" charset="0"/>
+              </a:rPr>
+              <a:t> </a:t>
+            </a:r>
+            <a:r>
+              <a:rPr lang="de-CH" dirty="0" err="1" smtClean="0">
+                <a:latin typeface="Courier New" pitchFamily="49" charset="0"/>
+                <a:cs typeface="Courier New" pitchFamily="49" charset="0"/>
+              </a:rPr>
+              <a:t>draw</a:t>
+            </a:r>
+            <a:r>
+              <a:rPr lang="de-CH" dirty="0" smtClean="0">
+                <a:latin typeface="Courier New" pitchFamily="49" charset="0"/>
+                <a:cs typeface="Courier New" pitchFamily="49" charset="0"/>
+              </a:rPr>
+              <a:t>(</a:t>
+            </a:r>
+            <a:r>
+              <a:rPr lang="de-CH" dirty="0" err="1" smtClean="0">
+                <a:latin typeface="Courier New" pitchFamily="49" charset="0"/>
+                <a:cs typeface="Courier New" pitchFamily="49" charset="0"/>
+              </a:rPr>
+              <a:t>Doodler</a:t>
+            </a:r>
+            <a:r>
+              <a:rPr lang="de-CH" dirty="0" smtClean="0">
+                <a:latin typeface="Courier New" pitchFamily="49" charset="0"/>
+                <a:cs typeface="Courier New" pitchFamily="49" charset="0"/>
+              </a:rPr>
+              <a:t> d) {</a:t>
+            </a:r>
+          </a:p>
+          <a:p>
+            <a:pPr>
+              <a:buNone/>
+            </a:pPr>
+            <a:r>
+              <a:rPr lang="de-CH" dirty="0" smtClean="0">
+                <a:latin typeface="Courier New" pitchFamily="49" charset="0"/>
+                <a:cs typeface="Courier New" pitchFamily="49" charset="0"/>
+              </a:rPr>
+              <a:t>  </a:t>
+            </a:r>
+            <a:r>
+              <a:rPr lang="de-CH" dirty="0" err="1" smtClean="0">
+                <a:latin typeface="Courier New" pitchFamily="49" charset="0"/>
+                <a:cs typeface="Courier New" pitchFamily="49" charset="0"/>
+              </a:rPr>
+              <a:t>d.draw</a:t>
+            </a:r>
+            <a:r>
+              <a:rPr lang="de-CH" dirty="0" smtClean="0">
+                <a:latin typeface="Courier New" pitchFamily="49" charset="0"/>
+                <a:cs typeface="Courier New" pitchFamily="49" charset="0"/>
+              </a:rPr>
+              <a:t>(</a:t>
+            </a:r>
+            <a:r>
+              <a:rPr lang="de-CH" dirty="0" err="1" smtClean="0">
+                <a:latin typeface="Courier New" pitchFamily="49" charset="0"/>
+                <a:cs typeface="Courier New" pitchFamily="49" charset="0"/>
+              </a:rPr>
+              <a:t>players</a:t>
+            </a:r>
+            <a:r>
+              <a:rPr lang="de-CH" dirty="0" smtClean="0">
+                <a:latin typeface="Courier New" pitchFamily="49" charset="0"/>
+                <a:cs typeface="Courier New" pitchFamily="49" charset="0"/>
+              </a:rPr>
+              <a:t>);</a:t>
+            </a:r>
+          </a:p>
+          <a:p>
+            <a:pPr>
+              <a:buNone/>
+            </a:pPr>
+            <a:r>
+              <a:rPr lang="de-CH" dirty="0" smtClean="0">
+                <a:latin typeface="Courier New" pitchFamily="49" charset="0"/>
+                <a:cs typeface="Courier New" pitchFamily="49" charset="0"/>
+              </a:rPr>
+              <a:t>  </a:t>
+            </a:r>
+            <a:r>
+              <a:rPr lang="de-CH" dirty="0" err="1" smtClean="0">
+                <a:latin typeface="Courier New" pitchFamily="49" charset="0"/>
+                <a:cs typeface="Courier New" pitchFamily="49" charset="0"/>
+              </a:rPr>
+              <a:t>d.draw</a:t>
+            </a:r>
+            <a:r>
+              <a:rPr lang="de-CH" dirty="0" smtClean="0">
+                <a:latin typeface="Courier New" pitchFamily="49" charset="0"/>
+                <a:cs typeface="Courier New" pitchFamily="49" charset="0"/>
+              </a:rPr>
+              <a:t>(</a:t>
+            </a:r>
+            <a:r>
+              <a:rPr lang="de-CH" dirty="0" err="1" smtClean="0">
+                <a:latin typeface="Courier New" pitchFamily="49" charset="0"/>
+                <a:cs typeface="Courier New" pitchFamily="49" charset="0"/>
+              </a:rPr>
+              <a:t>scopeBoard</a:t>
+            </a:r>
+            <a:r>
+              <a:rPr lang="de-CH" dirty="0" smtClean="0">
+                <a:latin typeface="Courier New" pitchFamily="49" charset="0"/>
+                <a:cs typeface="Courier New" pitchFamily="49" charset="0"/>
+              </a:rPr>
+              <a:t>);</a:t>
+            </a:r>
+          </a:p>
+          <a:p>
+            <a:pPr>
+              <a:buNone/>
+            </a:pPr>
+            <a:r>
+              <a:rPr lang="de-CH" dirty="0" smtClean="0">
+                <a:latin typeface="Courier New" pitchFamily="49" charset="0"/>
+                <a:cs typeface="Courier New" pitchFamily="49" charset="0"/>
+              </a:rPr>
+              <a:t>  </a:t>
+            </a:r>
+            <a:r>
+              <a:rPr lang="de-CH" dirty="0" err="1" smtClean="0">
+                <a:latin typeface="Courier New" pitchFamily="49" charset="0"/>
+                <a:cs typeface="Courier New" pitchFamily="49" charset="0"/>
+              </a:rPr>
+              <a:t>d.drawSmall</a:t>
+            </a:r>
+            <a:r>
+              <a:rPr lang="de-CH" dirty="0" smtClean="0">
+                <a:latin typeface="Courier New" pitchFamily="49" charset="0"/>
+                <a:cs typeface="Courier New" pitchFamily="49" charset="0"/>
+              </a:rPr>
+              <a:t>(</a:t>
+            </a:r>
+            <a:r>
+              <a:rPr lang="de-CH" dirty="0" err="1" smtClean="0">
+                <a:latin typeface="Courier New" pitchFamily="49" charset="0"/>
+                <a:cs typeface="Courier New" pitchFamily="49" charset="0"/>
+              </a:rPr>
+              <a:t>curPlayer</a:t>
+            </a:r>
+            <a:r>
+              <a:rPr lang="de-CH" dirty="0" smtClean="0">
+                <a:latin typeface="Courier New" pitchFamily="49" charset="0"/>
+                <a:cs typeface="Courier New" pitchFamily="49" charset="0"/>
+              </a:rPr>
+              <a:t>);</a:t>
+            </a:r>
+          </a:p>
+          <a:p>
+            <a:pPr>
+              <a:buNone/>
+            </a:pPr>
+            <a:r>
+              <a:rPr lang="de-CH" dirty="0" smtClean="0">
+                <a:latin typeface="Courier New" pitchFamily="49" charset="0"/>
+                <a:cs typeface="Courier New" pitchFamily="49" charset="0"/>
+              </a:rPr>
+              <a:t>  </a:t>
+            </a:r>
+            <a:r>
+              <a:rPr lang="de-CH" dirty="0" err="1" smtClean="0">
+                <a:latin typeface="Courier New" pitchFamily="49" charset="0"/>
+                <a:cs typeface="Courier New" pitchFamily="49" charset="0"/>
+              </a:rPr>
+              <a:t>d.drawOuter</a:t>
+            </a:r>
+            <a:r>
+              <a:rPr lang="de-CH" dirty="0" smtClean="0">
+                <a:latin typeface="Courier New" pitchFamily="49" charset="0"/>
+                <a:cs typeface="Courier New" pitchFamily="49" charset="0"/>
+              </a:rPr>
+              <a:t>(die</a:t>
+            </a:r>
+            <a:r>
+              <a:rPr lang="de-CH" dirty="0" smtClean="0">
+                <a:latin typeface="Courier New" pitchFamily="49" charset="0"/>
+                <a:cs typeface="Courier New" pitchFamily="49" charset="0"/>
+              </a:rPr>
+              <a:t>);</a:t>
+            </a:r>
+          </a:p>
+          <a:p>
+            <a:pPr>
+              <a:buNone/>
+            </a:pPr>
+            <a:r>
+              <a:rPr lang="de-CH" dirty="0" smtClean="0">
+                <a:latin typeface="Courier New" pitchFamily="49" charset="0"/>
+                <a:cs typeface="Courier New" pitchFamily="49" charset="0"/>
+              </a:rPr>
+              <a:t>}</a:t>
+            </a:r>
+            <a:endParaRPr lang="de-CH" dirty="0">
+              <a:latin typeface="Courier New" pitchFamily="49" charset="0"/>
+              <a:cs typeface="Courier New" pitchFamily="49" charset="0"/>
+            </a:endParaRPr>
+          </a:p>
+        </p:txBody>
+      </p:sp>
+      <p:sp>
+        <p:nvSpPr>
+          <p:cNvPr id="6" name="Titel 1"/>
+          <p:cNvSpPr txBox="1">
+            <a:spLocks/>
+          </p:cNvSpPr>
+          <p:nvPr/>
+        </p:nvSpPr>
+        <p:spPr>
+          <a:xfrm>
+            <a:off x="395536" y="0"/>
+            <a:ext cx="8229600" cy="764704"/>
+          </a:xfrm>
+          <a:prstGeom prst="rect">
+            <a:avLst/>
+          </a:prstGeom>
+        </p:spPr>
+        <p:txBody>
+          <a:bodyPr vert="horz" lIns="91440" tIns="45720" rIns="91440" bIns="45720" rtlCol="0" anchor="ctr">
+            <a:normAutofit/>
+          </a:bodyPr>
+          <a:lstStyle/>
+          <a:p>
+            <a:pPr marL="0" marR="0" lvl="0" indent="0" algn="ctr" defTabSz="914400" rtl="0" eaLnBrk="1" fontAlgn="auto" latinLnBrk="0" hangingPunct="1">
+              <a:lnSpc>
+                <a:spcPct val="100000"/>
+              </a:lnSpc>
+              <a:spcBef>
+                <a:spcPct val="0"/>
+              </a:spcBef>
+              <a:spcAft>
+                <a:spcPts val="0"/>
+              </a:spcAft>
+              <a:buClrTx/>
+              <a:buSzTx/>
+              <a:buFontTx/>
+              <a:buNone/>
+              <a:tabLst/>
+              <a:defRPr/>
+            </a:pPr>
+            <a:r>
+              <a:rPr kumimoji="0" lang="de-CH" sz="4400" b="0" i="0" u="none" strike="noStrike" kern="1200" cap="none" spc="0" normalizeH="0" baseline="0" noProof="0" dirty="0" smtClean="0">
+                <a:ln>
+                  <a:noFill/>
+                </a:ln>
+                <a:solidFill>
+                  <a:schemeClr val="tx1"/>
+                </a:solidFill>
+                <a:effectLst/>
+                <a:uLnTx/>
+                <a:uFillTx/>
+                <a:latin typeface="+mj-lt"/>
+                <a:ea typeface="+mj-ea"/>
+                <a:cs typeface="+mj-cs"/>
+              </a:rPr>
+              <a:t>Style 3</a:t>
+            </a:r>
+            <a:endParaRPr kumimoji="0" lang="de-CH" sz="4400" b="0" i="0" u="none" strike="noStrike" kern="1200" cap="none" spc="0" normalizeH="0" baseline="0" noProof="0" dirty="0">
+              <a:ln>
+                <a:noFill/>
+              </a:ln>
+              <a:solidFill>
+                <a:schemeClr val="tx1"/>
+              </a:solidFill>
+              <a:effectLst/>
+              <a:uLnTx/>
+              <a:uFillTx/>
+              <a:latin typeface="+mj-lt"/>
+              <a:ea typeface="+mj-ea"/>
+              <a:cs typeface="+mj-cs"/>
+            </a:endParaRPr>
+          </a:p>
+        </p:txBody>
+      </p:sp>
     </p:spTree>
   </p:cSld>
   <p:clrMapOvr>
@@ -4092,7 +5298,7 @@
         </p:blipFill>
         <p:spPr bwMode="auto">
           <a:xfrm>
-            <a:off x="-36513" y="-315416"/>
+            <a:off x="-36513" y="-171400"/>
             <a:ext cx="10600893" cy="6624736"/>
           </a:xfrm>
           <a:prstGeom prst="rect">
@@ -4101,65 +5307,129 @@
           <a:noFill/>
         </p:spPr>
       </p:pic>
-    </p:spTree>
-  </p:cSld>
-  <p:clrMapOvr>
-    <a:masterClrMapping/>
-  </p:clrMapOvr>
-  <p:timing>
-    <p:tnLst>
-      <p:par>
-        <p:cTn id="1" dur="indefinite" restart="never" nodeType="tmRoot"/>
-      </p:par>
-    </p:tnLst>
-  </p:timing>
-</p:sld>
-</file>
-
-<file path=ppt/slides/slide16.xml><?xml version="1.0" encoding="utf-8"?>
-<p:sld xmlns:a="http://schemas.openxmlformats.org/drawingml/2006/main" xmlns:r="http://schemas.openxmlformats.org/officeDocument/2006/relationships" xmlns:p="http://schemas.openxmlformats.org/presentationml/2006/main">
-  <p:cSld>
-    <p:spTree>
-      <p:nvGrpSpPr>
-        <p:cNvPr id="1" name=""/>
-        <p:cNvGrpSpPr/>
-        <p:nvPr/>
-      </p:nvGrpSpPr>
-      <p:grpSpPr>
-        <a:xfrm>
-          <a:off x="0" y="0"/>
-          <a:ext cx="0" cy="0"/>
-          <a:chOff x="0" y="0"/>
-          <a:chExt cx="0" cy="0"/>
-        </a:xfrm>
-      </p:grpSpPr>
       <p:sp>
         <p:nvSpPr>
-          <p:cNvPr id="2" name="Titel 1"/>
-          <p:cNvSpPr>
-            <a:spLocks noGrp="1"/>
-          </p:cNvSpPr>
-          <p:nvPr>
-            <p:ph type="title"/>
-          </p:nvPr>
+          <p:cNvPr id="5" name="Rechteck 4"/>
+          <p:cNvSpPr/>
+          <p:nvPr/>
         </p:nvSpPr>
         <p:spPr>
           <a:xfrm>
-            <a:off x="457200" y="2348880"/>
-            <a:ext cx="8229600" cy="1143000"/>
+            <a:off x="6012160" y="5229200"/>
+            <a:ext cx="2592288" cy="369332"/>
           </a:xfrm>
+          <a:prstGeom prst="rect">
+            <a:avLst/>
+          </a:prstGeom>
+        </p:spPr>
+        <p:style>
+          <a:lnRef idx="1">
+            <a:schemeClr val="accent5"/>
+          </a:lnRef>
+          <a:fillRef idx="2">
+            <a:schemeClr val="accent5"/>
+          </a:fillRef>
+          <a:effectRef idx="1">
+            <a:schemeClr val="accent5"/>
+          </a:effectRef>
+          <a:fontRef idx="minor">
+            <a:schemeClr val="dk1"/>
+          </a:fontRef>
+        </p:style>
+        <p:txBody>
+          <a:bodyPr wrap="square">
+            <a:spAutoFit/>
+          </a:bodyPr>
+          <a:lstStyle/>
+          <a:p>
+            <a:pPr>
+              <a:buNone/>
+            </a:pPr>
+            <a:r>
+              <a:rPr lang="de-CH" dirty="0" smtClean="0">
+                <a:latin typeface="Courier New" pitchFamily="49" charset="0"/>
+                <a:cs typeface="Courier New" pitchFamily="49" charset="0"/>
+              </a:rPr>
+              <a:t>D.raw(p2);</a:t>
+            </a:r>
+            <a:endParaRPr lang="de-CH" dirty="0">
+              <a:latin typeface="Courier New" pitchFamily="49" charset="0"/>
+              <a:cs typeface="Courier New" pitchFamily="49" charset="0"/>
+            </a:endParaRPr>
+          </a:p>
+        </p:txBody>
+      </p:sp>
+      <p:sp>
+        <p:nvSpPr>
+          <p:cNvPr id="6" name="Titel 1"/>
+          <p:cNvSpPr txBox="1">
+            <a:spLocks/>
+          </p:cNvSpPr>
+          <p:nvPr/>
+        </p:nvSpPr>
+        <p:spPr>
+          <a:xfrm>
+            <a:off x="395536" y="0"/>
+            <a:ext cx="8229600" cy="764704"/>
+          </a:xfrm>
+          <a:prstGeom prst="rect">
+            <a:avLst/>
+          </a:prstGeom>
         </p:spPr>
         <p:txBody>
-          <a:bodyPr>
-            <a:noAutofit/>
+          <a:bodyPr vert="horz" lIns="91440" tIns="45720" rIns="91440" bIns="45720" rtlCol="0" anchor="ctr">
+            <a:normAutofit/>
           </a:bodyPr>
           <a:lstStyle/>
           <a:p>
-            <a:r>
-              <a:rPr lang="de-CH" sz="8000" dirty="0" smtClean="0"/>
-              <a:t>?</a:t>
-            </a:r>
-            <a:endParaRPr lang="de-CH" sz="8000" dirty="0"/>
+            <a:pPr marL="0" marR="0" lvl="0" indent="0" algn="ctr" defTabSz="914400" rtl="0" eaLnBrk="1" fontAlgn="auto" latinLnBrk="0" hangingPunct="1">
+              <a:lnSpc>
+                <a:spcPct val="100000"/>
+              </a:lnSpc>
+              <a:spcBef>
+                <a:spcPct val="0"/>
+              </a:spcBef>
+              <a:spcAft>
+                <a:spcPts val="0"/>
+              </a:spcAft>
+              <a:buClrTx/>
+              <a:buSzTx/>
+              <a:buFontTx/>
+              <a:buNone/>
+              <a:tabLst/>
+              <a:defRPr/>
+            </a:pPr>
+            <a:r>
+              <a:rPr kumimoji="0" lang="de-CH" sz="4400" b="0" i="0" u="none" strike="noStrike" kern="1200" cap="none" spc="0" normalizeH="0" baseline="0" noProof="0" dirty="0" smtClean="0">
+                <a:ln>
+                  <a:noFill/>
+                </a:ln>
+                <a:solidFill>
+                  <a:schemeClr val="tx1"/>
+                </a:solidFill>
+                <a:effectLst/>
+                <a:uLnTx/>
+                <a:uFillTx/>
+                <a:latin typeface="+mj-lt"/>
+                <a:ea typeface="+mj-ea"/>
+                <a:cs typeface="+mj-cs"/>
+              </a:rPr>
+              <a:t>Style 3</a:t>
+            </a:r>
+            <a:endParaRPr kumimoji="0" lang="de-CH" sz="4400" b="0" i="0" u="none" strike="noStrike" kern="1200" cap="none" spc="0" normalizeH="0" baseline="0" noProof="0" dirty="0">
+              <a:ln>
+                <a:noFill/>
+              </a:ln>
+              <a:solidFill>
+                <a:schemeClr val="tx1"/>
+              </a:solidFill>
+              <a:effectLst/>
+              <a:uLnTx/>
+              <a:uFillTx/>
+              <a:latin typeface="+mj-lt"/>
+              <a:ea typeface="+mj-ea"/>
+              <a:cs typeface="+mj-cs"/>
+            </a:endParaRPr>
           </a:p>
         </p:txBody>
       </p:sp>
@@ -4295,8 +5565,59 @@
             </a:r>
             <a:r>
               <a:rPr lang="de-CH" sz="2800" dirty="0" smtClean="0"/>
+              <a:t> </a:t>
+            </a:r>
+            <a:r>
+              <a:rPr lang="de-CH" sz="2800" dirty="0" smtClean="0">
+                <a:cs typeface="Courier New" pitchFamily="49" charset="0"/>
+              </a:rPr>
+              <a:t>(</a:t>
+            </a:r>
+            <a:r>
+              <a:rPr lang="de-CH" sz="2000" i="1" dirty="0" err="1" smtClean="0">
+                <a:latin typeface="Courier New" pitchFamily="49" charset="0"/>
+                <a:cs typeface="Courier New" pitchFamily="49" charset="0"/>
+              </a:rPr>
+              <a:t>System.out.println</a:t>
+            </a:r>
+            <a:r>
+              <a:rPr lang="de-CH" sz="2000" i="1" dirty="0" smtClean="0">
+                <a:latin typeface="Courier New" pitchFamily="49" charset="0"/>
+                <a:cs typeface="Courier New" pitchFamily="49" charset="0"/>
+              </a:rPr>
+              <a:t>(</a:t>
+            </a:r>
+            <a:r>
+              <a:rPr lang="de-CH" sz="2000" i="1" dirty="0" err="1" smtClean="0">
+                <a:latin typeface="Courier New" pitchFamily="49" charset="0"/>
+                <a:cs typeface="Courier New" pitchFamily="49" charset="0"/>
+              </a:rPr>
+              <a:t>colors</a:t>
+            </a:r>
+            <a:r>
+              <a:rPr lang="de-CH" sz="2000" i="1" dirty="0" smtClean="0">
+                <a:latin typeface="Courier New" pitchFamily="49" charset="0"/>
+                <a:cs typeface="Courier New" pitchFamily="49" charset="0"/>
+              </a:rPr>
+              <a:t>);</a:t>
+            </a:r>
+            <a:r>
+              <a:rPr lang="de-CH" sz="2800" dirty="0" smtClean="0">
+                <a:cs typeface="Courier New" pitchFamily="49" charset="0"/>
+              </a:rPr>
+              <a:t>)</a:t>
+            </a:r>
+            <a:r>
+              <a:rPr lang="de-CH" sz="2800" dirty="0" smtClean="0">
+                <a:latin typeface="Courier New" pitchFamily="49" charset="0"/>
+                <a:cs typeface="Courier New" pitchFamily="49" charset="0"/>
+              </a:rPr>
               <a:t>:</a:t>
             </a:r>
+            <a:endParaRPr lang="de-CH" sz="2800" dirty="0" smtClean="0">
+              <a:latin typeface="Courier New" pitchFamily="49" charset="0"/>
+              <a:cs typeface="Courier New" pitchFamily="49" charset="0"/>
+            </a:endParaRPr>
           </a:p>
           <a:p>
             <a:pPr>
@@ -4444,8 +5765,38 @@
               <a:rPr lang="de-CH" sz="2800" dirty="0" smtClean="0">
                 <a:cs typeface="Courier New" pitchFamily="49" charset="0"/>
               </a:rPr>
-              <a:t>:</a:t>
-            </a:r>
+              <a:t> (</a:t>
+            </a:r>
+            <a:r>
+              <a:rPr lang="de-CH" sz="2000" i="1" dirty="0" smtClean="0">
+                <a:latin typeface="Courier New" pitchFamily="49" charset="0"/>
+                <a:cs typeface="Courier New" pitchFamily="49" charset="0"/>
+              </a:rPr>
+              <a:t>D.raw(</a:t>
+            </a:r>
+            <a:r>
+              <a:rPr lang="de-CH" sz="2000" i="1" dirty="0" err="1" smtClean="0">
+                <a:latin typeface="Courier New" pitchFamily="49" charset="0"/>
+                <a:cs typeface="Courier New" pitchFamily="49" charset="0"/>
+              </a:rPr>
+              <a:t>colors</a:t>
+            </a:r>
+            <a:r>
+              <a:rPr lang="de-CH" sz="2000" i="1" dirty="0" smtClean="0">
+                <a:latin typeface="Courier New" pitchFamily="49" charset="0"/>
+                <a:cs typeface="Courier New" pitchFamily="49" charset="0"/>
+              </a:rPr>
+              <a:t>);</a:t>
+            </a:r>
+            <a:r>
+              <a:rPr lang="de-CH" sz="2800" dirty="0" smtClean="0">
+                <a:cs typeface="Courier New" pitchFamily="49" charset="0"/>
+              </a:rPr>
+              <a:t>):</a:t>
+            </a:r>
+            <a:endParaRPr lang="de-CH" sz="2800" dirty="0" smtClean="0">
+              <a:cs typeface="Courier New" pitchFamily="49" charset="0"/>
+            </a:endParaRPr>
           </a:p>
           <a:p>
             <a:pPr>
@@ -4457,594 +5808,32 @@
           </a:p>
         </p:txBody>
       </p:sp>
-      <p:grpSp>
-        <p:nvGrpSpPr>
-          <p:cNvPr id="13" name="Gruppieren 12"/>
-          <p:cNvGrpSpPr/>
+      <p:pic>
+        <p:nvPicPr>
+          <p:cNvPr id="1026" name="Picture 2" descr="C:\Users\Reichenbach Cedric\Dropbox\studium\ba\pics presentation\skizze visualization al colors Kopie.jpg"/>
+          <p:cNvPicPr>
+            <a:picLocks noChangeAspect="1" noChangeArrowheads="1"/>
+          </p:cNvPicPr>
           <p:nvPr/>
-        </p:nvGrpSpPr>
-        <p:grpSpPr>
+        </p:nvPicPr>
+        <p:blipFill>
+          <a:blip r:embed="rId2" cstate="print"/>
+          <a:srcRect l="5046" t="20236" r="15746" b="54849"/>
+          <a:stretch>
+            <a:fillRect/>
+          </a:stretch>
+        </p:blipFill>
+        <p:spPr bwMode="auto">
           <a:xfrm>
-            <a:off x="611560" y="4509120"/>
-            <a:ext cx="6912768" cy="1249523"/>
-            <a:chOff x="611560" y="5013176"/>
-            <a:chExt cx="6912768" cy="1249523"/>
+            <a:off x="395536" y="4293096"/>
+            <a:ext cx="8424936" cy="1656184"/>
           </a:xfrm>
-        </p:grpSpPr>
-        <p:grpSp>
-          <p:nvGrpSpPr>
-            <p:cNvPr id="8" name="Gruppieren 7"/>
-            <p:cNvGrpSpPr/>
-            <p:nvPr/>
-          </p:nvGrpSpPr>
-          <p:grpSpPr>
-            <a:xfrm>
-              <a:off x="611560" y="5013176"/>
-              <a:ext cx="6839521" cy="1249523"/>
-              <a:chOff x="1331640" y="5301208"/>
-              <a:chExt cx="2088232" cy="740141"/>
-            </a:xfrm>
-          </p:grpSpPr>
-          <p:sp>
-            <p:nvSpPr>
-              <p:cNvPr id="4" name="Rechteck 3"/>
-              <p:cNvSpPr/>
-              <p:nvPr/>
-            </p:nvSpPr>
-            <p:spPr>
-              <a:xfrm>
-                <a:off x="1331640" y="5301208"/>
-                <a:ext cx="351766" cy="576064"/>
-              </a:xfrm>
-              <a:prstGeom prst="rect">
-                <a:avLst/>
-              </a:prstGeom>
-              <a:solidFill>
-                <a:srgbClr val="FF0000"/>
-              </a:solidFill>
-              <a:ln w="12700"/>
-            </p:spPr>
-            <p:style>
-              <a:lnRef idx="2">
-                <a:schemeClr val="dk1"/>
-              </a:lnRef>
-              <a:fillRef idx="1">
-                <a:schemeClr val="lt1"/>
-              </a:fillRef>
-              <a:effectRef idx="0">
-                <a:schemeClr val="dk1"/>
-              </a:effectRef>
-              <a:fontRef idx="minor">
-                <a:schemeClr val="dk1"/>
-              </a:fontRef>
-            </p:style>
-            <p:txBody>
-              <a:bodyPr rtlCol="0" anchor="ctr"/>
-              <a:lstStyle/>
-              <a:p>
-                <a:pPr algn="ctr"/>
-                <a:endParaRPr lang="de-CH" b="1">
-                  <a:ln w="10541" cmpd="sng">
-                    <a:solidFill>
-                      <a:srgbClr val="7D7D7D">
-                        <a:tint val="100000"/>
-                        <a:shade val="100000"/>
-                        <a:satMod val="110000"/>
-                      </a:srgbClr>
-                    </a:solidFill>
-                    <a:prstDash val="solid"/>
-                  </a:ln>
-                  <a:gradFill>
-                    <a:gsLst>
-                      <a:gs pos="0">
-                        <a:srgbClr val="FFFFFF">
-                          <a:tint val="40000"/>
-                          <a:satMod val="250000"/>
-                        </a:srgbClr>
-                      </a:gs>
-                      <a:gs pos="9000">
-                        <a:srgbClr val="FFFFFF">
-                          <a:tint val="52000"/>
-                          <a:satMod val="300000"/>
-                        </a:srgbClr>
-                      </a:gs>
-                      <a:gs pos="50000">
-                        <a:srgbClr val="FFFFFF">
-                          <a:shade val="20000"/>
-                          <a:satMod val="300000"/>
-                        </a:srgbClr>
-                      </a:gs>
-                      <a:gs pos="79000">
-                        <a:srgbClr val="FFFFFF">
-                          <a:tint val="52000"/>
-                          <a:satMod val="300000"/>
-                        </a:srgbClr>
-                      </a:gs>
-                      <a:gs pos="100000">
-                        <a:srgbClr val="FFFFFF">
-                          <a:tint val="40000"/>
-                          <a:satMod val="250000"/>
-                        </a:srgbClr>
-                      </a:gs>
-                    </a:gsLst>
-                    <a:lin ang="5400000"/>
-                  </a:gradFill>
-                </a:endParaRPr>
-              </a:p>
-            </p:txBody>
-          </p:sp>
-          <p:sp>
-            <p:nvSpPr>
-              <p:cNvPr id="5" name="Rechteck 4"/>
-              <p:cNvSpPr/>
-              <p:nvPr/>
-            </p:nvSpPr>
-            <p:spPr>
-              <a:xfrm>
-                <a:off x="1683406" y="5301208"/>
-                <a:ext cx="351766" cy="576064"/>
-              </a:xfrm>
-              <a:prstGeom prst="rect">
-                <a:avLst/>
-              </a:prstGeom>
-              <a:solidFill>
-                <a:srgbClr val="0000FF"/>
-              </a:solidFill>
-              <a:ln w="12700"/>
-            </p:spPr>
-            <p:style>
-              <a:lnRef idx="2">
-                <a:schemeClr val="dk1"/>
-              </a:lnRef>
-              <a:fillRef idx="1">
-                <a:schemeClr val="lt1"/>
-              </a:fillRef>
-              <a:effectRef idx="0">
-                <a:schemeClr val="dk1"/>
-              </a:effectRef>
-              <a:fontRef idx="minor">
-                <a:schemeClr val="dk1"/>
-              </a:fontRef>
-            </p:style>
-            <p:txBody>
-              <a:bodyPr rtlCol="0" anchor="ctr"/>
-              <a:lstStyle/>
-              <a:p>
-                <a:pPr algn="ctr"/>
-                <a:endParaRPr lang="de-CH" b="1">
-                  <a:ln w="10541" cmpd="sng">
-                    <a:solidFill>
-                      <a:srgbClr val="7D7D7D">
-                        <a:tint val="100000"/>
-                        <a:shade val="100000"/>
-                        <a:satMod val="110000"/>
-                      </a:srgbClr>
-                    </a:solidFill>
-                    <a:prstDash val="solid"/>
-                  </a:ln>
-                  <a:gradFill>
-                    <a:gsLst>
-                      <a:gs pos="0">
-                        <a:srgbClr val="FFFFFF">
-                          <a:tint val="40000"/>
-                          <a:satMod val="250000"/>
-                        </a:srgbClr>
-                      </a:gs>
-                      <a:gs pos="9000">
-                        <a:srgbClr val="FFFFFF">
-                          <a:tint val="52000"/>
-                          <a:satMod val="300000"/>
-                        </a:srgbClr>
-                      </a:gs>
-                      <a:gs pos="50000">
-                        <a:srgbClr val="FFFFFF">
-                          <a:shade val="20000"/>
-                          <a:satMod val="300000"/>
-                        </a:srgbClr>
-                      </a:gs>
-                      <a:gs pos="79000">
-                        <a:srgbClr val="FFFFFF">
-                          <a:tint val="52000"/>
-                          <a:satMod val="300000"/>
-                        </a:srgbClr>
-                      </a:gs>
-                      <a:gs pos="100000">
-                        <a:srgbClr val="FFFFFF">
-                          <a:tint val="40000"/>
-                          <a:satMod val="250000"/>
-                        </a:srgbClr>
-                      </a:gs>
-                    </a:gsLst>
-                    <a:lin ang="5400000"/>
-                  </a:gradFill>
-                </a:endParaRPr>
-              </a:p>
-            </p:txBody>
-          </p:sp>
-          <p:sp>
-            <p:nvSpPr>
-              <p:cNvPr id="6" name="Rechteck 5"/>
-              <p:cNvSpPr/>
-              <p:nvPr/>
-            </p:nvSpPr>
-            <p:spPr>
-              <a:xfrm>
-                <a:off x="2035172" y="5301208"/>
-                <a:ext cx="351766" cy="576064"/>
-              </a:xfrm>
-              <a:prstGeom prst="rect">
-                <a:avLst/>
-              </a:prstGeom>
-              <a:solidFill>
-                <a:srgbClr val="808080"/>
-              </a:solidFill>
-              <a:ln w="12700"/>
-            </p:spPr>
-            <p:style>
-              <a:lnRef idx="2">
-                <a:schemeClr val="dk1"/>
-              </a:lnRef>
-              <a:fillRef idx="1">
-                <a:schemeClr val="lt1"/>
-              </a:fillRef>
-              <a:effectRef idx="0">
-                <a:schemeClr val="dk1"/>
-              </a:effectRef>
-              <a:fontRef idx="minor">
-                <a:schemeClr val="dk1"/>
-              </a:fontRef>
-            </p:style>
-            <p:txBody>
-              <a:bodyPr rtlCol="0" anchor="ctr"/>
-              <a:lstStyle/>
-              <a:p>
-                <a:pPr algn="ctr"/>
-                <a:endParaRPr lang="de-CH" b="1">
-                  <a:ln w="10541" cmpd="sng">
-                    <a:solidFill>
-                      <a:srgbClr val="7D7D7D">
-                        <a:tint val="100000"/>
-                        <a:shade val="100000"/>
-                        <a:satMod val="110000"/>
-                      </a:srgbClr>
-                    </a:solidFill>
-                    <a:prstDash val="solid"/>
-                  </a:ln>
-                  <a:gradFill>
-                    <a:gsLst>
-                      <a:gs pos="0">
-                        <a:srgbClr val="FFFFFF">
-                          <a:tint val="40000"/>
-                          <a:satMod val="250000"/>
-                        </a:srgbClr>
-                      </a:gs>
-                      <a:gs pos="9000">
-                        <a:srgbClr val="FFFFFF">
-                          <a:tint val="52000"/>
-                          <a:satMod val="300000"/>
-                        </a:srgbClr>
-                      </a:gs>
-                      <a:gs pos="50000">
-                        <a:srgbClr val="FFFFFF">
-                          <a:shade val="20000"/>
-                          <a:satMod val="300000"/>
-                        </a:srgbClr>
-                      </a:gs>
-                      <a:gs pos="79000">
-                        <a:srgbClr val="FFFFFF">
-                          <a:tint val="52000"/>
-                          <a:satMod val="300000"/>
-                        </a:srgbClr>
-                      </a:gs>
-                      <a:gs pos="100000">
-                        <a:srgbClr val="FFFFFF">
-                          <a:tint val="40000"/>
-                          <a:satMod val="250000"/>
-                        </a:srgbClr>
-                      </a:gs>
-                    </a:gsLst>
-                    <a:lin ang="5400000"/>
-                  </a:gradFill>
-                </a:endParaRPr>
-              </a:p>
-            </p:txBody>
-          </p:sp>
-          <p:sp>
-            <p:nvSpPr>
-              <p:cNvPr id="7" name="Textfeld 6"/>
-              <p:cNvSpPr txBox="1"/>
-              <p:nvPr/>
-            </p:nvSpPr>
-            <p:spPr>
-              <a:xfrm>
-                <a:off x="1338417" y="5877272"/>
-                <a:ext cx="2081455" cy="164077"/>
-              </a:xfrm>
-              <a:prstGeom prst="rect">
-                <a:avLst/>
-              </a:prstGeom>
-              <a:noFill/>
-            </p:spPr>
-            <p:txBody>
-              <a:bodyPr wrap="square" rtlCol="0">
-                <a:spAutoFit/>
-              </a:bodyPr>
-              <a:lstStyle/>
-              <a:p>
-                <a:r>
-                  <a:rPr lang="de-CH" sz="1200" i="1" dirty="0" smtClean="0"/>
-                  <a:t>ArrayList</a:t>
-                </a:r>
-                <a:endParaRPr lang="de-CH" sz="1200" i="1" dirty="0"/>
-              </a:p>
-            </p:txBody>
-          </p:sp>
-        </p:grpSp>
-        <p:sp>
-          <p:nvSpPr>
-            <p:cNvPr id="10" name="Rechteck 9"/>
-            <p:cNvSpPr/>
-            <p:nvPr/>
-          </p:nvSpPr>
-          <p:spPr>
-            <a:xfrm>
-              <a:off x="4067944" y="5013176"/>
-              <a:ext cx="1152128" cy="972524"/>
-            </a:xfrm>
-            <a:prstGeom prst="rect">
-              <a:avLst/>
-            </a:prstGeom>
-            <a:solidFill>
-              <a:srgbClr val="00FF00"/>
-            </a:solidFill>
-            <a:ln w="12700"/>
-          </p:spPr>
-          <p:style>
-            <a:lnRef idx="2">
-              <a:schemeClr val="dk1"/>
-            </a:lnRef>
-            <a:fillRef idx="1">
-              <a:schemeClr val="lt1"/>
-            </a:fillRef>
-            <a:effectRef idx="0">
-              <a:schemeClr val="dk1"/>
-            </a:effectRef>
-            <a:fontRef idx="minor">
-              <a:schemeClr val="dk1"/>
-            </a:fontRef>
-          </p:style>
-          <p:txBody>
-            <a:bodyPr rtlCol="0" anchor="ctr"/>
-            <a:lstStyle/>
-            <a:p>
-              <a:pPr algn="ctr"/>
-              <a:endParaRPr lang="de-CH" b="1">
-                <a:ln w="10541" cmpd="sng">
-                  <a:solidFill>
-                    <a:srgbClr val="7D7D7D">
-                      <a:tint val="100000"/>
-                      <a:shade val="100000"/>
-                      <a:satMod val="110000"/>
-                    </a:srgbClr>
-                  </a:solidFill>
-                  <a:prstDash val="solid"/>
-                </a:ln>
-                <a:gradFill>
-                  <a:gsLst>
-                    <a:gs pos="0">
-                      <a:srgbClr val="FFFFFF">
-                        <a:tint val="40000"/>
-                        <a:satMod val="250000"/>
-                      </a:srgbClr>
-                    </a:gs>
-                    <a:gs pos="9000">
-                      <a:srgbClr val="FFFFFF">
-                        <a:tint val="52000"/>
-                        <a:satMod val="300000"/>
-                      </a:srgbClr>
-                    </a:gs>
-                    <a:gs pos="50000">
-                      <a:srgbClr val="FFFFFF">
-                        <a:shade val="20000"/>
-                        <a:satMod val="300000"/>
-                      </a:srgbClr>
-                    </a:gs>
-                    <a:gs pos="79000">
-                      <a:srgbClr val="FFFFFF">
-                        <a:tint val="52000"/>
-                        <a:satMod val="300000"/>
-                      </a:srgbClr>
-                    </a:gs>
-                    <a:gs pos="100000">
-                      <a:srgbClr val="FFFFFF">
-                        <a:tint val="40000"/>
-                        <a:satMod val="250000"/>
-                      </a:srgbClr>
-                    </a:gs>
-                  </a:gsLst>
-                  <a:lin ang="5400000"/>
-                </a:gradFill>
-              </a:endParaRPr>
-            </a:p>
-          </p:txBody>
-        </p:sp>
-        <p:sp>
-          <p:nvSpPr>
-            <p:cNvPr id="11" name="Rechteck 10"/>
-            <p:cNvSpPr/>
-            <p:nvPr/>
-          </p:nvSpPr>
-          <p:spPr>
-            <a:xfrm>
-              <a:off x="5220072" y="5013176"/>
-              <a:ext cx="1152128" cy="972524"/>
-            </a:xfrm>
-            <a:prstGeom prst="rect">
-              <a:avLst/>
-            </a:prstGeom>
-            <a:solidFill>
-              <a:srgbClr val="FFFF00"/>
-            </a:solidFill>
-            <a:ln w="12700"/>
-          </p:spPr>
-          <p:style>
-            <a:lnRef idx="2">
-              <a:schemeClr val="dk1"/>
-            </a:lnRef>
-            <a:fillRef idx="1">
-              <a:schemeClr val="lt1"/>
-            </a:fillRef>
-            <a:effectRef idx="0">
-              <a:schemeClr val="dk1"/>
-            </a:effectRef>
-            <a:fontRef idx="minor">
-              <a:schemeClr val="dk1"/>
-            </a:fontRef>
-          </p:style>
-          <p:txBody>
-            <a:bodyPr rtlCol="0" anchor="ctr"/>
-            <a:lstStyle/>
-            <a:p>
-              <a:pPr algn="ctr"/>
-              <a:endParaRPr lang="de-CH" b="1">
-                <a:ln w="10541" cmpd="sng">
-                  <a:solidFill>
-                    <a:srgbClr val="7D7D7D">
-                      <a:tint val="100000"/>
-                      <a:shade val="100000"/>
-                      <a:satMod val="110000"/>
-                    </a:srgbClr>
-                  </a:solidFill>
-                  <a:prstDash val="solid"/>
-                </a:ln>
-                <a:gradFill>
-                  <a:gsLst>
-                    <a:gs pos="0">
-                      <a:srgbClr val="FFFFFF">
-                        <a:tint val="40000"/>
-                        <a:satMod val="250000"/>
-                      </a:srgbClr>
-                    </a:gs>
-                    <a:gs pos="9000">
-                      <a:srgbClr val="FFFFFF">
-                        <a:tint val="52000"/>
-                        <a:satMod val="300000"/>
-                      </a:srgbClr>
-                    </a:gs>
-                    <a:gs pos="50000">
-                      <a:srgbClr val="FFFFFF">
-                        <a:shade val="20000"/>
-                        <a:satMod val="300000"/>
-                      </a:srgbClr>
-                    </a:gs>
-                    <a:gs pos="79000">
-                      <a:srgbClr val="FFFFFF">
-                        <a:tint val="52000"/>
-                        <a:satMod val="300000"/>
-                      </a:srgbClr>
-                    </a:gs>
-                    <a:gs pos="100000">
-                      <a:srgbClr val="FFFFFF">
-                        <a:tint val="40000"/>
-                        <a:satMod val="250000"/>
-                      </a:srgbClr>
-                    </a:gs>
-                  </a:gsLst>
-                  <a:lin ang="5400000"/>
-                </a:gradFill>
-              </a:endParaRPr>
-            </a:p>
-          </p:txBody>
-        </p:sp>
-        <p:sp>
-          <p:nvSpPr>
-            <p:cNvPr id="12" name="Rechteck 11"/>
-            <p:cNvSpPr/>
-            <p:nvPr/>
-          </p:nvSpPr>
-          <p:spPr>
-            <a:xfrm>
-              <a:off x="6372200" y="5013176"/>
-              <a:ext cx="1152128" cy="972524"/>
-            </a:xfrm>
-            <a:prstGeom prst="rect">
-              <a:avLst/>
-            </a:prstGeom>
-            <a:solidFill>
-              <a:srgbClr val="0000FF"/>
-            </a:solidFill>
-            <a:ln w="12700"/>
-          </p:spPr>
-          <p:style>
-            <a:lnRef idx="2">
-              <a:schemeClr val="dk1"/>
-            </a:lnRef>
-            <a:fillRef idx="1">
-              <a:schemeClr val="lt1"/>
-            </a:fillRef>
-            <a:effectRef idx="0">
-              <a:schemeClr val="dk1"/>
-            </a:effectRef>
-            <a:fontRef idx="minor">
-              <a:schemeClr val="dk1"/>
-            </a:fontRef>
-          </p:style>
-          <p:txBody>
-            <a:bodyPr rtlCol="0" anchor="ctr"/>
-            <a:lstStyle/>
-            <a:p>
-              <a:pPr algn="ctr"/>
-              <a:endParaRPr lang="de-CH" b="1">
-                <a:ln w="10541" cmpd="sng">
-                  <a:solidFill>
-                    <a:srgbClr val="7D7D7D">
-                      <a:tint val="100000"/>
-                      <a:shade val="100000"/>
-                      <a:satMod val="110000"/>
-                    </a:srgbClr>
-                  </a:solidFill>
-                  <a:prstDash val="solid"/>
-                </a:ln>
-                <a:gradFill>
-                  <a:gsLst>
-                    <a:gs pos="0">
-                      <a:srgbClr val="FFFFFF">
-                        <a:tint val="40000"/>
-                        <a:satMod val="250000"/>
-                      </a:srgbClr>
-                    </a:gs>
-                    <a:gs pos="9000">
-                      <a:srgbClr val="FFFFFF">
-                        <a:tint val="52000"/>
-                        <a:satMod val="300000"/>
-                      </a:srgbClr>
-                    </a:gs>
-                    <a:gs pos="50000">
-                      <a:srgbClr val="FFFFFF">
-                        <a:shade val="20000"/>
-                        <a:satMod val="300000"/>
-                      </a:srgbClr>
-                    </a:gs>
-                    <a:gs pos="79000">
-                      <a:srgbClr val="FFFFFF">
-                        <a:tint val="52000"/>
-                        <a:satMod val="300000"/>
-                      </a:srgbClr>
-                    </a:gs>
-                    <a:gs pos="100000">
-                      <a:srgbClr val="FFFFFF">
-                        <a:tint val="40000"/>
-                        <a:satMod val="250000"/>
-                      </a:srgbClr>
-                    </a:gs>
-                  </a:gsLst>
-                  <a:lin ang="5400000"/>
-                </a:gradFill>
-              </a:endParaRPr>
-            </a:p>
-          </p:txBody>
-        </p:sp>
-      </p:grpSp>
+          <a:prstGeom prst="rect">
+            <a:avLst/>
+          </a:prstGeom>
+          <a:noFill/>
+        </p:spPr>
+      </p:pic>
     </p:spTree>
   </p:cSld>
   <p:clrMapOvr>
@@ -5254,51 +6043,6 @@
                       </p:childTnLst>
                     </p:cTn>
                   </p:par>
-                  <p:par>
-                    <p:cTn id="19" fill="hold">
-                      <p:stCondLst>
-                        <p:cond delay="indefinite"/>
-                      </p:stCondLst>
-                      <p:childTnLst>
-                        <p:par>
-                          <p:cTn id="20" fill="hold">
-                            <p:stCondLst>
-                              <p:cond delay="0"/>
-                            </p:stCondLst>
-                            <p:childTnLst>
-                              <p:par>
-                                <p:cTn id="21" presetID="1" presetClass="entr" presetSubtype="0" fill="hold" nodeType="clickEffect">
-                                  <p:stCondLst>
-                                    <p:cond delay="0"/>
-                                  </p:stCondLst>
-                                  <p:childTnLst>
-                                    <p:set>
-                                      <p:cBhvr>
-                                        <p:cTn id="22" dur="1" fill="hold">
-                                          <p:stCondLst>
-                                            <p:cond delay="0"/>
-                                          </p:stCondLst>
-                                        </p:cTn>
-                                        <p:tgtEl>
-                                          <p:spTgt spid="13"/>
-                                        </p:tgtEl>
-                                        <p:attrNameLst>
-                                          <p:attrName>style.visibility</p:attrName>
-                                        </p:attrNameLst>
-                                      </p:cBhvr>
-                                      <p:to>
-                                        <p:strVal val="visible"/>
-                                      </p:to>
-                                    </p:set>
-                                  </p:childTnLst>
-                                </p:cTn>
-                              </p:par>
-                            </p:childTnLst>
-                          </p:cTn>
-                        </p:par>
-                      </p:childTnLst>
-                    </p:cTn>
-                  </p:par>
                 </p:childTnLst>
               </p:cTn>
               <p:prevCondLst>
@@ -5709,7 +6453,7 @@
     </p:spTree>
     <p:extLst>
       <p:ext uri="{BB962C8B-B14F-4D97-AF65-F5344CB8AC3E}">
-        <p14:creationId xmlns="" xmlns:p14="http://schemas.microsoft.com/office/powerpoint/2010/main" val="668186958"/>
+        <p14:creationId xmlns:p14="http://schemas.microsoft.com/office/powerpoint/2010/main" xmlns="" val="668186958"/>
       </p:ext>
     </p:extLst>
   </p:cSld>
@@ -5803,1186 +6547,62 @@
           </a:p>
         </p:txBody>
       </p:sp>
-      <p:grpSp>
-        <p:nvGrpSpPr>
-          <p:cNvPr id="4" name="Gruppieren 3"/>
-          <p:cNvGrpSpPr/>
+      <p:pic>
+        <p:nvPicPr>
+          <p:cNvPr id="2050" name="Picture 2" descr="C:\Users\Reichenbach Cedric\Dropbox\studium\ba\pics presentation\skizze visualization al colors 2 Kopie.jpg"/>
+          <p:cNvPicPr>
+            <a:picLocks noChangeAspect="1" noChangeArrowheads="1"/>
+          </p:cNvPicPr>
           <p:nvPr/>
-        </p:nvGrpSpPr>
-        <p:grpSpPr>
+        </p:nvPicPr>
+        <p:blipFill>
+          <a:blip r:embed="rId2" cstate="print"/>
+          <a:srcRect l="4921" t="21375" r="15637" b="55000"/>
+          <a:stretch>
+            <a:fillRect/>
+          </a:stretch>
+        </p:blipFill>
+        <p:spPr bwMode="auto">
           <a:xfrm>
-            <a:off x="611560" y="2276872"/>
-            <a:ext cx="6912768" cy="1249523"/>
-            <a:chOff x="611560" y="5013176"/>
-            <a:chExt cx="6912768" cy="1249523"/>
+            <a:off x="395536" y="3861048"/>
+            <a:ext cx="8136904" cy="1512168"/>
           </a:xfrm>
-        </p:grpSpPr>
-        <p:grpSp>
-          <p:nvGrpSpPr>
-            <p:cNvPr id="5" name="Gruppieren 4"/>
-            <p:cNvGrpSpPr/>
-            <p:nvPr/>
-          </p:nvGrpSpPr>
-          <p:grpSpPr>
-            <a:xfrm>
-              <a:off x="611560" y="5013176"/>
-              <a:ext cx="6839521" cy="1249523"/>
-              <a:chOff x="1331640" y="5301208"/>
-              <a:chExt cx="2088232" cy="740141"/>
-            </a:xfrm>
-          </p:grpSpPr>
-          <p:sp>
-            <p:nvSpPr>
-              <p:cNvPr id="9" name="Rechteck 8"/>
-              <p:cNvSpPr/>
-              <p:nvPr/>
-            </p:nvSpPr>
-            <p:spPr>
-              <a:xfrm>
-                <a:off x="1331640" y="5301208"/>
-                <a:ext cx="351766" cy="576064"/>
-              </a:xfrm>
-              <a:prstGeom prst="rect">
-                <a:avLst/>
-              </a:prstGeom>
-              <a:solidFill>
-                <a:srgbClr val="FF0000"/>
-              </a:solidFill>
-              <a:ln w="12700"/>
-            </p:spPr>
-            <p:style>
-              <a:lnRef idx="2">
-                <a:schemeClr val="dk1"/>
-              </a:lnRef>
-              <a:fillRef idx="1">
-                <a:schemeClr val="lt1"/>
-              </a:fillRef>
-              <a:effectRef idx="0">
-                <a:schemeClr val="dk1"/>
-              </a:effectRef>
-              <a:fontRef idx="minor">
-                <a:schemeClr val="dk1"/>
-              </a:fontRef>
-            </p:style>
-            <p:txBody>
-              <a:bodyPr rtlCol="0" anchor="ctr"/>
-              <a:lstStyle/>
-              <a:p>
-                <a:pPr algn="ctr"/>
-                <a:endParaRPr lang="de-CH" b="1">
-                  <a:ln w="10541" cmpd="sng">
-                    <a:solidFill>
-                      <a:srgbClr val="7D7D7D">
-                        <a:tint val="100000"/>
-                        <a:shade val="100000"/>
-                        <a:satMod val="110000"/>
-                      </a:srgbClr>
-                    </a:solidFill>
-                    <a:prstDash val="solid"/>
-                  </a:ln>
-                  <a:gradFill>
-                    <a:gsLst>
-                      <a:gs pos="0">
-                        <a:srgbClr val="FFFFFF">
-                          <a:tint val="40000"/>
-                          <a:satMod val="250000"/>
-                        </a:srgbClr>
-                      </a:gs>
-                      <a:gs pos="9000">
-                        <a:srgbClr val="FFFFFF">
-                          <a:tint val="52000"/>
-                          <a:satMod val="300000"/>
-                        </a:srgbClr>
-                      </a:gs>
-                      <a:gs pos="50000">
-                        <a:srgbClr val="FFFFFF">
-                          <a:shade val="20000"/>
-                          <a:satMod val="300000"/>
-                        </a:srgbClr>
-                      </a:gs>
-                      <a:gs pos="79000">
-                        <a:srgbClr val="FFFFFF">
-                          <a:tint val="52000"/>
-                          <a:satMod val="300000"/>
-                        </a:srgbClr>
-                      </a:gs>
-                      <a:gs pos="100000">
-                        <a:srgbClr val="FFFFFF">
-                          <a:tint val="40000"/>
-                          <a:satMod val="250000"/>
-                        </a:srgbClr>
-                      </a:gs>
-                    </a:gsLst>
-                    <a:lin ang="5400000"/>
-                  </a:gradFill>
-                </a:endParaRPr>
-              </a:p>
-            </p:txBody>
-          </p:sp>
-          <p:sp>
-            <p:nvSpPr>
-              <p:cNvPr id="10" name="Rechteck 9"/>
-              <p:cNvSpPr/>
-              <p:nvPr/>
-            </p:nvSpPr>
-            <p:spPr>
-              <a:xfrm>
-                <a:off x="1683406" y="5301208"/>
-                <a:ext cx="351766" cy="576064"/>
-              </a:xfrm>
-              <a:prstGeom prst="rect">
-                <a:avLst/>
-              </a:prstGeom>
-              <a:solidFill>
-                <a:srgbClr val="0000FF"/>
-              </a:solidFill>
-              <a:ln w="12700"/>
-            </p:spPr>
-            <p:style>
-              <a:lnRef idx="2">
-                <a:schemeClr val="dk1"/>
-              </a:lnRef>
-              <a:fillRef idx="1">
-                <a:schemeClr val="lt1"/>
-              </a:fillRef>
-              <a:effectRef idx="0">
-                <a:schemeClr val="dk1"/>
-              </a:effectRef>
-              <a:fontRef idx="minor">
-                <a:schemeClr val="dk1"/>
-              </a:fontRef>
-            </p:style>
-            <p:txBody>
-              <a:bodyPr rtlCol="0" anchor="ctr"/>
-              <a:lstStyle/>
-              <a:p>
-                <a:pPr algn="ctr"/>
-                <a:endParaRPr lang="de-CH" b="1">
-                  <a:ln w="10541" cmpd="sng">
-                    <a:solidFill>
-                      <a:srgbClr val="7D7D7D">
-                        <a:tint val="100000"/>
-                        <a:shade val="100000"/>
-                        <a:satMod val="110000"/>
-                      </a:srgbClr>
-                    </a:solidFill>
-                    <a:prstDash val="solid"/>
-                  </a:ln>
-                  <a:gradFill>
-                    <a:gsLst>
-                      <a:gs pos="0">
-                        <a:srgbClr val="FFFFFF">
-                          <a:tint val="40000"/>
-                          <a:satMod val="250000"/>
-                        </a:srgbClr>
-                      </a:gs>
-                      <a:gs pos="9000">
-                        <a:srgbClr val="FFFFFF">
-                          <a:tint val="52000"/>
-                          <a:satMod val="300000"/>
-                        </a:srgbClr>
-                      </a:gs>
-                      <a:gs pos="50000">
-                        <a:srgbClr val="FFFFFF">
-                          <a:shade val="20000"/>
-                          <a:satMod val="300000"/>
-                        </a:srgbClr>
-                      </a:gs>
-                      <a:gs pos="79000">
-                        <a:srgbClr val="FFFFFF">
-                          <a:tint val="52000"/>
-                          <a:satMod val="300000"/>
-                        </a:srgbClr>
-                      </a:gs>
-                      <a:gs pos="100000">
-                        <a:srgbClr val="FFFFFF">
-                          <a:tint val="40000"/>
-                          <a:satMod val="250000"/>
-                        </a:srgbClr>
-                      </a:gs>
-                    </a:gsLst>
-                    <a:lin ang="5400000"/>
-                  </a:gradFill>
-                </a:endParaRPr>
-              </a:p>
-            </p:txBody>
-          </p:sp>
-          <p:sp>
-            <p:nvSpPr>
-              <p:cNvPr id="11" name="Rechteck 10"/>
-              <p:cNvSpPr/>
-              <p:nvPr/>
-            </p:nvSpPr>
-            <p:spPr>
-              <a:xfrm>
-                <a:off x="2035172" y="5301208"/>
-                <a:ext cx="351766" cy="576064"/>
-              </a:xfrm>
-              <a:prstGeom prst="rect">
-                <a:avLst/>
-              </a:prstGeom>
-              <a:solidFill>
-                <a:srgbClr val="808080"/>
-              </a:solidFill>
-              <a:ln w="12700"/>
-            </p:spPr>
-            <p:style>
-              <a:lnRef idx="2">
-                <a:schemeClr val="dk1"/>
-              </a:lnRef>
-              <a:fillRef idx="1">
-                <a:schemeClr val="lt1"/>
-              </a:fillRef>
-              <a:effectRef idx="0">
-                <a:schemeClr val="dk1"/>
-              </a:effectRef>
-              <a:fontRef idx="minor">
-                <a:schemeClr val="dk1"/>
-              </a:fontRef>
-            </p:style>
-            <p:txBody>
-              <a:bodyPr rtlCol="0" anchor="ctr"/>
-              <a:lstStyle/>
-              <a:p>
-                <a:pPr algn="ctr"/>
-                <a:endParaRPr lang="de-CH" b="1">
-                  <a:ln w="10541" cmpd="sng">
-                    <a:solidFill>
-                      <a:srgbClr val="7D7D7D">
-                        <a:tint val="100000"/>
-                        <a:shade val="100000"/>
-                        <a:satMod val="110000"/>
-                      </a:srgbClr>
-                    </a:solidFill>
-                    <a:prstDash val="solid"/>
-                  </a:ln>
-                  <a:gradFill>
-                    <a:gsLst>
-                      <a:gs pos="0">
-                        <a:srgbClr val="FFFFFF">
-                          <a:tint val="40000"/>
-                          <a:satMod val="250000"/>
-                        </a:srgbClr>
-                      </a:gs>
-                      <a:gs pos="9000">
-                        <a:srgbClr val="FFFFFF">
-                          <a:tint val="52000"/>
-                          <a:satMod val="300000"/>
-                        </a:srgbClr>
-                      </a:gs>
-                      <a:gs pos="50000">
-                        <a:srgbClr val="FFFFFF">
-                          <a:shade val="20000"/>
-                          <a:satMod val="300000"/>
-                        </a:srgbClr>
-                      </a:gs>
-                      <a:gs pos="79000">
-                        <a:srgbClr val="FFFFFF">
-                          <a:tint val="52000"/>
-                          <a:satMod val="300000"/>
-                        </a:srgbClr>
-                      </a:gs>
-                      <a:gs pos="100000">
-                        <a:srgbClr val="FFFFFF">
-                          <a:tint val="40000"/>
-                          <a:satMod val="250000"/>
-                        </a:srgbClr>
-                      </a:gs>
-                    </a:gsLst>
-                    <a:lin ang="5400000"/>
-                  </a:gradFill>
-                </a:endParaRPr>
-              </a:p>
-            </p:txBody>
-          </p:sp>
-          <p:sp>
-            <p:nvSpPr>
-              <p:cNvPr id="12" name="Textfeld 11"/>
-              <p:cNvSpPr txBox="1"/>
-              <p:nvPr/>
-            </p:nvSpPr>
-            <p:spPr>
-              <a:xfrm>
-                <a:off x="1338417" y="5877272"/>
-                <a:ext cx="2081455" cy="164077"/>
-              </a:xfrm>
-              <a:prstGeom prst="rect">
-                <a:avLst/>
-              </a:prstGeom>
-              <a:noFill/>
-            </p:spPr>
-            <p:txBody>
-              <a:bodyPr wrap="square" rtlCol="0">
-                <a:spAutoFit/>
-              </a:bodyPr>
-              <a:lstStyle/>
-              <a:p>
-                <a:r>
-                  <a:rPr lang="de-CH" sz="1200" i="1" dirty="0" smtClean="0"/>
-                  <a:t>ArrayList</a:t>
-                </a:r>
-                <a:endParaRPr lang="de-CH" sz="1200" i="1" dirty="0"/>
-              </a:p>
-            </p:txBody>
-          </p:sp>
-        </p:grpSp>
-        <p:sp>
-          <p:nvSpPr>
-            <p:cNvPr id="6" name="Rechteck 5"/>
-            <p:cNvSpPr/>
-            <p:nvPr/>
-          </p:nvSpPr>
-          <p:spPr>
-            <a:xfrm>
-              <a:off x="4067944" y="5013176"/>
-              <a:ext cx="1152128" cy="972524"/>
-            </a:xfrm>
-            <a:prstGeom prst="rect">
-              <a:avLst/>
-            </a:prstGeom>
-            <a:solidFill>
-              <a:srgbClr val="00FF00"/>
-            </a:solidFill>
-            <a:ln w="12700"/>
-          </p:spPr>
-          <p:style>
-            <a:lnRef idx="2">
-              <a:schemeClr val="dk1"/>
-            </a:lnRef>
-            <a:fillRef idx="1">
-              <a:schemeClr val="lt1"/>
-            </a:fillRef>
-            <a:effectRef idx="0">
-              <a:schemeClr val="dk1"/>
-            </a:effectRef>
-            <a:fontRef idx="minor">
-              <a:schemeClr val="dk1"/>
-            </a:fontRef>
-          </p:style>
-          <p:txBody>
-            <a:bodyPr rtlCol="0" anchor="ctr"/>
-            <a:lstStyle/>
-            <a:p>
-              <a:pPr algn="ctr"/>
-              <a:endParaRPr lang="de-CH" b="1">
-                <a:ln w="10541" cmpd="sng">
-                  <a:solidFill>
-                    <a:srgbClr val="7D7D7D">
-                      <a:tint val="100000"/>
-                      <a:shade val="100000"/>
-                      <a:satMod val="110000"/>
-                    </a:srgbClr>
-                  </a:solidFill>
-                  <a:prstDash val="solid"/>
-                </a:ln>
-                <a:gradFill>
-                  <a:gsLst>
-                    <a:gs pos="0">
-                      <a:srgbClr val="FFFFFF">
-                        <a:tint val="40000"/>
-                        <a:satMod val="250000"/>
-                      </a:srgbClr>
-                    </a:gs>
-                    <a:gs pos="9000">
-                      <a:srgbClr val="FFFFFF">
-                        <a:tint val="52000"/>
-                        <a:satMod val="300000"/>
-                      </a:srgbClr>
-                    </a:gs>
-                    <a:gs pos="50000">
-                      <a:srgbClr val="FFFFFF">
-                        <a:shade val="20000"/>
-                        <a:satMod val="300000"/>
-                      </a:srgbClr>
-                    </a:gs>
-                    <a:gs pos="79000">
-                      <a:srgbClr val="FFFFFF">
-                        <a:tint val="52000"/>
-                        <a:satMod val="300000"/>
-                      </a:srgbClr>
-                    </a:gs>
-                    <a:gs pos="100000">
-                      <a:srgbClr val="FFFFFF">
-                        <a:tint val="40000"/>
-                        <a:satMod val="250000"/>
-                      </a:srgbClr>
-                    </a:gs>
-                  </a:gsLst>
-                  <a:lin ang="5400000"/>
-                </a:gradFill>
-              </a:endParaRPr>
-            </a:p>
-          </p:txBody>
-        </p:sp>
-        <p:sp>
-          <p:nvSpPr>
-            <p:cNvPr id="7" name="Rechteck 6"/>
-            <p:cNvSpPr/>
-            <p:nvPr/>
-          </p:nvSpPr>
-          <p:spPr>
-            <a:xfrm>
-              <a:off x="5220072" y="5013176"/>
-              <a:ext cx="1152128" cy="972524"/>
-            </a:xfrm>
-            <a:prstGeom prst="rect">
-              <a:avLst/>
-            </a:prstGeom>
-            <a:solidFill>
-              <a:srgbClr val="FFFF00"/>
-            </a:solidFill>
-            <a:ln w="12700"/>
-          </p:spPr>
-          <p:style>
-            <a:lnRef idx="2">
-              <a:schemeClr val="dk1"/>
-            </a:lnRef>
-            <a:fillRef idx="1">
-              <a:schemeClr val="lt1"/>
-            </a:fillRef>
-            <a:effectRef idx="0">
-              <a:schemeClr val="dk1"/>
-            </a:effectRef>
-            <a:fontRef idx="minor">
-              <a:schemeClr val="dk1"/>
-            </a:fontRef>
-          </p:style>
-          <p:txBody>
-            <a:bodyPr rtlCol="0" anchor="ctr"/>
-            <a:lstStyle/>
-            <a:p>
-              <a:pPr algn="ctr"/>
-              <a:endParaRPr lang="de-CH" b="1">
-                <a:ln w="10541" cmpd="sng">
-                  <a:solidFill>
-                    <a:srgbClr val="7D7D7D">
-                      <a:tint val="100000"/>
-                      <a:shade val="100000"/>
-                      <a:satMod val="110000"/>
-                    </a:srgbClr>
-                  </a:solidFill>
-                  <a:prstDash val="solid"/>
-                </a:ln>
-                <a:gradFill>
-                  <a:gsLst>
-                    <a:gs pos="0">
-                      <a:srgbClr val="FFFFFF">
-                        <a:tint val="40000"/>
-                        <a:satMod val="250000"/>
-                      </a:srgbClr>
-                    </a:gs>
-                    <a:gs pos="9000">
-                      <a:srgbClr val="FFFFFF">
-                        <a:tint val="52000"/>
-                        <a:satMod val="300000"/>
-                      </a:srgbClr>
-                    </a:gs>
-                    <a:gs pos="50000">
-                      <a:srgbClr val="FFFFFF">
-                        <a:shade val="20000"/>
-                        <a:satMod val="300000"/>
-                      </a:srgbClr>
-                    </a:gs>
-                    <a:gs pos="79000">
-                      <a:srgbClr val="FFFFFF">
-                        <a:tint val="52000"/>
-                        <a:satMod val="300000"/>
-                      </a:srgbClr>
-                    </a:gs>
-                    <a:gs pos="100000">
-                      <a:srgbClr val="FFFFFF">
-                        <a:tint val="40000"/>
-                        <a:satMod val="250000"/>
-                      </a:srgbClr>
-                    </a:gs>
-                  </a:gsLst>
-                  <a:lin ang="5400000"/>
-                </a:gradFill>
-              </a:endParaRPr>
-            </a:p>
-          </p:txBody>
-        </p:sp>
-        <p:sp>
-          <p:nvSpPr>
-            <p:cNvPr id="8" name="Rechteck 7"/>
-            <p:cNvSpPr/>
-            <p:nvPr/>
-          </p:nvSpPr>
-          <p:spPr>
-            <a:xfrm>
-              <a:off x="6372200" y="5013176"/>
-              <a:ext cx="1152128" cy="972524"/>
-            </a:xfrm>
-            <a:prstGeom prst="rect">
-              <a:avLst/>
-            </a:prstGeom>
-            <a:solidFill>
-              <a:srgbClr val="0000FF"/>
-            </a:solidFill>
-            <a:ln w="12700"/>
-          </p:spPr>
-          <p:style>
-            <a:lnRef idx="2">
-              <a:schemeClr val="dk1"/>
-            </a:lnRef>
-            <a:fillRef idx="1">
-              <a:schemeClr val="lt1"/>
-            </a:fillRef>
-            <a:effectRef idx="0">
-              <a:schemeClr val="dk1"/>
-            </a:effectRef>
-            <a:fontRef idx="minor">
-              <a:schemeClr val="dk1"/>
-            </a:fontRef>
-          </p:style>
-          <p:txBody>
-            <a:bodyPr rtlCol="0" anchor="ctr"/>
-            <a:lstStyle/>
-            <a:p>
-              <a:pPr algn="ctr"/>
-              <a:endParaRPr lang="de-CH" b="1">
-                <a:ln w="10541" cmpd="sng">
-                  <a:solidFill>
-                    <a:srgbClr val="7D7D7D">
-                      <a:tint val="100000"/>
-                      <a:shade val="100000"/>
-                      <a:satMod val="110000"/>
-                    </a:srgbClr>
-                  </a:solidFill>
-                  <a:prstDash val="solid"/>
-                </a:ln>
-                <a:gradFill>
-                  <a:gsLst>
-                    <a:gs pos="0">
-                      <a:srgbClr val="FFFFFF">
-                        <a:tint val="40000"/>
-                        <a:satMod val="250000"/>
-                      </a:srgbClr>
-                    </a:gs>
-                    <a:gs pos="9000">
-                      <a:srgbClr val="FFFFFF">
-                        <a:tint val="52000"/>
-                        <a:satMod val="300000"/>
-                      </a:srgbClr>
-                    </a:gs>
-                    <a:gs pos="50000">
-                      <a:srgbClr val="FFFFFF">
-                        <a:shade val="20000"/>
-                        <a:satMod val="300000"/>
-                      </a:srgbClr>
-                    </a:gs>
-                    <a:gs pos="79000">
-                      <a:srgbClr val="FFFFFF">
-                        <a:tint val="52000"/>
-                        <a:satMod val="300000"/>
-                      </a:srgbClr>
-                    </a:gs>
-                    <a:gs pos="100000">
-                      <a:srgbClr val="FFFFFF">
-                        <a:tint val="40000"/>
-                        <a:satMod val="250000"/>
-                      </a:srgbClr>
-                    </a:gs>
-                  </a:gsLst>
-                  <a:lin ang="5400000"/>
-                </a:gradFill>
-              </a:endParaRPr>
-            </a:p>
-          </p:txBody>
-        </p:sp>
-      </p:grpSp>
-      <p:grpSp>
-        <p:nvGrpSpPr>
-          <p:cNvPr id="13" name="Gruppieren 12"/>
-          <p:cNvGrpSpPr/>
+          <a:prstGeom prst="rect">
+            <a:avLst/>
+          </a:prstGeom>
+          <a:noFill/>
+        </p:spPr>
+      </p:pic>
+      <p:pic>
+        <p:nvPicPr>
+          <p:cNvPr id="2051" name="Picture 3" descr="C:\Users\Reichenbach Cedric\Dropbox\studium\ba\pics presentation\skizze visualization al colors Kopie.jpg"/>
+          <p:cNvPicPr>
+            <a:picLocks noChangeAspect="1" noChangeArrowheads="1"/>
+          </p:cNvPicPr>
           <p:nvPr/>
-        </p:nvGrpSpPr>
-        <p:grpSpPr>
+        </p:nvPicPr>
+        <p:blipFill>
+          <a:blip r:embed="rId3" cstate="print"/>
+          <a:srcRect l="5005" t="20790" r="15468" b="55271"/>
+          <a:stretch>
+            <a:fillRect/>
+          </a:stretch>
+        </p:blipFill>
+        <p:spPr bwMode="auto">
           <a:xfrm>
-            <a:off x="611560" y="3763653"/>
-            <a:ext cx="6912768" cy="1249523"/>
-            <a:chOff x="611560" y="5013176"/>
-            <a:chExt cx="6912768" cy="1249523"/>
+            <a:off x="395535" y="2276872"/>
+            <a:ext cx="8038367" cy="1512168"/>
           </a:xfrm>
-        </p:grpSpPr>
-        <p:grpSp>
-          <p:nvGrpSpPr>
-            <p:cNvPr id="14" name="Gruppieren 13"/>
-            <p:cNvGrpSpPr/>
-            <p:nvPr/>
-          </p:nvGrpSpPr>
-          <p:grpSpPr>
-            <a:xfrm>
-              <a:off x="611560" y="5013176"/>
-              <a:ext cx="6839521" cy="1249523"/>
-              <a:chOff x="1331640" y="5301208"/>
-              <a:chExt cx="2088232" cy="740141"/>
-            </a:xfrm>
-          </p:grpSpPr>
-          <p:sp>
-            <p:nvSpPr>
-              <p:cNvPr id="18" name="Rechteck 17"/>
-              <p:cNvSpPr/>
-              <p:nvPr/>
-            </p:nvSpPr>
-            <p:spPr>
-              <a:xfrm>
-                <a:off x="1331640" y="5301208"/>
-                <a:ext cx="351766" cy="576064"/>
-              </a:xfrm>
-              <a:prstGeom prst="rect">
-                <a:avLst/>
-              </a:prstGeom>
-              <a:solidFill>
-                <a:srgbClr val="FF0000"/>
-              </a:solidFill>
-              <a:ln w="12700"/>
-            </p:spPr>
-            <p:style>
-              <a:lnRef idx="2">
-                <a:schemeClr val="dk1"/>
-              </a:lnRef>
-              <a:fillRef idx="1">
-                <a:schemeClr val="lt1"/>
-              </a:fillRef>
-              <a:effectRef idx="0">
-                <a:schemeClr val="dk1"/>
-              </a:effectRef>
-              <a:fontRef idx="minor">
-                <a:schemeClr val="dk1"/>
-              </a:fontRef>
-            </p:style>
-            <p:txBody>
-              <a:bodyPr rtlCol="0" anchor="ctr"/>
-              <a:lstStyle/>
-              <a:p>
-                <a:pPr algn="ctr"/>
-                <a:endParaRPr lang="de-CH" b="1">
-                  <a:ln w="10541" cmpd="sng">
-                    <a:solidFill>
-                      <a:srgbClr val="7D7D7D">
-                        <a:tint val="100000"/>
-                        <a:shade val="100000"/>
-                        <a:satMod val="110000"/>
-                      </a:srgbClr>
-                    </a:solidFill>
-                    <a:prstDash val="solid"/>
-                  </a:ln>
-                  <a:gradFill>
-                    <a:gsLst>
-                      <a:gs pos="0">
-                        <a:srgbClr val="FFFFFF">
-                          <a:tint val="40000"/>
-                          <a:satMod val="250000"/>
-                        </a:srgbClr>
-                      </a:gs>
-                      <a:gs pos="9000">
-                        <a:srgbClr val="FFFFFF">
-                          <a:tint val="52000"/>
-                          <a:satMod val="300000"/>
-                        </a:srgbClr>
-                      </a:gs>
-                      <a:gs pos="50000">
-                        <a:srgbClr val="FFFFFF">
-                          <a:shade val="20000"/>
-                          <a:satMod val="300000"/>
-                        </a:srgbClr>
-                      </a:gs>
-                      <a:gs pos="79000">
-                        <a:srgbClr val="FFFFFF">
-                          <a:tint val="52000"/>
-                          <a:satMod val="300000"/>
-                        </a:srgbClr>
-                      </a:gs>
-                      <a:gs pos="100000">
-                        <a:srgbClr val="FFFFFF">
-                          <a:tint val="40000"/>
-                          <a:satMod val="250000"/>
-                        </a:srgbClr>
-                      </a:gs>
-                    </a:gsLst>
-                    <a:lin ang="5400000"/>
-                  </a:gradFill>
-                </a:endParaRPr>
-              </a:p>
-            </p:txBody>
-          </p:sp>
-          <p:sp>
-            <p:nvSpPr>
-              <p:cNvPr id="19" name="Rechteck 18"/>
-              <p:cNvSpPr/>
-              <p:nvPr/>
-            </p:nvSpPr>
-            <p:spPr>
-              <a:xfrm>
-                <a:off x="1683406" y="5301208"/>
-                <a:ext cx="351766" cy="576064"/>
-              </a:xfrm>
-              <a:prstGeom prst="rect">
-                <a:avLst/>
-              </a:prstGeom>
-              <a:solidFill>
-                <a:srgbClr val="FF00FF"/>
-              </a:solidFill>
-              <a:ln w="12700"/>
-            </p:spPr>
-            <p:style>
-              <a:lnRef idx="2">
-                <a:schemeClr val="dk1"/>
-              </a:lnRef>
-              <a:fillRef idx="1">
-                <a:schemeClr val="lt1"/>
-              </a:fillRef>
-              <a:effectRef idx="0">
-                <a:schemeClr val="dk1"/>
-              </a:effectRef>
-              <a:fontRef idx="minor">
-                <a:schemeClr val="dk1"/>
-              </a:fontRef>
-            </p:style>
-            <p:txBody>
-              <a:bodyPr rtlCol="0" anchor="ctr"/>
-              <a:lstStyle/>
-              <a:p>
-                <a:pPr algn="ctr"/>
-                <a:endParaRPr lang="de-CH" b="1">
-                  <a:ln w="10541" cmpd="sng">
-                    <a:solidFill>
-                      <a:srgbClr val="7D7D7D">
-                        <a:tint val="100000"/>
-                        <a:shade val="100000"/>
-                        <a:satMod val="110000"/>
-                      </a:srgbClr>
-                    </a:solidFill>
-                    <a:prstDash val="solid"/>
-                  </a:ln>
-                  <a:gradFill>
-                    <a:gsLst>
-                      <a:gs pos="0">
-                        <a:srgbClr val="FFFFFF">
-                          <a:tint val="40000"/>
-                          <a:satMod val="250000"/>
-                        </a:srgbClr>
-                      </a:gs>
-                      <a:gs pos="9000">
-                        <a:srgbClr val="FFFFFF">
-                          <a:tint val="52000"/>
-                          <a:satMod val="300000"/>
-                        </a:srgbClr>
-                      </a:gs>
-                      <a:gs pos="50000">
-                        <a:srgbClr val="FFFFFF">
-                          <a:shade val="20000"/>
-                          <a:satMod val="300000"/>
-                        </a:srgbClr>
-                      </a:gs>
-                      <a:gs pos="79000">
-                        <a:srgbClr val="FFFFFF">
-                          <a:tint val="52000"/>
-                          <a:satMod val="300000"/>
-                        </a:srgbClr>
-                      </a:gs>
-                      <a:gs pos="100000">
-                        <a:srgbClr val="FFFFFF">
-                          <a:tint val="40000"/>
-                          <a:satMod val="250000"/>
-                        </a:srgbClr>
-                      </a:gs>
-                    </a:gsLst>
-                    <a:lin ang="5400000"/>
-                  </a:gradFill>
-                </a:endParaRPr>
-              </a:p>
-            </p:txBody>
-          </p:sp>
-          <p:sp>
-            <p:nvSpPr>
-              <p:cNvPr id="20" name="Rechteck 19"/>
-              <p:cNvSpPr/>
-              <p:nvPr/>
-            </p:nvSpPr>
-            <p:spPr>
-              <a:xfrm>
-                <a:off x="2035172" y="5301208"/>
-                <a:ext cx="351766" cy="576064"/>
-              </a:xfrm>
-              <a:prstGeom prst="rect">
-                <a:avLst/>
-              </a:prstGeom>
-              <a:solidFill>
-                <a:srgbClr val="808080"/>
-              </a:solidFill>
-              <a:ln w="12700"/>
-            </p:spPr>
-            <p:style>
-              <a:lnRef idx="2">
-                <a:schemeClr val="dk1"/>
-              </a:lnRef>
-              <a:fillRef idx="1">
-                <a:schemeClr val="lt1"/>
-              </a:fillRef>
-              <a:effectRef idx="0">
-                <a:schemeClr val="dk1"/>
-              </a:effectRef>
-              <a:fontRef idx="minor">
-                <a:schemeClr val="dk1"/>
-              </a:fontRef>
-            </p:style>
-            <p:txBody>
-              <a:bodyPr rtlCol="0" anchor="ctr"/>
-              <a:lstStyle/>
-              <a:p>
-                <a:pPr algn="ctr"/>
-                <a:endParaRPr lang="de-CH" b="1">
-                  <a:ln w="10541" cmpd="sng">
-                    <a:solidFill>
-                      <a:srgbClr val="7D7D7D">
-                        <a:tint val="100000"/>
-                        <a:shade val="100000"/>
-                        <a:satMod val="110000"/>
-                      </a:srgbClr>
-                    </a:solidFill>
-                    <a:prstDash val="solid"/>
-                  </a:ln>
-                  <a:gradFill>
-                    <a:gsLst>
-                      <a:gs pos="0">
-                        <a:srgbClr val="FFFFFF">
-                          <a:tint val="40000"/>
-                          <a:satMod val="250000"/>
-                        </a:srgbClr>
-                      </a:gs>
-                      <a:gs pos="9000">
-                        <a:srgbClr val="FFFFFF">
-                          <a:tint val="52000"/>
-                          <a:satMod val="300000"/>
-                        </a:srgbClr>
-                      </a:gs>
-                      <a:gs pos="50000">
-                        <a:srgbClr val="FFFFFF">
-                          <a:shade val="20000"/>
-                          <a:satMod val="300000"/>
-                        </a:srgbClr>
-                      </a:gs>
-                      <a:gs pos="79000">
-                        <a:srgbClr val="FFFFFF">
-                          <a:tint val="52000"/>
-                          <a:satMod val="300000"/>
-                        </a:srgbClr>
-                      </a:gs>
-                      <a:gs pos="100000">
-                        <a:srgbClr val="FFFFFF">
-                          <a:tint val="40000"/>
-                          <a:satMod val="250000"/>
-                        </a:srgbClr>
-                      </a:gs>
-                    </a:gsLst>
-                    <a:lin ang="5400000"/>
-                  </a:gradFill>
-                </a:endParaRPr>
-              </a:p>
-            </p:txBody>
-          </p:sp>
-          <p:sp>
-            <p:nvSpPr>
-              <p:cNvPr id="21" name="Textfeld 20"/>
-              <p:cNvSpPr txBox="1"/>
-              <p:nvPr/>
-            </p:nvSpPr>
-            <p:spPr>
-              <a:xfrm>
-                <a:off x="1338417" y="5877272"/>
-                <a:ext cx="2081455" cy="164077"/>
-              </a:xfrm>
-              <a:prstGeom prst="rect">
-                <a:avLst/>
-              </a:prstGeom>
-              <a:noFill/>
-            </p:spPr>
-            <p:txBody>
-              <a:bodyPr wrap="square" rtlCol="0">
-                <a:spAutoFit/>
-              </a:bodyPr>
-              <a:lstStyle/>
-              <a:p>
-                <a:r>
-                  <a:rPr lang="de-CH" sz="1200" i="1" dirty="0" smtClean="0"/>
-                  <a:t>ArrayList</a:t>
-                </a:r>
-                <a:endParaRPr lang="de-CH" sz="1200" i="1" dirty="0"/>
-              </a:p>
-            </p:txBody>
-          </p:sp>
-        </p:grpSp>
-        <p:sp>
-          <p:nvSpPr>
-            <p:cNvPr id="15" name="Rechteck 14"/>
-            <p:cNvSpPr/>
-            <p:nvPr/>
-          </p:nvSpPr>
-          <p:spPr>
-            <a:xfrm>
-              <a:off x="4067944" y="5013176"/>
-              <a:ext cx="1152128" cy="972524"/>
-            </a:xfrm>
-            <a:prstGeom prst="rect">
-              <a:avLst/>
-            </a:prstGeom>
-            <a:solidFill>
-              <a:srgbClr val="00FF00"/>
-            </a:solidFill>
-            <a:ln w="12700"/>
-          </p:spPr>
-          <p:style>
-            <a:lnRef idx="2">
-              <a:schemeClr val="dk1"/>
-            </a:lnRef>
-            <a:fillRef idx="1">
-              <a:schemeClr val="lt1"/>
-            </a:fillRef>
-            <a:effectRef idx="0">
-              <a:schemeClr val="dk1"/>
-            </a:effectRef>
-            <a:fontRef idx="minor">
-              <a:schemeClr val="dk1"/>
-            </a:fontRef>
-          </p:style>
-          <p:txBody>
-            <a:bodyPr rtlCol="0" anchor="ctr"/>
-            <a:lstStyle/>
-            <a:p>
-              <a:pPr algn="ctr"/>
-              <a:endParaRPr lang="de-CH" b="1">
-                <a:ln w="10541" cmpd="sng">
-                  <a:solidFill>
-                    <a:srgbClr val="7D7D7D">
-                      <a:tint val="100000"/>
-                      <a:shade val="100000"/>
-                      <a:satMod val="110000"/>
-                    </a:srgbClr>
-                  </a:solidFill>
-                  <a:prstDash val="solid"/>
-                </a:ln>
-                <a:gradFill>
-                  <a:gsLst>
-                    <a:gs pos="0">
-                      <a:srgbClr val="FFFFFF">
-                        <a:tint val="40000"/>
-                        <a:satMod val="250000"/>
-                      </a:srgbClr>
-                    </a:gs>
-                    <a:gs pos="9000">
-                      <a:srgbClr val="FFFFFF">
-                        <a:tint val="52000"/>
-                        <a:satMod val="300000"/>
-                      </a:srgbClr>
-                    </a:gs>
-                    <a:gs pos="50000">
-                      <a:srgbClr val="FFFFFF">
-                        <a:shade val="20000"/>
-                        <a:satMod val="300000"/>
-                      </a:srgbClr>
-                    </a:gs>
-                    <a:gs pos="79000">
-                      <a:srgbClr val="FFFFFF">
-                        <a:tint val="52000"/>
-                        <a:satMod val="300000"/>
-                      </a:srgbClr>
-                    </a:gs>
-                    <a:gs pos="100000">
-                      <a:srgbClr val="FFFFFF">
-                        <a:tint val="40000"/>
-                        <a:satMod val="250000"/>
-                      </a:srgbClr>
-                    </a:gs>
-                  </a:gsLst>
-                  <a:lin ang="5400000"/>
-                </a:gradFill>
-              </a:endParaRPr>
-            </a:p>
-          </p:txBody>
-        </p:sp>
-        <p:sp>
-          <p:nvSpPr>
-            <p:cNvPr id="16" name="Rechteck 15"/>
-            <p:cNvSpPr/>
-            <p:nvPr/>
-          </p:nvSpPr>
-          <p:spPr>
-            <a:xfrm>
-              <a:off x="5220072" y="5013176"/>
-              <a:ext cx="1152128" cy="972524"/>
-            </a:xfrm>
-            <a:prstGeom prst="rect">
-              <a:avLst/>
-            </a:prstGeom>
-            <a:solidFill>
-              <a:srgbClr val="FFFF00"/>
-            </a:solidFill>
-            <a:ln w="12700"/>
-          </p:spPr>
-          <p:style>
-            <a:lnRef idx="2">
-              <a:schemeClr val="dk1"/>
-            </a:lnRef>
-            <a:fillRef idx="1">
-              <a:schemeClr val="lt1"/>
-            </a:fillRef>
-            <a:effectRef idx="0">
-              <a:schemeClr val="dk1"/>
-            </a:effectRef>
-            <a:fontRef idx="minor">
-              <a:schemeClr val="dk1"/>
-            </a:fontRef>
-          </p:style>
-          <p:txBody>
-            <a:bodyPr rtlCol="0" anchor="ctr"/>
-            <a:lstStyle/>
-            <a:p>
-              <a:pPr algn="ctr"/>
-              <a:endParaRPr lang="de-CH" b="1">
-                <a:ln w="10541" cmpd="sng">
-                  <a:solidFill>
-                    <a:srgbClr val="7D7D7D">
-                      <a:tint val="100000"/>
-                      <a:shade val="100000"/>
-                      <a:satMod val="110000"/>
-                    </a:srgbClr>
-                  </a:solidFill>
-                  <a:prstDash val="solid"/>
-                </a:ln>
-                <a:gradFill>
-                  <a:gsLst>
-                    <a:gs pos="0">
-                      <a:srgbClr val="FFFFFF">
-                        <a:tint val="40000"/>
-                        <a:satMod val="250000"/>
-                      </a:srgbClr>
-                    </a:gs>
-                    <a:gs pos="9000">
-                      <a:srgbClr val="FFFFFF">
-                        <a:tint val="52000"/>
-                        <a:satMod val="300000"/>
-                      </a:srgbClr>
-                    </a:gs>
-                    <a:gs pos="50000">
-                      <a:srgbClr val="FFFFFF">
-                        <a:shade val="20000"/>
-                        <a:satMod val="300000"/>
-                      </a:srgbClr>
-                    </a:gs>
-                    <a:gs pos="79000">
-                      <a:srgbClr val="FFFFFF">
-                        <a:tint val="52000"/>
-                        <a:satMod val="300000"/>
-                      </a:srgbClr>
-                    </a:gs>
-                    <a:gs pos="100000">
-                      <a:srgbClr val="FFFFFF">
-                        <a:tint val="40000"/>
-                        <a:satMod val="250000"/>
-                      </a:srgbClr>
-                    </a:gs>
-                  </a:gsLst>
-                  <a:lin ang="5400000"/>
-                </a:gradFill>
-              </a:endParaRPr>
-            </a:p>
-          </p:txBody>
-        </p:sp>
-        <p:sp>
-          <p:nvSpPr>
-            <p:cNvPr id="17" name="Rechteck 16"/>
-            <p:cNvSpPr/>
-            <p:nvPr/>
-          </p:nvSpPr>
-          <p:spPr>
-            <a:xfrm>
-              <a:off x="6372200" y="5013176"/>
-              <a:ext cx="1152128" cy="972524"/>
-            </a:xfrm>
-            <a:prstGeom prst="rect">
-              <a:avLst/>
-            </a:prstGeom>
-            <a:solidFill>
-              <a:srgbClr val="0000FF"/>
-            </a:solidFill>
-            <a:ln w="12700"/>
-          </p:spPr>
-          <p:style>
-            <a:lnRef idx="2">
-              <a:schemeClr val="dk1"/>
-            </a:lnRef>
-            <a:fillRef idx="1">
-              <a:schemeClr val="lt1"/>
-            </a:fillRef>
-            <a:effectRef idx="0">
-              <a:schemeClr val="dk1"/>
-            </a:effectRef>
-            <a:fontRef idx="minor">
-              <a:schemeClr val="dk1"/>
-            </a:fontRef>
-          </p:style>
-          <p:txBody>
-            <a:bodyPr rtlCol="0" anchor="ctr"/>
-            <a:lstStyle/>
-            <a:p>
-              <a:pPr algn="ctr"/>
-              <a:endParaRPr lang="de-CH" b="1">
-                <a:ln w="10541" cmpd="sng">
-                  <a:solidFill>
-                    <a:srgbClr val="7D7D7D">
-                      <a:tint val="100000"/>
-                      <a:shade val="100000"/>
-                      <a:satMod val="110000"/>
-                    </a:srgbClr>
-                  </a:solidFill>
-                  <a:prstDash val="solid"/>
-                </a:ln>
-                <a:gradFill>
-                  <a:gsLst>
-                    <a:gs pos="0">
-                      <a:srgbClr val="FFFFFF">
-                        <a:tint val="40000"/>
-                        <a:satMod val="250000"/>
-                      </a:srgbClr>
-                    </a:gs>
-                    <a:gs pos="9000">
-                      <a:srgbClr val="FFFFFF">
-                        <a:tint val="52000"/>
-                        <a:satMod val="300000"/>
-                      </a:srgbClr>
-                    </a:gs>
-                    <a:gs pos="50000">
-                      <a:srgbClr val="FFFFFF">
-                        <a:shade val="20000"/>
-                        <a:satMod val="300000"/>
-                      </a:srgbClr>
-                    </a:gs>
-                    <a:gs pos="79000">
-                      <a:srgbClr val="FFFFFF">
-                        <a:tint val="52000"/>
-                        <a:satMod val="300000"/>
-                      </a:srgbClr>
-                    </a:gs>
-                    <a:gs pos="100000">
-                      <a:srgbClr val="FFFFFF">
-                        <a:tint val="40000"/>
-                        <a:satMod val="250000"/>
-                      </a:srgbClr>
-                    </a:gs>
-                  </a:gsLst>
-                  <a:lin ang="5400000"/>
-                </a:gradFill>
-              </a:endParaRPr>
-            </a:p>
-          </p:txBody>
-        </p:sp>
-      </p:grpSp>
+          <a:prstGeom prst="rect">
+            <a:avLst/>
+          </a:prstGeom>
+          <a:noFill/>
+        </p:spPr>
+      </p:pic>
     </p:spTree>
     <p:extLst>
       <p:ext uri="{BB962C8B-B14F-4D97-AF65-F5344CB8AC3E}">
-        <p14:creationId xmlns="" xmlns:p14="http://schemas.microsoft.com/office/powerpoint/2010/main" val="323489840"/>
+        <p14:creationId xmlns:p14="http://schemas.microsoft.com/office/powerpoint/2010/main" xmlns="" val="323489840"/>
       </p:ext>
     </p:extLst>
   </p:cSld>

--- a/presentation/Visualizing Objects in Java.pptx
+++ b/presentation/Visualizing Objects in Java.pptx
@@ -5,7 +5,7 @@
     <p:sldMasterId id="2147483648" r:id="rId1"/>
   </p:sldMasterIdLst>
   <p:notesMasterIdLst>
-    <p:notesMasterId r:id="rId17"/>
+    <p:notesMasterId r:id="rId19"/>
   </p:notesMasterIdLst>
   <p:sldIdLst>
     <p:sldId id="256" r:id="rId2"/>
@@ -23,6 +23,8 @@
     <p:sldId id="272" r:id="rId14"/>
     <p:sldId id="273" r:id="rId15"/>
     <p:sldId id="274" r:id="rId16"/>
+    <p:sldId id="276" r:id="rId17"/>
+    <p:sldId id="275" r:id="rId18"/>
   </p:sldIdLst>
   <p:sldSz cx="9144000" cy="6858000" type="screen4x3"/>
   <p:notesSz cx="6858000" cy="9144000"/>
@@ -5429,6 +5431,356 @@
               <a:latin typeface="+mj-lt"/>
               <a:ea typeface="+mj-ea"/>
               <a:cs typeface="+mj-cs"/>
+            </a:endParaRPr>
+          </a:p>
+        </p:txBody>
+      </p:sp>
+    </p:spTree>
+  </p:cSld>
+  <p:clrMapOvr>
+    <a:masterClrMapping/>
+  </p:clrMapOvr>
+  <p:timing>
+    <p:tnLst>
+      <p:par>
+        <p:cTn id="1" dur="indefinite" restart="never" nodeType="tmRoot"/>
+      </p:par>
+    </p:tnLst>
+  </p:timing>
+</p:sld>
+</file>
+
+<file path=ppt/slides/slide16.xml><?xml version="1.0" encoding="utf-8"?>
+<p:sld xmlns:a="http://schemas.openxmlformats.org/drawingml/2006/main" xmlns:r="http://schemas.openxmlformats.org/officeDocument/2006/relationships" xmlns:p="http://schemas.openxmlformats.org/presentationml/2006/main">
+  <p:cSld>
+    <p:spTree>
+      <p:nvGrpSpPr>
+        <p:cNvPr id="1" name=""/>
+        <p:cNvGrpSpPr/>
+        <p:nvPr/>
+      </p:nvGrpSpPr>
+      <p:grpSpPr>
+        <a:xfrm>
+          <a:off x="0" y="0"/>
+          <a:ext cx="0" cy="0"/>
+          <a:chOff x="0" y="0"/>
+          <a:chExt cx="0" cy="0"/>
+        </a:xfrm>
+      </p:grpSpPr>
+      <p:sp>
+        <p:nvSpPr>
+          <p:cNvPr id="3" name="Inhaltsplatzhalter 2"/>
+          <p:cNvSpPr>
+            <a:spLocks noGrp="1"/>
+          </p:cNvSpPr>
+          <p:nvPr>
+            <p:ph idx="1"/>
+          </p:nvPr>
+        </p:nvSpPr>
+        <p:spPr/>
+        <p:txBody>
+          <a:bodyPr/>
+          <a:lstStyle/>
+          <a:p>
+            <a:endParaRPr lang="de-CH"/>
+          </a:p>
+        </p:txBody>
+      </p:sp>
+      <p:sp>
+        <p:nvSpPr>
+          <p:cNvPr id="6" name="Titel 1"/>
+          <p:cNvSpPr>
+            <a:spLocks noGrp="1"/>
+          </p:cNvSpPr>
+          <p:nvPr>
+            <p:ph type="title"/>
+          </p:nvPr>
+        </p:nvSpPr>
+        <p:spPr>
+          <a:xfrm>
+            <a:off x="457200" y="116632"/>
+            <a:ext cx="8229600" cy="1143000"/>
+          </a:xfrm>
+        </p:spPr>
+        <p:txBody>
+          <a:bodyPr/>
+          <a:lstStyle/>
+          <a:p>
+            <a:r>
+              <a:rPr lang="de-CH" dirty="0" err="1" smtClean="0"/>
+              <a:t>Possible</a:t>
+            </a:r>
+            <a:r>
+              <a:rPr lang="de-CH" dirty="0" smtClean="0"/>
+              <a:t> Feature: Custom Mapping</a:t>
+            </a:r>
+            <a:endParaRPr lang="de-CH" dirty="0"/>
+          </a:p>
+        </p:txBody>
+      </p:sp>
+      <p:pic>
+        <p:nvPicPr>
+          <p:cNvPr id="4098" name="Picture 2" descr="C:\Users\Reichenbach Cedric\Dropbox\studium\ba\pics presentation\skizze visualization floor unmapped Kopie.jpg"/>
+          <p:cNvPicPr>
+            <a:picLocks noChangeAspect="1" noChangeArrowheads="1"/>
+          </p:cNvPicPr>
+          <p:nvPr/>
+        </p:nvPicPr>
+        <p:blipFill>
+          <a:blip r:embed="rId2" cstate="print"/>
+          <a:srcRect l="6567" t="9850" r="15534" b="9007"/>
+          <a:stretch>
+            <a:fillRect/>
+          </a:stretch>
+        </p:blipFill>
+        <p:spPr bwMode="auto">
+          <a:xfrm>
+            <a:off x="644970" y="1242979"/>
+            <a:ext cx="7671446" cy="4994333"/>
+          </a:xfrm>
+          <a:prstGeom prst="rect">
+            <a:avLst/>
+          </a:prstGeom>
+          <a:noFill/>
+        </p:spPr>
+      </p:pic>
+      <p:sp>
+        <p:nvSpPr>
+          <p:cNvPr id="8" name="Rechteck 7"/>
+          <p:cNvSpPr/>
+          <p:nvPr/>
+        </p:nvSpPr>
+        <p:spPr>
+          <a:xfrm>
+            <a:off x="5796136" y="5661248"/>
+            <a:ext cx="2592288" cy="369332"/>
+          </a:xfrm>
+          <a:prstGeom prst="rect">
+            <a:avLst/>
+          </a:prstGeom>
+        </p:spPr>
+        <p:style>
+          <a:lnRef idx="1">
+            <a:schemeClr val="accent5"/>
+          </a:lnRef>
+          <a:fillRef idx="2">
+            <a:schemeClr val="accent5"/>
+          </a:fillRef>
+          <a:effectRef idx="1">
+            <a:schemeClr val="accent5"/>
+          </a:effectRef>
+          <a:fontRef idx="minor">
+            <a:schemeClr val="dk1"/>
+          </a:fontRef>
+        </p:style>
+        <p:txBody>
+          <a:bodyPr wrap="square">
+            <a:spAutoFit/>
+          </a:bodyPr>
+          <a:lstStyle/>
+          <a:p>
+            <a:pPr>
+              <a:buNone/>
+            </a:pPr>
+            <a:r>
+              <a:rPr lang="de-CH" dirty="0" smtClean="0">
+                <a:latin typeface="Courier New" pitchFamily="49" charset="0"/>
+                <a:cs typeface="Courier New" pitchFamily="49" charset="0"/>
+              </a:rPr>
+              <a:t>D.raw(</a:t>
+            </a:r>
+            <a:r>
+              <a:rPr lang="de-CH" dirty="0" err="1" smtClean="0">
+                <a:latin typeface="Courier New" pitchFamily="49" charset="0"/>
+                <a:cs typeface="Courier New" pitchFamily="49" charset="0"/>
+              </a:rPr>
+              <a:t>floor</a:t>
+            </a:r>
+            <a:r>
+              <a:rPr lang="de-CH" dirty="0" smtClean="0">
+                <a:latin typeface="Courier New" pitchFamily="49" charset="0"/>
+                <a:cs typeface="Courier New" pitchFamily="49" charset="0"/>
+              </a:rPr>
+              <a:t>);</a:t>
+            </a:r>
+            <a:endParaRPr lang="de-CH" dirty="0">
+              <a:latin typeface="Courier New" pitchFamily="49" charset="0"/>
+              <a:cs typeface="Courier New" pitchFamily="49" charset="0"/>
+            </a:endParaRPr>
+          </a:p>
+        </p:txBody>
+      </p:sp>
+    </p:spTree>
+  </p:cSld>
+  <p:clrMapOvr>
+    <a:masterClrMapping/>
+  </p:clrMapOvr>
+  <p:timing>
+    <p:tnLst>
+      <p:par>
+        <p:cTn id="1" dur="indefinite" restart="never" nodeType="tmRoot"/>
+      </p:par>
+    </p:tnLst>
+  </p:timing>
+</p:sld>
+</file>
+
+<file path=ppt/slides/slide17.xml><?xml version="1.0" encoding="utf-8"?>
+<p:sld xmlns:a="http://schemas.openxmlformats.org/drawingml/2006/main" xmlns:r="http://schemas.openxmlformats.org/officeDocument/2006/relationships" xmlns:p="http://schemas.openxmlformats.org/presentationml/2006/main">
+  <p:cSld>
+    <p:spTree>
+      <p:nvGrpSpPr>
+        <p:cNvPr id="1" name=""/>
+        <p:cNvGrpSpPr/>
+        <p:nvPr/>
+      </p:nvGrpSpPr>
+      <p:grpSpPr>
+        <a:xfrm>
+          <a:off x="0" y="0"/>
+          <a:ext cx="0" cy="0"/>
+          <a:chOff x="0" y="0"/>
+          <a:chExt cx="0" cy="0"/>
+        </a:xfrm>
+      </p:grpSpPr>
+      <p:sp>
+        <p:nvSpPr>
+          <p:cNvPr id="2" name="Titel 1"/>
+          <p:cNvSpPr>
+            <a:spLocks noGrp="1"/>
+          </p:cNvSpPr>
+          <p:nvPr>
+            <p:ph type="title"/>
+          </p:nvPr>
+        </p:nvSpPr>
+        <p:spPr>
+          <a:xfrm>
+            <a:off x="457200" y="116632"/>
+            <a:ext cx="8229600" cy="1143000"/>
+          </a:xfrm>
+        </p:spPr>
+        <p:txBody>
+          <a:bodyPr/>
+          <a:lstStyle/>
+          <a:p>
+            <a:r>
+              <a:rPr lang="de-CH" dirty="0" err="1" smtClean="0"/>
+              <a:t>Possible</a:t>
+            </a:r>
+            <a:r>
+              <a:rPr lang="de-CH" dirty="0" smtClean="0"/>
+              <a:t> Feature: Custom Mapping</a:t>
+            </a:r>
+            <a:endParaRPr lang="de-CH" dirty="0"/>
+          </a:p>
+        </p:txBody>
+      </p:sp>
+      <p:sp>
+        <p:nvSpPr>
+          <p:cNvPr id="3" name="Inhaltsplatzhalter 2"/>
+          <p:cNvSpPr>
+            <a:spLocks noGrp="1"/>
+          </p:cNvSpPr>
+          <p:nvPr>
+            <p:ph idx="1"/>
+          </p:nvPr>
+        </p:nvSpPr>
+        <p:spPr/>
+        <p:txBody>
+          <a:bodyPr/>
+          <a:lstStyle/>
+          <a:p>
+            <a:endParaRPr lang="de-CH" dirty="0"/>
+          </a:p>
+        </p:txBody>
+      </p:sp>
+      <p:pic>
+        <p:nvPicPr>
+          <p:cNvPr id="3076" name="Picture 4" descr="C:\Users\Reichenbach Cedric\Dropbox\studium\ba\pics presentation\skizze visualization floor mapped Kopie.jpg"/>
+          <p:cNvPicPr>
+            <a:picLocks noChangeAspect="1" noChangeArrowheads="1"/>
+          </p:cNvPicPr>
+          <p:nvPr/>
+        </p:nvPicPr>
+        <p:blipFill>
+          <a:blip r:embed="rId2" cstate="print"/>
+          <a:srcRect l="6353" t="9082" r="15688" b="9306"/>
+          <a:stretch>
+            <a:fillRect/>
+          </a:stretch>
+        </p:blipFill>
+        <p:spPr bwMode="auto">
+          <a:xfrm>
+            <a:off x="611560" y="1196752"/>
+            <a:ext cx="7704856" cy="5040560"/>
+          </a:xfrm>
+          <a:prstGeom prst="rect">
+            <a:avLst/>
+          </a:prstGeom>
+          <a:noFill/>
+        </p:spPr>
+      </p:pic>
+      <p:sp>
+        <p:nvSpPr>
+          <p:cNvPr id="7" name="Rechteck 6"/>
+          <p:cNvSpPr/>
+          <p:nvPr/>
+        </p:nvSpPr>
+        <p:spPr>
+          <a:xfrm>
+            <a:off x="5796136" y="5661248"/>
+            <a:ext cx="2592288" cy="369332"/>
+          </a:xfrm>
+          <a:prstGeom prst="rect">
+            <a:avLst/>
+          </a:prstGeom>
+        </p:spPr>
+        <p:style>
+          <a:lnRef idx="1">
+            <a:schemeClr val="accent5"/>
+          </a:lnRef>
+          <a:fillRef idx="2">
+            <a:schemeClr val="accent5"/>
+          </a:fillRef>
+          <a:effectRef idx="1">
+            <a:schemeClr val="accent5"/>
+          </a:effectRef>
+          <a:fontRef idx="minor">
+            <a:schemeClr val="dk1"/>
+          </a:fontRef>
+        </p:style>
+        <p:txBody>
+          <a:bodyPr wrap="square">
+            <a:spAutoFit/>
+          </a:bodyPr>
+          <a:lstStyle/>
+          <a:p>
+            <a:pPr>
+              <a:buNone/>
+            </a:pPr>
+            <a:r>
+              <a:rPr lang="de-CH" dirty="0" smtClean="0">
+                <a:latin typeface="Courier New" pitchFamily="49" charset="0"/>
+                <a:cs typeface="Courier New" pitchFamily="49" charset="0"/>
+              </a:rPr>
+              <a:t>D.raw(</a:t>
+            </a:r>
+            <a:r>
+              <a:rPr lang="de-CH" dirty="0" err="1" smtClean="0">
+                <a:latin typeface="Courier New" pitchFamily="49" charset="0"/>
+                <a:cs typeface="Courier New" pitchFamily="49" charset="0"/>
+              </a:rPr>
+              <a:t>floor</a:t>
+            </a:r>
+            <a:r>
+              <a:rPr lang="de-CH" dirty="0" smtClean="0">
+                <a:latin typeface="Courier New" pitchFamily="49" charset="0"/>
+                <a:cs typeface="Courier New" pitchFamily="49" charset="0"/>
+              </a:rPr>
+              <a:t>);</a:t>
+            </a:r>
+            <a:endParaRPr lang="de-CH" dirty="0">
+              <a:latin typeface="Courier New" pitchFamily="49" charset="0"/>
+              <a:cs typeface="Courier New" pitchFamily="49" charset="0"/>
             </a:endParaRPr>
           </a:p>
         </p:txBody>
